--- a/collection/NumberOneTraining.pptx
+++ b/collection/NumberOneTraining.pptx
@@ -223,10 +223,10 @@
           <c:layoutTarget val="inner"/>
           <c:xMode val="edge"/>
           <c:yMode val="edge"/>
-          <c:x val="0.49436176727909009"/>
-          <c:y val="0.16708333333333336"/>
-          <c:w val="0.45097156605424321"/>
-          <c:h val="0.61498432487605714"/>
+          <c:x val="0.32474061180308672"/>
+          <c:y val="8.2608492431596708E-2"/>
+          <c:w val="0.62059264489749011"/>
+          <c:h val="0.82046381188652784"/>
         </c:manualLayout>
       </c:layout>
       <c:barChart>
@@ -8191,7 +8191,7 @@
           <a:p>
             <a:fld id="{59088EAF-6ECA-4616-85EF-35AA19C641F3}" type="datetimeFigureOut">
               <a:rPr lang="en-US"/>
-              <a:t>8/10/2017</a:t>
+              <a:t>8/12/2017</a:t>
             </a:fld>
             <a:endParaRPr/>
           </a:p>
@@ -8356,7 +8356,7 @@
           <a:p>
             <a:fld id="{3ABD2D7A-D230-4F91-BD59-0A39C2703BA8}" type="datetimeFigureOut">
               <a:rPr lang="en-US"/>
-              <a:t>8/10/2017</a:t>
+              <a:t>8/12/2017</a:t>
             </a:fld>
             <a:endParaRPr/>
           </a:p>
@@ -8965,7 +8965,7 @@
           <a:p>
             <a:fld id="{03F41C87-7AD9-4845-A077-840E4A0F3F06}" type="datetimeFigureOut">
               <a:rPr lang="en-US"/>
-              <a:t>8/10/2017</a:t>
+              <a:t>8/12/2017</a:t>
             </a:fld>
             <a:endParaRPr/>
           </a:p>
@@ -9157,7 +9157,7 @@
           <a:p>
             <a:fld id="{03F41C87-7AD9-4845-A077-840E4A0F3F06}" type="datetimeFigureOut">
               <a:rPr lang="en-US"/>
-              <a:t>8/10/2017</a:t>
+              <a:t>8/12/2017</a:t>
             </a:fld>
             <a:endParaRPr/>
           </a:p>
@@ -9346,7 +9346,7 @@
           <a:p>
             <a:fld id="{03F41C87-7AD9-4845-A077-840E4A0F3F06}" type="datetimeFigureOut">
               <a:rPr lang="en-US"/>
-              <a:t>8/10/2017</a:t>
+              <a:t>8/12/2017</a:t>
             </a:fld>
             <a:endParaRPr/>
           </a:p>
@@ -9626,7 +9626,7 @@
           <a:p>
             <a:fld id="{03F41C87-7AD9-4845-A077-840E4A0F3F06}" type="datetimeFigureOut">
               <a:rPr lang="en-US"/>
-              <a:t>8/10/2017</a:t>
+              <a:t>8/12/2017</a:t>
             </a:fld>
             <a:endParaRPr/>
           </a:p>
@@ -9930,7 +9930,7 @@
           <a:p>
             <a:fld id="{03F41C87-7AD9-4845-A077-840E4A0F3F06}" type="datetimeFigureOut">
               <a:rPr lang="en-US"/>
-              <a:t>8/10/2017</a:t>
+              <a:t>8/12/2017</a:t>
             </a:fld>
             <a:endParaRPr/>
           </a:p>
@@ -10386,7 +10386,7 @@
           <a:p>
             <a:fld id="{03F41C87-7AD9-4845-A077-840E4A0F3F06}" type="datetimeFigureOut">
               <a:rPr lang="en-US"/>
-              <a:t>8/10/2017</a:t>
+              <a:t>8/12/2017</a:t>
             </a:fld>
             <a:endParaRPr/>
           </a:p>
@@ -10516,7 +10516,7 @@
           <a:p>
             <a:fld id="{03F41C87-7AD9-4845-A077-840E4A0F3F06}" type="datetimeFigureOut">
               <a:rPr lang="en-US"/>
-              <a:t>8/10/2017</a:t>
+              <a:t>8/12/2017</a:t>
             </a:fld>
             <a:endParaRPr/>
           </a:p>
@@ -10631,7 +10631,7 @@
           <a:p>
             <a:fld id="{03F41C87-7AD9-4845-A077-840E4A0F3F06}" type="datetimeFigureOut">
               <a:rPr lang="en-US"/>
-              <a:t>8/10/2017</a:t>
+              <a:t>8/12/2017</a:t>
             </a:fld>
             <a:endParaRPr/>
           </a:p>
@@ -10953,7 +10953,7 @@
           <a:p>
             <a:fld id="{03F41C87-7AD9-4845-A077-840E4A0F3F06}" type="datetimeFigureOut">
               <a:rPr lang="en-US"/>
-              <a:t>8/10/2017</a:t>
+              <a:t>8/12/2017</a:t>
             </a:fld>
             <a:endParaRPr/>
           </a:p>
@@ -11265,7 +11265,7 @@
             <a:fld id="{03F41C87-7AD9-4845-A077-840E4A0F3F06}" type="datetimeFigureOut">
               <a:rPr lang="en-US"/>
               <a:pPr/>
-              <a:t>8/10/2017</a:t>
+              <a:t>8/12/2017</a:t>
             </a:fld>
             <a:endParaRPr/>
           </a:p>
@@ -11519,7 +11519,7 @@
             <a:fld id="{03F41C87-7AD9-4845-A077-840E4A0F3F06}" type="datetimeFigureOut">
               <a:rPr lang="en-US" smtClean="0"/>
               <a:pPr/>
-              <a:t>8/10/2017</a:t>
+              <a:t>8/12/2017</a:t>
             </a:fld>
             <a:endParaRPr lang="en-US"/>
           </a:p>
@@ -12331,6 +12331,12 @@
           <a:p>
             <a:r>
               <a:rPr lang="en-US" dirty="0"/>
+              <a:t>Florist Entrepreneur Program</a:t>
+            </a:r>
+          </a:p>
+          <a:p>
+            <a:r>
+              <a:rPr lang="en-US" dirty="0"/>
               <a:t>Security Monitoring Service Entrepreneur Program</a:t>
             </a:r>
           </a:p>
@@ -12344,12 +12350,6 @@
             <a:r>
               <a:rPr lang="en-US" dirty="0"/>
               <a:t>Medical Marijuana Related Entrepreneur Programs</a:t>
-            </a:r>
-          </a:p>
-          <a:p>
-            <a:r>
-              <a:rPr lang="en-US" dirty="0"/>
-              <a:t>Florist Entrepreneur Program</a:t>
             </a:r>
           </a:p>
         </p:txBody>
@@ -12443,24 +12443,38 @@
         </p:nvSpPr>
         <p:spPr/>
         <p:txBody>
-          <a:bodyPr/>
+          <a:bodyPr>
+            <a:normAutofit lnSpcReduction="10000"/>
+          </a:bodyPr>
           <a:lstStyle/>
+          <a:p>
+            <a:r>
+              <a:rPr lang="en-US" dirty="0"/>
+              <a:t>Clothing / Uniform Assistance through our  Dress For Success Vault</a:t>
+            </a:r>
+          </a:p>
+          <a:p>
+            <a:r>
+              <a:rPr lang="en-US" dirty="0"/>
+              <a:t>We pair our students with a mentor in their field</a:t>
+            </a:r>
+          </a:p>
+          <a:p>
+            <a:r>
+              <a:rPr lang="en-US" dirty="0"/>
+              <a:t>Career Services </a:t>
+            </a:r>
+          </a:p>
+          <a:p>
+            <a:r>
+              <a:rPr lang="en-US" dirty="0"/>
+              <a:t>Laptops for CNA / Direct Care Students </a:t>
+            </a:r>
+          </a:p>
           <a:p>
             <a:r>
               <a:rPr lang="en-US" dirty="0"/>
               <a:t>Business Funding</a:t>
-            </a:r>
-          </a:p>
-          <a:p>
-            <a:r>
-              <a:rPr lang="en-US" dirty="0"/>
-              <a:t>Mentoring</a:t>
-            </a:r>
-          </a:p>
-          <a:p>
-            <a:r>
-              <a:rPr lang="en-US" dirty="0"/>
-              <a:t>Career Services </a:t>
             </a:r>
           </a:p>
           <a:p>
@@ -13089,7 +13103,7 @@
             <p:ph idx="1"/>
             <p:extLst>
               <p:ext uri="{D42A27DB-BD31-4B8C-83A1-F6EECF244321}">
-                <p14:modId xmlns:p14="http://schemas.microsoft.com/office/powerpoint/2010/main" val="3190172226"/>
+                <p14:modId xmlns:p14="http://schemas.microsoft.com/office/powerpoint/2010/main" val="3750735746"/>
               </p:ext>
             </p:extLst>
           </p:nvPr>
@@ -14651,142 +14665,6 @@
 </file>
 
 <file path=customXml/item1.xml><?xml version="1.0" encoding="utf-8"?>
-<?mso-contentType ?>
-<FormTemplates xmlns="http://schemas.microsoft.com/sharepoint/v3/contenttype/forms">
-  <Display>DocumentLibraryForm</Display>
-  <Edit>AssetEditForm</Edit>
-  <New>DocumentLibraryForm</New>
-</FormTemplates>
-</file>
-
-<file path=customXml/item2.xml><?xml version="1.0" encoding="utf-8"?>
-<p:properties xmlns:p="http://schemas.microsoft.com/office/2006/metadata/properties" xmlns:xsi="http://www.w3.org/2001/XMLSchema-instance" xmlns:pc="http://schemas.microsoft.com/office/infopath/2007/PartnerControls">
-  <documentManagement>
-    <DirectSourceMarket xmlns="4873beb7-5857-4685-be1f-d57550cc96cc" xsi:nil="true"/>
-    <ApprovalStatus xmlns="4873beb7-5857-4685-be1f-d57550cc96cc">InProgress</ApprovalStatus>
-    <MarketSpecific xmlns="4873beb7-5857-4685-be1f-d57550cc96cc">false</MarketSpecific>
-    <LocComments xmlns="4873beb7-5857-4685-be1f-d57550cc96cc" xsi:nil="true"/>
-    <ThumbnailAssetId xmlns="4873beb7-5857-4685-be1f-d57550cc96cc" xsi:nil="true"/>
-    <PrimaryImageGen xmlns="4873beb7-5857-4685-be1f-d57550cc96cc">true</PrimaryImageGen>
-    <LegacyData xmlns="4873beb7-5857-4685-be1f-d57550cc96cc" xsi:nil="true"/>
-    <LocRecommendedHandoff xmlns="4873beb7-5857-4685-be1f-d57550cc96cc" xsi:nil="true"/>
-    <BusinessGroup xmlns="4873beb7-5857-4685-be1f-d57550cc96cc" xsi:nil="true"/>
-    <BlockPublish xmlns="4873beb7-5857-4685-be1f-d57550cc96cc">false</BlockPublish>
-    <TPFriendlyName xmlns="4873beb7-5857-4685-be1f-d57550cc96cc" xsi:nil="true"/>
-    <NumericId xmlns="4873beb7-5857-4685-be1f-d57550cc96cc" xsi:nil="true"/>
-    <APEditor xmlns="4873beb7-5857-4685-be1f-d57550cc96cc">
-      <UserInfo>
-        <DisplayName/>
-        <AccountId xsi:nil="true"/>
-        <AccountType/>
-      </UserInfo>
-    </APEditor>
-    <SourceTitle xmlns="4873beb7-5857-4685-be1f-d57550cc96cc" xsi:nil="true"/>
-    <OpenTemplate xmlns="4873beb7-5857-4685-be1f-d57550cc96cc">true</OpenTemplate>
-    <UALocComments xmlns="4873beb7-5857-4685-be1f-d57550cc96cc" xsi:nil="true"/>
-    <ParentAssetId xmlns="4873beb7-5857-4685-be1f-d57550cc96cc" xsi:nil="true"/>
-    <IntlLangReviewDate xmlns="4873beb7-5857-4685-be1f-d57550cc96cc" xsi:nil="true"/>
-    <FeatureTagsTaxHTField0 xmlns="4873beb7-5857-4685-be1f-d57550cc96cc">
-      <Terms xmlns="http://schemas.microsoft.com/office/infopath/2007/PartnerControls"/>
-    </FeatureTagsTaxHTField0>
-    <PublishStatusLookup xmlns="4873beb7-5857-4685-be1f-d57550cc96cc">
-      <Value>1564227</Value>
-    </PublishStatusLookup>
-    <Providers xmlns="4873beb7-5857-4685-be1f-d57550cc96cc" xsi:nil="true"/>
-    <MachineTranslated xmlns="4873beb7-5857-4685-be1f-d57550cc96cc">false</MachineTranslated>
-    <OriginalSourceMarket xmlns="4873beb7-5857-4685-be1f-d57550cc96cc" xsi:nil="true"/>
-    <APDescription xmlns="4873beb7-5857-4685-be1f-d57550cc96cc">Take your audience through a digital tunnel where they'll  burst through to the other side and see the information you want to present. Show them lists, charts, tables, SmartArt,  and pictures using a variety of layouts in widescreen (16X9) format. This design works well for subjects on science and technology, computers, communication, and more.   
-</APDescription>
-    <ClipArtFilename xmlns="4873beb7-5857-4685-be1f-d57550cc96cc" xsi:nil="true"/>
-    <ContentItem xmlns="4873beb7-5857-4685-be1f-d57550cc96cc" xsi:nil="true"/>
-    <TPInstallLocation xmlns="4873beb7-5857-4685-be1f-d57550cc96cc" xsi:nil="true"/>
-    <PublishTargets xmlns="4873beb7-5857-4685-be1f-d57550cc96cc">OfficeOnlineVNext</PublishTargets>
-    <TimesCloned xmlns="4873beb7-5857-4685-be1f-d57550cc96cc" xsi:nil="true"/>
-    <AssetStart xmlns="4873beb7-5857-4685-be1f-d57550cc96cc">2012-05-11T02:04:00+00:00</AssetStart>
-    <Provider xmlns="4873beb7-5857-4685-be1f-d57550cc96cc" xsi:nil="true"/>
-    <AcquiredFrom xmlns="4873beb7-5857-4685-be1f-d57550cc96cc">Internal MS</AcquiredFrom>
-    <FriendlyTitle xmlns="4873beb7-5857-4685-be1f-d57550cc96cc" xsi:nil="true"/>
-    <LastHandOff xmlns="4873beb7-5857-4685-be1f-d57550cc96cc" xsi:nil="true"/>
-    <TPClientViewer xmlns="4873beb7-5857-4685-be1f-d57550cc96cc" xsi:nil="true"/>
-    <UACurrentWords xmlns="4873beb7-5857-4685-be1f-d57550cc96cc" xsi:nil="true"/>
-    <ArtSampleDocs xmlns="4873beb7-5857-4685-be1f-d57550cc96cc" xsi:nil="true"/>
-    <UALocRecommendation xmlns="4873beb7-5857-4685-be1f-d57550cc96cc">Localize</UALocRecommendation>
-    <Manager xmlns="4873beb7-5857-4685-be1f-d57550cc96cc" xsi:nil="true"/>
-    <ShowIn xmlns="4873beb7-5857-4685-be1f-d57550cc96cc">Show everywhere</ShowIn>
-    <UANotes xmlns="4873beb7-5857-4685-be1f-d57550cc96cc" xsi:nil="true"/>
-    <TemplateStatus xmlns="4873beb7-5857-4685-be1f-d57550cc96cc">Complete</TemplateStatus>
-    <InternalTagsTaxHTField0 xmlns="4873beb7-5857-4685-be1f-d57550cc96cc">
-      <Terms xmlns="http://schemas.microsoft.com/office/infopath/2007/PartnerControls"/>
-    </InternalTagsTaxHTField0>
-    <CSXHash xmlns="4873beb7-5857-4685-be1f-d57550cc96cc" xsi:nil="true"/>
-    <Downloads xmlns="4873beb7-5857-4685-be1f-d57550cc96cc">0</Downloads>
-    <VoteCount xmlns="4873beb7-5857-4685-be1f-d57550cc96cc" xsi:nil="true"/>
-    <OOCacheId xmlns="4873beb7-5857-4685-be1f-d57550cc96cc" xsi:nil="true"/>
-    <IsDeleted xmlns="4873beb7-5857-4685-be1f-d57550cc96cc">false</IsDeleted>
-    <AssetExpire xmlns="4873beb7-5857-4685-be1f-d57550cc96cc">2029-01-01T08:00:00+00:00</AssetExpire>
-    <DSATActionTaken xmlns="4873beb7-5857-4685-be1f-d57550cc96cc" xsi:nil="true"/>
-    <CSXSubmissionMarket xmlns="4873beb7-5857-4685-be1f-d57550cc96cc" xsi:nil="true"/>
-    <TPExecutable xmlns="4873beb7-5857-4685-be1f-d57550cc96cc" xsi:nil="true"/>
-    <SubmitterId xmlns="4873beb7-5857-4685-be1f-d57550cc96cc" xsi:nil="true"/>
-    <EditorialTags xmlns="4873beb7-5857-4685-be1f-d57550cc96cc" xsi:nil="true"/>
-    <ApprovalLog xmlns="4873beb7-5857-4685-be1f-d57550cc96cc" xsi:nil="true"/>
-    <AssetType xmlns="4873beb7-5857-4685-be1f-d57550cc96cc">TP</AssetType>
-    <BugNumber xmlns="4873beb7-5857-4685-be1f-d57550cc96cc" xsi:nil="true"/>
-    <CSXSubmissionDate xmlns="4873beb7-5857-4685-be1f-d57550cc96cc" xsi:nil="true"/>
-    <CSXUpdate xmlns="4873beb7-5857-4685-be1f-d57550cc96cc">false</CSXUpdate>
-    <Milestone xmlns="4873beb7-5857-4685-be1f-d57550cc96cc" xsi:nil="true"/>
-    <RecommendationsModifier xmlns="4873beb7-5857-4685-be1f-d57550cc96cc" xsi:nil="true"/>
-    <OriginAsset xmlns="4873beb7-5857-4685-be1f-d57550cc96cc" xsi:nil="true"/>
-    <TPComponent xmlns="4873beb7-5857-4685-be1f-d57550cc96cc" xsi:nil="true"/>
-    <AssetId xmlns="4873beb7-5857-4685-be1f-d57550cc96cc">TP102895246</AssetId>
-    <IntlLocPriority xmlns="4873beb7-5857-4685-be1f-d57550cc96cc" xsi:nil="true"/>
-    <PolicheckWords xmlns="4873beb7-5857-4685-be1f-d57550cc96cc" xsi:nil="true"/>
-    <TPLaunchHelpLink xmlns="4873beb7-5857-4685-be1f-d57550cc96cc" xsi:nil="true"/>
-    <TPApplication xmlns="4873beb7-5857-4685-be1f-d57550cc96cc" xsi:nil="true"/>
-    <CrawlForDependencies xmlns="4873beb7-5857-4685-be1f-d57550cc96cc">false</CrawlForDependencies>
-    <HandoffToMSDN xmlns="4873beb7-5857-4685-be1f-d57550cc96cc" xsi:nil="true"/>
-    <PlannedPubDate xmlns="4873beb7-5857-4685-be1f-d57550cc96cc" xsi:nil="true"/>
-    <IntlLangReviewer xmlns="4873beb7-5857-4685-be1f-d57550cc96cc" xsi:nil="true"/>
-    <TrustLevel xmlns="4873beb7-5857-4685-be1f-d57550cc96cc">1 Microsoft Managed Content</TrustLevel>
-    <LocLastLocAttemptVersionLookup xmlns="4873beb7-5857-4685-be1f-d57550cc96cc">835483</LocLastLocAttemptVersionLookup>
-    <IsSearchable xmlns="4873beb7-5857-4685-be1f-d57550cc96cc">true</IsSearchable>
-    <TemplateTemplateType xmlns="4873beb7-5857-4685-be1f-d57550cc96cc">PowerPoint Presentation Template</TemplateTemplateType>
-    <CampaignTagsTaxHTField0 xmlns="4873beb7-5857-4685-be1f-d57550cc96cc">
-      <Terms xmlns="http://schemas.microsoft.com/office/infopath/2007/PartnerControls"/>
-    </CampaignTagsTaxHTField0>
-    <TPNamespace xmlns="4873beb7-5857-4685-be1f-d57550cc96cc" xsi:nil="true"/>
-    <TaxCatchAll xmlns="4873beb7-5857-4685-be1f-d57550cc96cc"/>
-    <Markets xmlns="4873beb7-5857-4685-be1f-d57550cc96cc"/>
-    <UAProjectedTotalWords xmlns="4873beb7-5857-4685-be1f-d57550cc96cc" xsi:nil="true"/>
-    <IntlLangReview xmlns="4873beb7-5857-4685-be1f-d57550cc96cc">false</IntlLangReview>
-    <OutputCachingOn xmlns="4873beb7-5857-4685-be1f-d57550cc96cc">false</OutputCachingOn>
-    <AverageRating xmlns="4873beb7-5857-4685-be1f-d57550cc96cc" xsi:nil="true"/>
-    <APAuthor xmlns="4873beb7-5857-4685-be1f-d57550cc96cc">
-      <UserInfo>
-        <DisplayName>REDMOND\v-vaddu</DisplayName>
-        <AccountId>2567</AccountId>
-        <AccountType/>
-      </UserInfo>
-    </APAuthor>
-    <LocManualTestRequired xmlns="4873beb7-5857-4685-be1f-d57550cc96cc">false</LocManualTestRequired>
-    <TPCommandLine xmlns="4873beb7-5857-4685-be1f-d57550cc96cc" xsi:nil="true"/>
-    <TPAppVersion xmlns="4873beb7-5857-4685-be1f-d57550cc96cc" xsi:nil="true"/>
-    <EditorialStatus xmlns="4873beb7-5857-4685-be1f-d57550cc96cc">Complete</EditorialStatus>
-    <LastModifiedDateTime xmlns="4873beb7-5857-4685-be1f-d57550cc96cc" xsi:nil="true"/>
-    <ScenarioTagsTaxHTField0 xmlns="4873beb7-5857-4685-be1f-d57550cc96cc">
-      <Terms xmlns="http://schemas.microsoft.com/office/infopath/2007/PartnerControls"/>
-    </ScenarioTagsTaxHTField0>
-    <OriginalRelease xmlns="4873beb7-5857-4685-be1f-d57550cc96cc">15</OriginalRelease>
-    <TPLaunchHelpLinkType xmlns="4873beb7-5857-4685-be1f-d57550cc96cc">Template</TPLaunchHelpLinkType>
-    <LocalizationTagsTaxHTField0 xmlns="4873beb7-5857-4685-be1f-d57550cc96cc">
-      <Terms xmlns="http://schemas.microsoft.com/office/infopath/2007/PartnerControls"/>
-    </LocalizationTagsTaxHTField0>
-    <LocMarketGroupTiers2 xmlns="4873beb7-5857-4685-be1f-d57550cc96cc" xsi:nil="true"/>
-  </documentManagement>
-</p:properties>
-</file>
-
-<file path=customXml/item3.xml><?xml version="1.0" encoding="utf-8"?>
 <ct:contentTypeSchema xmlns:ct="http://schemas.microsoft.com/office/2006/metadata/contentType" xmlns:ma="http://schemas.microsoft.com/office/2006/metadata/properties/metaAttributes" ct:_="" ma:_="" ma:contentTypeName="TemplateFile" ma:contentTypeID="0x0101006EDDDB5EE6D98C44930B742096920B300400F5B6D36B3EF94B4E9A635CDF2A18F5B8" ma:contentTypeVersion="72" ma:contentTypeDescription="Create a new document." ma:contentTypeScope="" ma:versionID="a23e56308344d904b51738559c3d67c9">
   <xsd:schema xmlns:xsd="http://www.w3.org/2001/XMLSchema" xmlns:xs="http://www.w3.org/2001/XMLSchema" xmlns:p="http://schemas.microsoft.com/office/2006/metadata/properties" xmlns:ns2="4873beb7-5857-4685-be1f-d57550cc96cc" targetNamespace="http://schemas.microsoft.com/office/2006/metadata/properties" ma:root="true" ma:fieldsID="cd0908cc4600e77bf5da051303e00c8d" ns2:_="">
     <xsd:import namespace="4873beb7-5857-4685-be1f-d57550cc96cc"/>
@@ -15826,10 +15704,156 @@
 </ct:contentTypeSchema>
 </file>
 
+<file path=customXml/item2.xml><?xml version="1.0" encoding="utf-8"?>
+<p:properties xmlns:p="http://schemas.microsoft.com/office/2006/metadata/properties" xmlns:xsi="http://www.w3.org/2001/XMLSchema-instance" xmlns:pc="http://schemas.microsoft.com/office/infopath/2007/PartnerControls">
+  <documentManagement>
+    <DirectSourceMarket xmlns="4873beb7-5857-4685-be1f-d57550cc96cc" xsi:nil="true"/>
+    <ApprovalStatus xmlns="4873beb7-5857-4685-be1f-d57550cc96cc">InProgress</ApprovalStatus>
+    <MarketSpecific xmlns="4873beb7-5857-4685-be1f-d57550cc96cc">false</MarketSpecific>
+    <LocComments xmlns="4873beb7-5857-4685-be1f-d57550cc96cc" xsi:nil="true"/>
+    <ThumbnailAssetId xmlns="4873beb7-5857-4685-be1f-d57550cc96cc" xsi:nil="true"/>
+    <PrimaryImageGen xmlns="4873beb7-5857-4685-be1f-d57550cc96cc">true</PrimaryImageGen>
+    <LegacyData xmlns="4873beb7-5857-4685-be1f-d57550cc96cc" xsi:nil="true"/>
+    <LocRecommendedHandoff xmlns="4873beb7-5857-4685-be1f-d57550cc96cc" xsi:nil="true"/>
+    <BusinessGroup xmlns="4873beb7-5857-4685-be1f-d57550cc96cc" xsi:nil="true"/>
+    <BlockPublish xmlns="4873beb7-5857-4685-be1f-d57550cc96cc">false</BlockPublish>
+    <TPFriendlyName xmlns="4873beb7-5857-4685-be1f-d57550cc96cc" xsi:nil="true"/>
+    <NumericId xmlns="4873beb7-5857-4685-be1f-d57550cc96cc" xsi:nil="true"/>
+    <APEditor xmlns="4873beb7-5857-4685-be1f-d57550cc96cc">
+      <UserInfo>
+        <DisplayName/>
+        <AccountId xsi:nil="true"/>
+        <AccountType/>
+      </UserInfo>
+    </APEditor>
+    <SourceTitle xmlns="4873beb7-5857-4685-be1f-d57550cc96cc" xsi:nil="true"/>
+    <OpenTemplate xmlns="4873beb7-5857-4685-be1f-d57550cc96cc">true</OpenTemplate>
+    <UALocComments xmlns="4873beb7-5857-4685-be1f-d57550cc96cc" xsi:nil="true"/>
+    <ParentAssetId xmlns="4873beb7-5857-4685-be1f-d57550cc96cc" xsi:nil="true"/>
+    <IntlLangReviewDate xmlns="4873beb7-5857-4685-be1f-d57550cc96cc" xsi:nil="true"/>
+    <FeatureTagsTaxHTField0 xmlns="4873beb7-5857-4685-be1f-d57550cc96cc">
+      <Terms xmlns="http://schemas.microsoft.com/office/infopath/2007/PartnerControls"/>
+    </FeatureTagsTaxHTField0>
+    <PublishStatusLookup xmlns="4873beb7-5857-4685-be1f-d57550cc96cc">
+      <Value>1564227</Value>
+    </PublishStatusLookup>
+    <Providers xmlns="4873beb7-5857-4685-be1f-d57550cc96cc" xsi:nil="true"/>
+    <MachineTranslated xmlns="4873beb7-5857-4685-be1f-d57550cc96cc">false</MachineTranslated>
+    <OriginalSourceMarket xmlns="4873beb7-5857-4685-be1f-d57550cc96cc" xsi:nil="true"/>
+    <APDescription xmlns="4873beb7-5857-4685-be1f-d57550cc96cc">Take your audience through a digital tunnel where they'll  burst through to the other side and see the information you want to present. Show them lists, charts, tables, SmartArt,  and pictures using a variety of layouts in widescreen (16X9) format. This design works well for subjects on science and technology, computers, communication, and more.   
+</APDescription>
+    <ClipArtFilename xmlns="4873beb7-5857-4685-be1f-d57550cc96cc" xsi:nil="true"/>
+    <ContentItem xmlns="4873beb7-5857-4685-be1f-d57550cc96cc" xsi:nil="true"/>
+    <TPInstallLocation xmlns="4873beb7-5857-4685-be1f-d57550cc96cc" xsi:nil="true"/>
+    <PublishTargets xmlns="4873beb7-5857-4685-be1f-d57550cc96cc">OfficeOnlineVNext</PublishTargets>
+    <TimesCloned xmlns="4873beb7-5857-4685-be1f-d57550cc96cc" xsi:nil="true"/>
+    <AssetStart xmlns="4873beb7-5857-4685-be1f-d57550cc96cc">2012-05-11T02:04:00+00:00</AssetStart>
+    <Provider xmlns="4873beb7-5857-4685-be1f-d57550cc96cc" xsi:nil="true"/>
+    <AcquiredFrom xmlns="4873beb7-5857-4685-be1f-d57550cc96cc">Internal MS</AcquiredFrom>
+    <FriendlyTitle xmlns="4873beb7-5857-4685-be1f-d57550cc96cc" xsi:nil="true"/>
+    <LastHandOff xmlns="4873beb7-5857-4685-be1f-d57550cc96cc" xsi:nil="true"/>
+    <TPClientViewer xmlns="4873beb7-5857-4685-be1f-d57550cc96cc" xsi:nil="true"/>
+    <UACurrentWords xmlns="4873beb7-5857-4685-be1f-d57550cc96cc" xsi:nil="true"/>
+    <ArtSampleDocs xmlns="4873beb7-5857-4685-be1f-d57550cc96cc" xsi:nil="true"/>
+    <UALocRecommendation xmlns="4873beb7-5857-4685-be1f-d57550cc96cc">Localize</UALocRecommendation>
+    <Manager xmlns="4873beb7-5857-4685-be1f-d57550cc96cc" xsi:nil="true"/>
+    <ShowIn xmlns="4873beb7-5857-4685-be1f-d57550cc96cc">Show everywhere</ShowIn>
+    <UANotes xmlns="4873beb7-5857-4685-be1f-d57550cc96cc" xsi:nil="true"/>
+    <TemplateStatus xmlns="4873beb7-5857-4685-be1f-d57550cc96cc">Complete</TemplateStatus>
+    <InternalTagsTaxHTField0 xmlns="4873beb7-5857-4685-be1f-d57550cc96cc">
+      <Terms xmlns="http://schemas.microsoft.com/office/infopath/2007/PartnerControls"/>
+    </InternalTagsTaxHTField0>
+    <CSXHash xmlns="4873beb7-5857-4685-be1f-d57550cc96cc" xsi:nil="true"/>
+    <Downloads xmlns="4873beb7-5857-4685-be1f-d57550cc96cc">0</Downloads>
+    <VoteCount xmlns="4873beb7-5857-4685-be1f-d57550cc96cc" xsi:nil="true"/>
+    <OOCacheId xmlns="4873beb7-5857-4685-be1f-d57550cc96cc" xsi:nil="true"/>
+    <IsDeleted xmlns="4873beb7-5857-4685-be1f-d57550cc96cc">false</IsDeleted>
+    <AssetExpire xmlns="4873beb7-5857-4685-be1f-d57550cc96cc">2029-01-01T08:00:00+00:00</AssetExpire>
+    <DSATActionTaken xmlns="4873beb7-5857-4685-be1f-d57550cc96cc" xsi:nil="true"/>
+    <CSXSubmissionMarket xmlns="4873beb7-5857-4685-be1f-d57550cc96cc" xsi:nil="true"/>
+    <TPExecutable xmlns="4873beb7-5857-4685-be1f-d57550cc96cc" xsi:nil="true"/>
+    <SubmitterId xmlns="4873beb7-5857-4685-be1f-d57550cc96cc" xsi:nil="true"/>
+    <EditorialTags xmlns="4873beb7-5857-4685-be1f-d57550cc96cc" xsi:nil="true"/>
+    <ApprovalLog xmlns="4873beb7-5857-4685-be1f-d57550cc96cc" xsi:nil="true"/>
+    <AssetType xmlns="4873beb7-5857-4685-be1f-d57550cc96cc">TP</AssetType>
+    <BugNumber xmlns="4873beb7-5857-4685-be1f-d57550cc96cc" xsi:nil="true"/>
+    <CSXSubmissionDate xmlns="4873beb7-5857-4685-be1f-d57550cc96cc" xsi:nil="true"/>
+    <CSXUpdate xmlns="4873beb7-5857-4685-be1f-d57550cc96cc">false</CSXUpdate>
+    <Milestone xmlns="4873beb7-5857-4685-be1f-d57550cc96cc" xsi:nil="true"/>
+    <RecommendationsModifier xmlns="4873beb7-5857-4685-be1f-d57550cc96cc" xsi:nil="true"/>
+    <OriginAsset xmlns="4873beb7-5857-4685-be1f-d57550cc96cc" xsi:nil="true"/>
+    <TPComponent xmlns="4873beb7-5857-4685-be1f-d57550cc96cc" xsi:nil="true"/>
+    <AssetId xmlns="4873beb7-5857-4685-be1f-d57550cc96cc">TP102895246</AssetId>
+    <IntlLocPriority xmlns="4873beb7-5857-4685-be1f-d57550cc96cc" xsi:nil="true"/>
+    <PolicheckWords xmlns="4873beb7-5857-4685-be1f-d57550cc96cc" xsi:nil="true"/>
+    <TPLaunchHelpLink xmlns="4873beb7-5857-4685-be1f-d57550cc96cc" xsi:nil="true"/>
+    <TPApplication xmlns="4873beb7-5857-4685-be1f-d57550cc96cc" xsi:nil="true"/>
+    <CrawlForDependencies xmlns="4873beb7-5857-4685-be1f-d57550cc96cc">false</CrawlForDependencies>
+    <HandoffToMSDN xmlns="4873beb7-5857-4685-be1f-d57550cc96cc" xsi:nil="true"/>
+    <PlannedPubDate xmlns="4873beb7-5857-4685-be1f-d57550cc96cc" xsi:nil="true"/>
+    <IntlLangReviewer xmlns="4873beb7-5857-4685-be1f-d57550cc96cc" xsi:nil="true"/>
+    <TrustLevel xmlns="4873beb7-5857-4685-be1f-d57550cc96cc">1 Microsoft Managed Content</TrustLevel>
+    <LocLastLocAttemptVersionLookup xmlns="4873beb7-5857-4685-be1f-d57550cc96cc">835483</LocLastLocAttemptVersionLookup>
+    <IsSearchable xmlns="4873beb7-5857-4685-be1f-d57550cc96cc">true</IsSearchable>
+    <TemplateTemplateType xmlns="4873beb7-5857-4685-be1f-d57550cc96cc">PowerPoint Presentation Template</TemplateTemplateType>
+    <CampaignTagsTaxHTField0 xmlns="4873beb7-5857-4685-be1f-d57550cc96cc">
+      <Terms xmlns="http://schemas.microsoft.com/office/infopath/2007/PartnerControls"/>
+    </CampaignTagsTaxHTField0>
+    <TPNamespace xmlns="4873beb7-5857-4685-be1f-d57550cc96cc" xsi:nil="true"/>
+    <TaxCatchAll xmlns="4873beb7-5857-4685-be1f-d57550cc96cc"/>
+    <Markets xmlns="4873beb7-5857-4685-be1f-d57550cc96cc"/>
+    <UAProjectedTotalWords xmlns="4873beb7-5857-4685-be1f-d57550cc96cc" xsi:nil="true"/>
+    <IntlLangReview xmlns="4873beb7-5857-4685-be1f-d57550cc96cc">false</IntlLangReview>
+    <OutputCachingOn xmlns="4873beb7-5857-4685-be1f-d57550cc96cc">false</OutputCachingOn>
+    <AverageRating xmlns="4873beb7-5857-4685-be1f-d57550cc96cc" xsi:nil="true"/>
+    <APAuthor xmlns="4873beb7-5857-4685-be1f-d57550cc96cc">
+      <UserInfo>
+        <DisplayName>REDMOND\v-vaddu</DisplayName>
+        <AccountId>2567</AccountId>
+        <AccountType/>
+      </UserInfo>
+    </APAuthor>
+    <LocManualTestRequired xmlns="4873beb7-5857-4685-be1f-d57550cc96cc">false</LocManualTestRequired>
+    <TPCommandLine xmlns="4873beb7-5857-4685-be1f-d57550cc96cc" xsi:nil="true"/>
+    <TPAppVersion xmlns="4873beb7-5857-4685-be1f-d57550cc96cc" xsi:nil="true"/>
+    <EditorialStatus xmlns="4873beb7-5857-4685-be1f-d57550cc96cc">Complete</EditorialStatus>
+    <LastModifiedDateTime xmlns="4873beb7-5857-4685-be1f-d57550cc96cc" xsi:nil="true"/>
+    <ScenarioTagsTaxHTField0 xmlns="4873beb7-5857-4685-be1f-d57550cc96cc">
+      <Terms xmlns="http://schemas.microsoft.com/office/infopath/2007/PartnerControls"/>
+    </ScenarioTagsTaxHTField0>
+    <OriginalRelease xmlns="4873beb7-5857-4685-be1f-d57550cc96cc">15</OriginalRelease>
+    <TPLaunchHelpLinkType xmlns="4873beb7-5857-4685-be1f-d57550cc96cc">Template</TPLaunchHelpLinkType>
+    <LocalizationTagsTaxHTField0 xmlns="4873beb7-5857-4685-be1f-d57550cc96cc">
+      <Terms xmlns="http://schemas.microsoft.com/office/infopath/2007/PartnerControls"/>
+    </LocalizationTagsTaxHTField0>
+    <LocMarketGroupTiers2 xmlns="4873beb7-5857-4685-be1f-d57550cc96cc" xsi:nil="true"/>
+  </documentManagement>
+</p:properties>
+</file>
+
+<file path=customXml/item3.xml><?xml version="1.0" encoding="utf-8"?>
+<?mso-contentType ?>
+<FormTemplates xmlns="http://schemas.microsoft.com/sharepoint/v3/contenttype/forms">
+  <Display>DocumentLibraryForm</Display>
+  <Edit>AssetEditForm</Edit>
+  <New>DocumentLibraryForm</New>
+</FormTemplates>
+</file>
+
 <file path=customXml/itemProps1.xml><?xml version="1.0" encoding="utf-8"?>
-<ds:datastoreItem xmlns:ds="http://schemas.openxmlformats.org/officeDocument/2006/customXml" ds:itemID="{74228E6B-D70C-44BB-A81F-A245495F612B}">
+<ds:datastoreItem xmlns:ds="http://schemas.openxmlformats.org/officeDocument/2006/customXml" ds:itemID="{22CCB507-0646-4A50-A4F7-7F385079D589}">
   <ds:schemaRefs>
-    <ds:schemaRef ds:uri="http://schemas.microsoft.com/sharepoint/v3/contenttype/forms"/>
+    <ds:schemaRef ds:uri="http://schemas.microsoft.com/office/2006/metadata/contentType"/>
+    <ds:schemaRef ds:uri="http://schemas.microsoft.com/office/2006/metadata/properties/metaAttributes"/>
+    <ds:schemaRef ds:uri="http://www.w3.org/2001/XMLSchema"/>
+    <ds:schemaRef ds:uri="http://schemas.microsoft.com/office/2006/metadata/properties"/>
+    <ds:schemaRef ds:uri="4873beb7-5857-4685-be1f-d57550cc96cc"/>
+    <ds:schemaRef ds:uri="http://schemas.microsoft.com/office/2006/documentManagement/types"/>
+    <ds:schemaRef ds:uri="http://schemas.microsoft.com/office/infopath/2007/PartnerControls"/>
+    <ds:schemaRef ds:uri="http://schemas.openxmlformats.org/package/2006/metadata/core-properties"/>
+    <ds:schemaRef ds:uri="http://purl.org/dc/elements/1.1/"/>
+    <ds:schemaRef ds:uri="http://purl.org/dc/terms/"/>
+    <ds:schemaRef ds:uri="http://schemas.microsoft.com/internal/obd"/>
   </ds:schemaRefs>
 </ds:datastoreItem>
 </file>
@@ -15851,19 +15875,9 @@
 </file>
 
 <file path=customXml/itemProps3.xml><?xml version="1.0" encoding="utf-8"?>
-<ds:datastoreItem xmlns:ds="http://schemas.openxmlformats.org/officeDocument/2006/customXml" ds:itemID="{22CCB507-0646-4A50-A4F7-7F385079D589}">
+<ds:datastoreItem xmlns:ds="http://schemas.openxmlformats.org/officeDocument/2006/customXml" ds:itemID="{74228E6B-D70C-44BB-A81F-A245495F612B}">
   <ds:schemaRefs>
-    <ds:schemaRef ds:uri="http://schemas.microsoft.com/office/2006/metadata/contentType"/>
-    <ds:schemaRef ds:uri="http://schemas.microsoft.com/office/2006/metadata/properties/metaAttributes"/>
-    <ds:schemaRef ds:uri="http://www.w3.org/2001/XMLSchema"/>
-    <ds:schemaRef ds:uri="http://schemas.microsoft.com/office/2006/metadata/properties"/>
-    <ds:schemaRef ds:uri="4873beb7-5857-4685-be1f-d57550cc96cc"/>
-    <ds:schemaRef ds:uri="http://schemas.microsoft.com/office/2006/documentManagement/types"/>
-    <ds:schemaRef ds:uri="http://schemas.microsoft.com/office/infopath/2007/PartnerControls"/>
-    <ds:schemaRef ds:uri="http://schemas.openxmlformats.org/package/2006/metadata/core-properties"/>
-    <ds:schemaRef ds:uri="http://purl.org/dc/elements/1.1/"/>
-    <ds:schemaRef ds:uri="http://purl.org/dc/terms/"/>
-    <ds:schemaRef ds:uri="http://schemas.microsoft.com/internal/obd"/>
+    <ds:schemaRef ds:uri="http://schemas.microsoft.com/sharepoint/v3/contenttype/forms"/>
   </ds:schemaRefs>
 </ds:datastoreItem>
 </file>
--- a/collection/NumberOneTraining.pptx
+++ b/collection/NumberOneTraining.pptx
@@ -5,10 +5,10 @@
     <p:sldMasterId id="2147483648" r:id="rId4"/>
   </p:sldMasterIdLst>
   <p:notesMasterIdLst>
-    <p:notesMasterId r:id="rId20"/>
+    <p:notesMasterId r:id="rId21"/>
   </p:notesMasterIdLst>
   <p:handoutMasterIdLst>
-    <p:handoutMasterId r:id="rId21"/>
+    <p:handoutMasterId r:id="rId22"/>
   </p:handoutMasterIdLst>
   <p:sldIdLst>
     <p:sldId id="265" r:id="rId5"/>
@@ -18,19 +18,20 @@
     <p:sldId id="323" r:id="rId9"/>
     <p:sldId id="321" r:id="rId10"/>
     <p:sldId id="324" r:id="rId11"/>
-    <p:sldId id="330" r:id="rId12"/>
-    <p:sldId id="315" r:id="rId13"/>
-    <p:sldId id="314" r:id="rId14"/>
-    <p:sldId id="325" r:id="rId15"/>
-    <p:sldId id="327" r:id="rId16"/>
-    <p:sldId id="328" r:id="rId17"/>
-    <p:sldId id="329" r:id="rId18"/>
-    <p:sldId id="326" r:id="rId19"/>
+    <p:sldId id="331" r:id="rId12"/>
+    <p:sldId id="330" r:id="rId13"/>
+    <p:sldId id="315" r:id="rId14"/>
+    <p:sldId id="314" r:id="rId15"/>
+    <p:sldId id="325" r:id="rId16"/>
+    <p:sldId id="327" r:id="rId17"/>
+    <p:sldId id="328" r:id="rId18"/>
+    <p:sldId id="329" r:id="rId19"/>
+    <p:sldId id="326" r:id="rId20"/>
   </p:sldIdLst>
   <p:sldSz cx="12188825" cy="6858000"/>
   <p:notesSz cx="6858000" cy="9144000"/>
   <p:custDataLst>
-    <p:tags r:id="rId22"/>
+    <p:tags r:id="rId23"/>
   </p:custDataLst>
   <p:defaultTextStyle>
     <a:defPPr>
@@ -3908,6 +3909,753 @@
 </dgm:colorsDef>
 </file>
 
+<file path=ppt/diagrams/colors3.xml><?xml version="1.0" encoding="utf-8"?>
+<dgm:colorsDef xmlns:dgm="http://schemas.openxmlformats.org/drawingml/2006/diagram" xmlns:a="http://schemas.openxmlformats.org/drawingml/2006/main" uniqueId="urn:microsoft.com/office/officeart/2005/8/colors/accent1_2">
+  <dgm:title val=""/>
+  <dgm:desc val=""/>
+  <dgm:catLst>
+    <dgm:cat type="accent1" pri="11200"/>
+  </dgm:catLst>
+  <dgm:styleLbl name="node0">
+    <dgm:fillClrLst meth="repeat">
+      <a:schemeClr val="accent1"/>
+    </dgm:fillClrLst>
+    <dgm:linClrLst meth="repeat">
+      <a:schemeClr val="lt1"/>
+    </dgm:linClrLst>
+    <dgm:effectClrLst/>
+    <dgm:txLinClrLst/>
+    <dgm:txFillClrLst/>
+    <dgm:txEffectClrLst/>
+  </dgm:styleLbl>
+  <dgm:styleLbl name="alignNode1">
+    <dgm:fillClrLst meth="repeat">
+      <a:schemeClr val="accent1"/>
+    </dgm:fillClrLst>
+    <dgm:linClrLst meth="repeat">
+      <a:schemeClr val="accent1"/>
+    </dgm:linClrLst>
+    <dgm:effectClrLst/>
+    <dgm:txLinClrLst/>
+    <dgm:txFillClrLst/>
+    <dgm:txEffectClrLst/>
+  </dgm:styleLbl>
+  <dgm:styleLbl name="node1">
+    <dgm:fillClrLst meth="repeat">
+      <a:schemeClr val="accent1"/>
+    </dgm:fillClrLst>
+    <dgm:linClrLst meth="repeat">
+      <a:schemeClr val="lt1"/>
+    </dgm:linClrLst>
+    <dgm:effectClrLst/>
+    <dgm:txLinClrLst/>
+    <dgm:txFillClrLst/>
+    <dgm:txEffectClrLst/>
+  </dgm:styleLbl>
+  <dgm:styleLbl name="lnNode1">
+    <dgm:fillClrLst meth="repeat">
+      <a:schemeClr val="accent1"/>
+    </dgm:fillClrLst>
+    <dgm:linClrLst meth="repeat">
+      <a:schemeClr val="lt1"/>
+    </dgm:linClrLst>
+    <dgm:effectClrLst/>
+    <dgm:txLinClrLst/>
+    <dgm:txFillClrLst/>
+    <dgm:txEffectClrLst/>
+  </dgm:styleLbl>
+  <dgm:styleLbl name="vennNode1">
+    <dgm:fillClrLst meth="repeat">
+      <a:schemeClr val="accent1">
+        <a:alpha val="50000"/>
+      </a:schemeClr>
+    </dgm:fillClrLst>
+    <dgm:linClrLst meth="repeat">
+      <a:schemeClr val="lt1"/>
+    </dgm:linClrLst>
+    <dgm:effectClrLst/>
+    <dgm:txLinClrLst/>
+    <dgm:txFillClrLst/>
+    <dgm:txEffectClrLst/>
+  </dgm:styleLbl>
+  <dgm:styleLbl name="node2">
+    <dgm:fillClrLst meth="repeat">
+      <a:schemeClr val="accent1"/>
+    </dgm:fillClrLst>
+    <dgm:linClrLst meth="repeat">
+      <a:schemeClr val="lt1"/>
+    </dgm:linClrLst>
+    <dgm:effectClrLst/>
+    <dgm:txLinClrLst/>
+    <dgm:txFillClrLst/>
+    <dgm:txEffectClrLst/>
+  </dgm:styleLbl>
+  <dgm:styleLbl name="node3">
+    <dgm:fillClrLst meth="repeat">
+      <a:schemeClr val="accent1"/>
+    </dgm:fillClrLst>
+    <dgm:linClrLst meth="repeat">
+      <a:schemeClr val="lt1"/>
+    </dgm:linClrLst>
+    <dgm:effectClrLst/>
+    <dgm:txLinClrLst/>
+    <dgm:txFillClrLst/>
+    <dgm:txEffectClrLst/>
+  </dgm:styleLbl>
+  <dgm:styleLbl name="node4">
+    <dgm:fillClrLst meth="repeat">
+      <a:schemeClr val="accent1"/>
+    </dgm:fillClrLst>
+    <dgm:linClrLst meth="repeat">
+      <a:schemeClr val="lt1"/>
+    </dgm:linClrLst>
+    <dgm:effectClrLst/>
+    <dgm:txLinClrLst/>
+    <dgm:txFillClrLst/>
+    <dgm:txEffectClrLst/>
+  </dgm:styleLbl>
+  <dgm:styleLbl name="fgImgPlace1">
+    <dgm:fillClrLst meth="repeat">
+      <a:schemeClr val="accent1">
+        <a:tint val="50000"/>
+      </a:schemeClr>
+    </dgm:fillClrLst>
+    <dgm:linClrLst meth="repeat">
+      <a:schemeClr val="lt1"/>
+    </dgm:linClrLst>
+    <dgm:effectClrLst/>
+    <dgm:txLinClrLst/>
+    <dgm:txFillClrLst meth="repeat">
+      <a:schemeClr val="lt1"/>
+    </dgm:txFillClrLst>
+    <dgm:txEffectClrLst/>
+  </dgm:styleLbl>
+  <dgm:styleLbl name="alignImgPlace1">
+    <dgm:fillClrLst meth="repeat">
+      <a:schemeClr val="accent1">
+        <a:tint val="50000"/>
+      </a:schemeClr>
+    </dgm:fillClrLst>
+    <dgm:linClrLst meth="repeat">
+      <a:schemeClr val="lt1"/>
+    </dgm:linClrLst>
+    <dgm:effectClrLst/>
+    <dgm:txLinClrLst/>
+    <dgm:txFillClrLst meth="repeat">
+      <a:schemeClr val="lt1"/>
+    </dgm:txFillClrLst>
+    <dgm:txEffectClrLst/>
+  </dgm:styleLbl>
+  <dgm:styleLbl name="bgImgPlace1">
+    <dgm:fillClrLst meth="repeat">
+      <a:schemeClr val="accent1">
+        <a:tint val="50000"/>
+      </a:schemeClr>
+    </dgm:fillClrLst>
+    <dgm:linClrLst meth="repeat">
+      <a:schemeClr val="lt1"/>
+    </dgm:linClrLst>
+    <dgm:effectClrLst/>
+    <dgm:txLinClrLst/>
+    <dgm:txFillClrLst meth="repeat">
+      <a:schemeClr val="lt1"/>
+    </dgm:txFillClrLst>
+    <dgm:txEffectClrLst/>
+  </dgm:styleLbl>
+  <dgm:styleLbl name="sibTrans2D1">
+    <dgm:fillClrLst meth="repeat">
+      <a:schemeClr val="accent1">
+        <a:tint val="60000"/>
+      </a:schemeClr>
+    </dgm:fillClrLst>
+    <dgm:linClrLst meth="repeat">
+      <a:schemeClr val="accent1">
+        <a:tint val="60000"/>
+      </a:schemeClr>
+    </dgm:linClrLst>
+    <dgm:effectClrLst/>
+    <dgm:txLinClrLst/>
+    <dgm:txFillClrLst/>
+    <dgm:txEffectClrLst/>
+  </dgm:styleLbl>
+  <dgm:styleLbl name="fgSibTrans2D1">
+    <dgm:fillClrLst meth="repeat">
+      <a:schemeClr val="accent1">
+        <a:tint val="60000"/>
+      </a:schemeClr>
+    </dgm:fillClrLst>
+    <dgm:linClrLst meth="repeat">
+      <a:schemeClr val="accent1">
+        <a:tint val="60000"/>
+      </a:schemeClr>
+    </dgm:linClrLst>
+    <dgm:effectClrLst/>
+    <dgm:txLinClrLst/>
+    <dgm:txFillClrLst/>
+    <dgm:txEffectClrLst/>
+  </dgm:styleLbl>
+  <dgm:styleLbl name="bgSibTrans2D1">
+    <dgm:fillClrLst meth="repeat">
+      <a:schemeClr val="accent1">
+        <a:tint val="60000"/>
+      </a:schemeClr>
+    </dgm:fillClrLst>
+    <dgm:linClrLst meth="repeat">
+      <a:schemeClr val="accent1">
+        <a:tint val="60000"/>
+      </a:schemeClr>
+    </dgm:linClrLst>
+    <dgm:effectClrLst/>
+    <dgm:txLinClrLst/>
+    <dgm:txFillClrLst/>
+    <dgm:txEffectClrLst/>
+  </dgm:styleLbl>
+  <dgm:styleLbl name="sibTrans1D1">
+    <dgm:fillClrLst meth="repeat">
+      <a:schemeClr val="accent1"/>
+    </dgm:fillClrLst>
+    <dgm:linClrLst meth="repeat">
+      <a:schemeClr val="accent1"/>
+    </dgm:linClrLst>
+    <dgm:effectClrLst/>
+    <dgm:txLinClrLst/>
+    <dgm:txFillClrLst meth="repeat">
+      <a:schemeClr val="tx1"/>
+    </dgm:txFillClrLst>
+    <dgm:txEffectClrLst/>
+  </dgm:styleLbl>
+  <dgm:styleLbl name="callout">
+    <dgm:fillClrLst meth="repeat">
+      <a:schemeClr val="accent1"/>
+    </dgm:fillClrLst>
+    <dgm:linClrLst meth="repeat">
+      <a:schemeClr val="accent1">
+        <a:tint val="50000"/>
+      </a:schemeClr>
+    </dgm:linClrLst>
+    <dgm:effectClrLst/>
+    <dgm:txLinClrLst/>
+    <dgm:txFillClrLst meth="repeat">
+      <a:schemeClr val="tx1"/>
+    </dgm:txFillClrLst>
+    <dgm:txEffectClrLst/>
+  </dgm:styleLbl>
+  <dgm:styleLbl name="asst0">
+    <dgm:fillClrLst meth="repeat">
+      <a:schemeClr val="accent1"/>
+    </dgm:fillClrLst>
+    <dgm:linClrLst meth="repeat">
+      <a:schemeClr val="lt1"/>
+    </dgm:linClrLst>
+    <dgm:effectClrLst/>
+    <dgm:txLinClrLst/>
+    <dgm:txFillClrLst/>
+    <dgm:txEffectClrLst/>
+  </dgm:styleLbl>
+  <dgm:styleLbl name="asst1">
+    <dgm:fillClrLst meth="repeat">
+      <a:schemeClr val="accent1"/>
+    </dgm:fillClrLst>
+    <dgm:linClrLst meth="repeat">
+      <a:schemeClr val="lt1"/>
+    </dgm:linClrLst>
+    <dgm:effectClrLst/>
+    <dgm:txLinClrLst/>
+    <dgm:txFillClrLst/>
+    <dgm:txEffectClrLst/>
+  </dgm:styleLbl>
+  <dgm:styleLbl name="asst2">
+    <dgm:fillClrLst meth="repeat">
+      <a:schemeClr val="accent1"/>
+    </dgm:fillClrLst>
+    <dgm:linClrLst meth="repeat">
+      <a:schemeClr val="lt1"/>
+    </dgm:linClrLst>
+    <dgm:effectClrLst/>
+    <dgm:txLinClrLst/>
+    <dgm:txFillClrLst/>
+    <dgm:txEffectClrLst/>
+  </dgm:styleLbl>
+  <dgm:styleLbl name="asst3">
+    <dgm:fillClrLst meth="repeat">
+      <a:schemeClr val="accent1"/>
+    </dgm:fillClrLst>
+    <dgm:linClrLst meth="repeat">
+      <a:schemeClr val="lt1"/>
+    </dgm:linClrLst>
+    <dgm:effectClrLst/>
+    <dgm:txLinClrLst/>
+    <dgm:txFillClrLst/>
+    <dgm:txEffectClrLst/>
+  </dgm:styleLbl>
+  <dgm:styleLbl name="asst4">
+    <dgm:fillClrLst meth="repeat">
+      <a:schemeClr val="accent1"/>
+    </dgm:fillClrLst>
+    <dgm:linClrLst meth="repeat">
+      <a:schemeClr val="lt1"/>
+    </dgm:linClrLst>
+    <dgm:effectClrLst/>
+    <dgm:txLinClrLst/>
+    <dgm:txFillClrLst/>
+    <dgm:txEffectClrLst/>
+  </dgm:styleLbl>
+  <dgm:styleLbl name="parChTrans2D1">
+    <dgm:fillClrLst meth="repeat">
+      <a:schemeClr val="accent1">
+        <a:tint val="60000"/>
+      </a:schemeClr>
+    </dgm:fillClrLst>
+    <dgm:linClrLst meth="repeat">
+      <a:schemeClr val="accent1">
+        <a:tint val="60000"/>
+      </a:schemeClr>
+    </dgm:linClrLst>
+    <dgm:effectClrLst/>
+    <dgm:txLinClrLst/>
+    <dgm:txFillClrLst meth="repeat">
+      <a:schemeClr val="lt1"/>
+    </dgm:txFillClrLst>
+    <dgm:txEffectClrLst/>
+  </dgm:styleLbl>
+  <dgm:styleLbl name="parChTrans2D2">
+    <dgm:fillClrLst meth="repeat">
+      <a:schemeClr val="accent1"/>
+    </dgm:fillClrLst>
+    <dgm:linClrLst meth="repeat">
+      <a:schemeClr val="accent1"/>
+    </dgm:linClrLst>
+    <dgm:effectClrLst/>
+    <dgm:txLinClrLst/>
+    <dgm:txFillClrLst meth="repeat">
+      <a:schemeClr val="lt1"/>
+    </dgm:txFillClrLst>
+    <dgm:txEffectClrLst/>
+  </dgm:styleLbl>
+  <dgm:styleLbl name="parChTrans2D3">
+    <dgm:fillClrLst meth="repeat">
+      <a:schemeClr val="accent1"/>
+    </dgm:fillClrLst>
+    <dgm:linClrLst meth="repeat">
+      <a:schemeClr val="accent1"/>
+    </dgm:linClrLst>
+    <dgm:effectClrLst/>
+    <dgm:txLinClrLst/>
+    <dgm:txFillClrLst meth="repeat">
+      <a:schemeClr val="lt1"/>
+    </dgm:txFillClrLst>
+    <dgm:txEffectClrLst/>
+  </dgm:styleLbl>
+  <dgm:styleLbl name="parChTrans2D4">
+    <dgm:fillClrLst meth="repeat">
+      <a:schemeClr val="accent1"/>
+    </dgm:fillClrLst>
+    <dgm:linClrLst meth="repeat">
+      <a:schemeClr val="accent1"/>
+    </dgm:linClrLst>
+    <dgm:effectClrLst/>
+    <dgm:txLinClrLst/>
+    <dgm:txFillClrLst meth="repeat">
+      <a:schemeClr val="lt1"/>
+    </dgm:txFillClrLst>
+    <dgm:txEffectClrLst/>
+  </dgm:styleLbl>
+  <dgm:styleLbl name="parChTrans1D1">
+    <dgm:fillClrLst meth="repeat">
+      <a:schemeClr val="accent1"/>
+    </dgm:fillClrLst>
+    <dgm:linClrLst meth="repeat">
+      <a:schemeClr val="accent1">
+        <a:shade val="60000"/>
+      </a:schemeClr>
+    </dgm:linClrLst>
+    <dgm:effectClrLst/>
+    <dgm:txLinClrLst/>
+    <dgm:txFillClrLst meth="repeat">
+      <a:schemeClr val="tx1"/>
+    </dgm:txFillClrLst>
+    <dgm:txEffectClrLst/>
+  </dgm:styleLbl>
+  <dgm:styleLbl name="parChTrans1D2">
+    <dgm:fillClrLst meth="repeat">
+      <a:schemeClr val="accent1"/>
+    </dgm:fillClrLst>
+    <dgm:linClrLst meth="repeat">
+      <a:schemeClr val="accent1">
+        <a:shade val="60000"/>
+      </a:schemeClr>
+    </dgm:linClrLst>
+    <dgm:effectClrLst/>
+    <dgm:txLinClrLst/>
+    <dgm:txFillClrLst meth="repeat">
+      <a:schemeClr val="tx1"/>
+    </dgm:txFillClrLst>
+    <dgm:txEffectClrLst/>
+  </dgm:styleLbl>
+  <dgm:styleLbl name="parChTrans1D3">
+    <dgm:fillClrLst meth="repeat">
+      <a:schemeClr val="accent1"/>
+    </dgm:fillClrLst>
+    <dgm:linClrLst meth="repeat">
+      <a:schemeClr val="accent1">
+        <a:shade val="80000"/>
+      </a:schemeClr>
+    </dgm:linClrLst>
+    <dgm:effectClrLst/>
+    <dgm:txLinClrLst/>
+    <dgm:txFillClrLst meth="repeat">
+      <a:schemeClr val="tx1"/>
+    </dgm:txFillClrLst>
+    <dgm:txEffectClrLst/>
+  </dgm:styleLbl>
+  <dgm:styleLbl name="parChTrans1D4">
+    <dgm:fillClrLst meth="repeat">
+      <a:schemeClr val="accent1"/>
+    </dgm:fillClrLst>
+    <dgm:linClrLst meth="repeat">
+      <a:schemeClr val="accent1">
+        <a:shade val="80000"/>
+      </a:schemeClr>
+    </dgm:linClrLst>
+    <dgm:effectClrLst/>
+    <dgm:txLinClrLst/>
+    <dgm:txFillClrLst meth="repeat">
+      <a:schemeClr val="tx1"/>
+    </dgm:txFillClrLst>
+    <dgm:txEffectClrLst/>
+  </dgm:styleLbl>
+  <dgm:styleLbl name="fgAcc1">
+    <dgm:fillClrLst meth="repeat">
+      <a:schemeClr val="lt1">
+        <a:alpha val="90000"/>
+      </a:schemeClr>
+    </dgm:fillClrLst>
+    <dgm:linClrLst meth="repeat">
+      <a:schemeClr val="accent1"/>
+    </dgm:linClrLst>
+    <dgm:effectClrLst/>
+    <dgm:txLinClrLst/>
+    <dgm:txFillClrLst meth="repeat">
+      <a:schemeClr val="dk1"/>
+    </dgm:txFillClrLst>
+    <dgm:txEffectClrLst/>
+  </dgm:styleLbl>
+  <dgm:styleLbl name="conFgAcc1">
+    <dgm:fillClrLst meth="repeat">
+      <a:schemeClr val="lt1">
+        <a:alpha val="90000"/>
+      </a:schemeClr>
+    </dgm:fillClrLst>
+    <dgm:linClrLst meth="repeat">
+      <a:schemeClr val="accent1"/>
+    </dgm:linClrLst>
+    <dgm:effectClrLst/>
+    <dgm:txLinClrLst/>
+    <dgm:txFillClrLst meth="repeat">
+      <a:schemeClr val="dk1"/>
+    </dgm:txFillClrLst>
+    <dgm:txEffectClrLst/>
+  </dgm:styleLbl>
+  <dgm:styleLbl name="alignAcc1">
+    <dgm:fillClrLst meth="repeat">
+      <a:schemeClr val="lt1">
+        <a:alpha val="90000"/>
+      </a:schemeClr>
+    </dgm:fillClrLst>
+    <dgm:linClrLst meth="repeat">
+      <a:schemeClr val="accent1"/>
+    </dgm:linClrLst>
+    <dgm:effectClrLst/>
+    <dgm:txLinClrLst/>
+    <dgm:txFillClrLst meth="repeat">
+      <a:schemeClr val="dk1"/>
+    </dgm:txFillClrLst>
+    <dgm:txEffectClrLst/>
+  </dgm:styleLbl>
+  <dgm:styleLbl name="trAlignAcc1">
+    <dgm:fillClrLst meth="repeat">
+      <a:schemeClr val="lt1">
+        <a:alpha val="40000"/>
+      </a:schemeClr>
+    </dgm:fillClrLst>
+    <dgm:linClrLst meth="repeat">
+      <a:schemeClr val="accent1"/>
+    </dgm:linClrLst>
+    <dgm:effectClrLst/>
+    <dgm:txLinClrLst/>
+    <dgm:txFillClrLst meth="repeat">
+      <a:schemeClr val="dk1"/>
+    </dgm:txFillClrLst>
+    <dgm:txEffectClrLst/>
+  </dgm:styleLbl>
+  <dgm:styleLbl name="bgAcc1">
+    <dgm:fillClrLst meth="repeat">
+      <a:schemeClr val="lt1">
+        <a:alpha val="90000"/>
+      </a:schemeClr>
+    </dgm:fillClrLst>
+    <dgm:linClrLst meth="repeat">
+      <a:schemeClr val="accent1"/>
+    </dgm:linClrLst>
+    <dgm:effectClrLst/>
+    <dgm:txLinClrLst/>
+    <dgm:txFillClrLst meth="repeat">
+      <a:schemeClr val="dk1"/>
+    </dgm:txFillClrLst>
+    <dgm:txEffectClrLst/>
+  </dgm:styleLbl>
+  <dgm:styleLbl name="solidFgAcc1">
+    <dgm:fillClrLst meth="repeat">
+      <a:schemeClr val="lt1"/>
+    </dgm:fillClrLst>
+    <dgm:linClrLst meth="repeat">
+      <a:schemeClr val="accent1"/>
+    </dgm:linClrLst>
+    <dgm:effectClrLst/>
+    <dgm:txLinClrLst/>
+    <dgm:txFillClrLst meth="repeat">
+      <a:schemeClr val="dk1"/>
+    </dgm:txFillClrLst>
+    <dgm:txEffectClrLst/>
+  </dgm:styleLbl>
+  <dgm:styleLbl name="solidAlignAcc1">
+    <dgm:fillClrLst meth="repeat">
+      <a:schemeClr val="lt1"/>
+    </dgm:fillClrLst>
+    <dgm:linClrLst meth="repeat">
+      <a:schemeClr val="accent1"/>
+    </dgm:linClrLst>
+    <dgm:effectClrLst/>
+    <dgm:txLinClrLst/>
+    <dgm:txFillClrLst meth="repeat">
+      <a:schemeClr val="dk1"/>
+    </dgm:txFillClrLst>
+    <dgm:txEffectClrLst/>
+  </dgm:styleLbl>
+  <dgm:styleLbl name="solidBgAcc1">
+    <dgm:fillClrLst meth="repeat">
+      <a:schemeClr val="lt1"/>
+    </dgm:fillClrLst>
+    <dgm:linClrLst meth="repeat">
+      <a:schemeClr val="accent1"/>
+    </dgm:linClrLst>
+    <dgm:effectClrLst/>
+    <dgm:txLinClrLst/>
+    <dgm:txFillClrLst meth="repeat">
+      <a:schemeClr val="dk1"/>
+    </dgm:txFillClrLst>
+    <dgm:txEffectClrLst/>
+  </dgm:styleLbl>
+  <dgm:styleLbl name="fgAccFollowNode1">
+    <dgm:fillClrLst meth="repeat">
+      <a:schemeClr val="accent1">
+        <a:alpha val="90000"/>
+        <a:tint val="40000"/>
+      </a:schemeClr>
+    </dgm:fillClrLst>
+    <dgm:linClrLst meth="repeat">
+      <a:schemeClr val="accent1">
+        <a:alpha val="90000"/>
+        <a:tint val="40000"/>
+      </a:schemeClr>
+    </dgm:linClrLst>
+    <dgm:effectClrLst/>
+    <dgm:txLinClrLst/>
+    <dgm:txFillClrLst meth="repeat">
+      <a:schemeClr val="dk1"/>
+    </dgm:txFillClrLst>
+    <dgm:txEffectClrLst/>
+  </dgm:styleLbl>
+  <dgm:styleLbl name="alignAccFollowNode1">
+    <dgm:fillClrLst meth="repeat">
+      <a:schemeClr val="accent1">
+        <a:alpha val="90000"/>
+        <a:tint val="40000"/>
+      </a:schemeClr>
+    </dgm:fillClrLst>
+    <dgm:linClrLst meth="repeat">
+      <a:schemeClr val="accent1">
+        <a:alpha val="90000"/>
+        <a:tint val="40000"/>
+      </a:schemeClr>
+    </dgm:linClrLst>
+    <dgm:effectClrLst/>
+    <dgm:txLinClrLst/>
+    <dgm:txFillClrLst meth="repeat">
+      <a:schemeClr val="dk1"/>
+    </dgm:txFillClrLst>
+    <dgm:txEffectClrLst/>
+  </dgm:styleLbl>
+  <dgm:styleLbl name="bgAccFollowNode1">
+    <dgm:fillClrLst meth="repeat">
+      <a:schemeClr val="accent1">
+        <a:alpha val="90000"/>
+        <a:tint val="40000"/>
+      </a:schemeClr>
+    </dgm:fillClrLst>
+    <dgm:linClrLst meth="repeat">
+      <a:schemeClr val="accent1">
+        <a:alpha val="90000"/>
+        <a:tint val="40000"/>
+      </a:schemeClr>
+    </dgm:linClrLst>
+    <dgm:effectClrLst/>
+    <dgm:txLinClrLst/>
+    <dgm:txFillClrLst meth="repeat">
+      <a:schemeClr val="dk1"/>
+    </dgm:txFillClrLst>
+    <dgm:txEffectClrLst/>
+  </dgm:styleLbl>
+  <dgm:styleLbl name="fgAcc0">
+    <dgm:fillClrLst meth="repeat">
+      <a:schemeClr val="lt1">
+        <a:alpha val="90000"/>
+      </a:schemeClr>
+    </dgm:fillClrLst>
+    <dgm:linClrLst meth="repeat">
+      <a:schemeClr val="accent1"/>
+    </dgm:linClrLst>
+    <dgm:effectClrLst/>
+    <dgm:txLinClrLst/>
+    <dgm:txFillClrLst meth="repeat">
+      <a:schemeClr val="dk1"/>
+    </dgm:txFillClrLst>
+    <dgm:txEffectClrLst/>
+  </dgm:styleLbl>
+  <dgm:styleLbl name="fgAcc2">
+    <dgm:fillClrLst meth="repeat">
+      <a:schemeClr val="lt1">
+        <a:alpha val="90000"/>
+      </a:schemeClr>
+    </dgm:fillClrLst>
+    <dgm:linClrLst meth="repeat">
+      <a:schemeClr val="accent1"/>
+    </dgm:linClrLst>
+    <dgm:effectClrLst/>
+    <dgm:txLinClrLst/>
+    <dgm:txFillClrLst meth="repeat">
+      <a:schemeClr val="dk1"/>
+    </dgm:txFillClrLst>
+    <dgm:txEffectClrLst/>
+  </dgm:styleLbl>
+  <dgm:styleLbl name="fgAcc3">
+    <dgm:fillClrLst meth="repeat">
+      <a:schemeClr val="lt1">
+        <a:alpha val="90000"/>
+      </a:schemeClr>
+    </dgm:fillClrLst>
+    <dgm:linClrLst meth="repeat">
+      <a:schemeClr val="accent1"/>
+    </dgm:linClrLst>
+    <dgm:effectClrLst/>
+    <dgm:txLinClrLst/>
+    <dgm:txFillClrLst meth="repeat">
+      <a:schemeClr val="dk1"/>
+    </dgm:txFillClrLst>
+    <dgm:txEffectClrLst/>
+  </dgm:styleLbl>
+  <dgm:styleLbl name="fgAcc4">
+    <dgm:fillClrLst meth="repeat">
+      <a:schemeClr val="lt1">
+        <a:alpha val="90000"/>
+      </a:schemeClr>
+    </dgm:fillClrLst>
+    <dgm:linClrLst meth="repeat">
+      <a:schemeClr val="accent1"/>
+    </dgm:linClrLst>
+    <dgm:effectClrLst/>
+    <dgm:txLinClrLst/>
+    <dgm:txFillClrLst meth="repeat">
+      <a:schemeClr val="dk1"/>
+    </dgm:txFillClrLst>
+    <dgm:txEffectClrLst/>
+  </dgm:styleLbl>
+  <dgm:styleLbl name="bgShp">
+    <dgm:fillClrLst meth="repeat">
+      <a:schemeClr val="accent1">
+        <a:tint val="40000"/>
+      </a:schemeClr>
+    </dgm:fillClrLst>
+    <dgm:linClrLst meth="repeat">
+      <a:schemeClr val="accent1"/>
+    </dgm:linClrLst>
+    <dgm:effectClrLst/>
+    <dgm:txLinClrLst/>
+    <dgm:txFillClrLst meth="repeat">
+      <a:schemeClr val="dk1"/>
+    </dgm:txFillClrLst>
+    <dgm:txEffectClrLst/>
+  </dgm:styleLbl>
+  <dgm:styleLbl name="dkBgShp">
+    <dgm:fillClrLst meth="repeat">
+      <a:schemeClr val="accent1">
+        <a:shade val="80000"/>
+      </a:schemeClr>
+    </dgm:fillClrLst>
+    <dgm:linClrLst meth="repeat">
+      <a:schemeClr val="accent1"/>
+    </dgm:linClrLst>
+    <dgm:effectClrLst/>
+    <dgm:txLinClrLst/>
+    <dgm:txFillClrLst meth="repeat">
+      <a:schemeClr val="lt1"/>
+    </dgm:txFillClrLst>
+    <dgm:txEffectClrLst/>
+  </dgm:styleLbl>
+  <dgm:styleLbl name="trBgShp">
+    <dgm:fillClrLst meth="repeat">
+      <a:schemeClr val="accent1">
+        <a:tint val="50000"/>
+        <a:alpha val="40000"/>
+      </a:schemeClr>
+    </dgm:fillClrLst>
+    <dgm:linClrLst meth="repeat">
+      <a:schemeClr val="accent1"/>
+    </dgm:linClrLst>
+    <dgm:effectClrLst/>
+    <dgm:txLinClrLst/>
+    <dgm:txFillClrLst meth="repeat">
+      <a:schemeClr val="lt1"/>
+    </dgm:txFillClrLst>
+    <dgm:txEffectClrLst/>
+  </dgm:styleLbl>
+  <dgm:styleLbl name="fgShp">
+    <dgm:fillClrLst meth="repeat">
+      <a:schemeClr val="accent1">
+        <a:tint val="60000"/>
+      </a:schemeClr>
+    </dgm:fillClrLst>
+    <dgm:linClrLst meth="repeat">
+      <a:schemeClr val="lt1"/>
+    </dgm:linClrLst>
+    <dgm:effectClrLst/>
+    <dgm:txLinClrLst/>
+    <dgm:txFillClrLst meth="repeat">
+      <a:schemeClr val="dk1"/>
+    </dgm:txFillClrLst>
+    <dgm:txEffectClrLst/>
+  </dgm:styleLbl>
+  <dgm:styleLbl name="revTx">
+    <dgm:fillClrLst meth="repeat">
+      <a:schemeClr val="lt1">
+        <a:alpha val="0"/>
+      </a:schemeClr>
+    </dgm:fillClrLst>
+    <dgm:linClrLst meth="repeat">
+      <a:schemeClr val="dk1">
+        <a:alpha val="0"/>
+      </a:schemeClr>
+    </dgm:linClrLst>
+    <dgm:effectClrLst/>
+    <dgm:txLinClrLst/>
+    <dgm:txFillClrLst meth="repeat">
+      <a:schemeClr val="tx1"/>
+    </dgm:txFillClrLst>
+    <dgm:txEffectClrLst/>
+  </dgm:styleLbl>
+</dgm:colorsDef>
+</file>
+
 <file path=ppt/diagrams/data1.xml><?xml version="1.0" encoding="utf-8"?>
 <dgm:dataModel xmlns:dgm="http://schemas.openxmlformats.org/drawingml/2006/diagram" xmlns:a="http://schemas.openxmlformats.org/drawingml/2006/main">
   <dgm:ptLst>
@@ -4179,6 +4927,471 @@
 </file>
 
 <file path=ppt/diagrams/data2.xml><?xml version="1.0" encoding="utf-8"?>
+<dgm:dataModel xmlns:dgm="http://schemas.openxmlformats.org/drawingml/2006/diagram" xmlns:a="http://schemas.openxmlformats.org/drawingml/2006/main">
+  <dgm:ptLst>
+    <dgm:pt modelId="{1D73BDCC-71EF-4DEB-AFFF-A634CB40684B}" type="doc">
+      <dgm:prSet loTypeId="urn:microsoft.com/office/officeart/2005/8/layout/hList1" loCatId="list" qsTypeId="urn:microsoft.com/office/officeart/2005/8/quickstyle/simple1" qsCatId="simple" csTypeId="urn:microsoft.com/office/officeart/2005/8/colors/accent1_2" csCatId="accent1" phldr="1"/>
+      <dgm:spPr/>
+      <dgm:t>
+        <a:bodyPr/>
+        <a:lstStyle/>
+        <a:p>
+          <a:endParaRPr lang="en-US"/>
+        </a:p>
+      </dgm:t>
+    </dgm:pt>
+    <dgm:pt modelId="{8656BA58-BEB9-4C9A-91F0-4760FDEA720B}">
+      <dgm:prSet phldrT="[Text]"/>
+      <dgm:spPr/>
+      <dgm:t>
+        <a:bodyPr/>
+        <a:lstStyle/>
+        <a:p>
+          <a:r>
+            <a:rPr lang="en-US" dirty="0"/>
+            <a:t>White-owned Businesses</a:t>
+          </a:r>
+        </a:p>
+      </dgm:t>
+    </dgm:pt>
+    <dgm:pt modelId="{5E693C52-685E-4A08-8318-64A3EB9EF9BF}" type="parTrans" cxnId="{4845B7F5-54F3-4C2C-9C34-38CEA36F49F7}">
+      <dgm:prSet/>
+      <dgm:spPr/>
+      <dgm:t>
+        <a:bodyPr/>
+        <a:lstStyle/>
+        <a:p>
+          <a:endParaRPr lang="en-US"/>
+        </a:p>
+      </dgm:t>
+    </dgm:pt>
+    <dgm:pt modelId="{0C75DEBA-CB97-49F1-89FE-A1580AEB00E8}" type="sibTrans" cxnId="{4845B7F5-54F3-4C2C-9C34-38CEA36F49F7}">
+      <dgm:prSet/>
+      <dgm:spPr/>
+      <dgm:t>
+        <a:bodyPr/>
+        <a:lstStyle/>
+        <a:p>
+          <a:endParaRPr lang="en-US"/>
+        </a:p>
+      </dgm:t>
+    </dgm:pt>
+    <dgm:pt modelId="{FE34673B-E546-4F3F-9432-A02112198986}">
+      <dgm:prSet phldrT="[Text]"/>
+      <dgm:spPr/>
+      <dgm:t>
+        <a:bodyPr/>
+        <a:lstStyle/>
+        <a:p>
+          <a:r>
+            <a:rPr lang="en-US" dirty="0"/>
+            <a:t>Create 55.9 million jobs</a:t>
+          </a:r>
+        </a:p>
+      </dgm:t>
+    </dgm:pt>
+    <dgm:pt modelId="{1771EEE0-34FD-4710-A0E3-533A37213D7A}" type="parTrans" cxnId="{5E0FF80B-3561-454F-813F-85D9B9410F9C}">
+      <dgm:prSet/>
+      <dgm:spPr/>
+      <dgm:t>
+        <a:bodyPr/>
+        <a:lstStyle/>
+        <a:p>
+          <a:endParaRPr lang="en-US"/>
+        </a:p>
+      </dgm:t>
+    </dgm:pt>
+    <dgm:pt modelId="{80F8C907-5731-4C46-85EE-D3573B9EF6D1}" type="sibTrans" cxnId="{5E0FF80B-3561-454F-813F-85D9B9410F9C}">
+      <dgm:prSet/>
+      <dgm:spPr/>
+      <dgm:t>
+        <a:bodyPr/>
+        <a:lstStyle/>
+        <a:p>
+          <a:endParaRPr lang="en-US"/>
+        </a:p>
+      </dgm:t>
+    </dgm:pt>
+    <dgm:pt modelId="{B50A129C-838F-42DD-8DEF-C694CC1C6C9B}">
+      <dgm:prSet phldrT="[Text]"/>
+      <dgm:spPr/>
+      <dgm:t>
+        <a:bodyPr/>
+        <a:lstStyle/>
+        <a:p>
+          <a:r>
+            <a:rPr lang="en-US" dirty="0"/>
+            <a:t>Generate $212.9 Trillion in annual revenue</a:t>
+          </a:r>
+        </a:p>
+      </dgm:t>
+    </dgm:pt>
+    <dgm:pt modelId="{656D4D3A-A9F8-4C75-B87E-4A6AA2078756}" type="parTrans" cxnId="{4B6B8C48-9299-4085-9969-EF16CA4092A7}">
+      <dgm:prSet/>
+      <dgm:spPr/>
+      <dgm:t>
+        <a:bodyPr/>
+        <a:lstStyle/>
+        <a:p>
+          <a:endParaRPr lang="en-US"/>
+        </a:p>
+      </dgm:t>
+    </dgm:pt>
+    <dgm:pt modelId="{E4B3143B-B155-4E4D-A75F-BACC92CBA108}" type="sibTrans" cxnId="{4B6B8C48-9299-4085-9969-EF16CA4092A7}">
+      <dgm:prSet/>
+      <dgm:spPr/>
+      <dgm:t>
+        <a:bodyPr/>
+        <a:lstStyle/>
+        <a:p>
+          <a:endParaRPr lang="en-US"/>
+        </a:p>
+      </dgm:t>
+    </dgm:pt>
+    <dgm:pt modelId="{5FB50C3D-5D93-4F9B-A60E-3F31E9832F51}">
+      <dgm:prSet phldrT="[Text]"/>
+      <dgm:spPr/>
+      <dgm:t>
+        <a:bodyPr/>
+        <a:lstStyle/>
+        <a:p>
+          <a:r>
+            <a:rPr lang="en-US" dirty="0"/>
+            <a:t>Asian-owned Businesses</a:t>
+          </a:r>
+        </a:p>
+      </dgm:t>
+    </dgm:pt>
+    <dgm:pt modelId="{8CF7E8CA-1850-467F-A054-5818580782E4}" type="parTrans" cxnId="{5FCA4E31-1234-4371-9275-6AF373B6FF3E}">
+      <dgm:prSet/>
+      <dgm:spPr/>
+      <dgm:t>
+        <a:bodyPr/>
+        <a:lstStyle/>
+        <a:p>
+          <a:endParaRPr lang="en-US"/>
+        </a:p>
+      </dgm:t>
+    </dgm:pt>
+    <dgm:pt modelId="{CAA000BB-8A1B-422E-97ED-377A36613AFF}" type="sibTrans" cxnId="{5FCA4E31-1234-4371-9275-6AF373B6FF3E}">
+      <dgm:prSet/>
+      <dgm:spPr/>
+      <dgm:t>
+        <a:bodyPr/>
+        <a:lstStyle/>
+        <a:p>
+          <a:endParaRPr lang="en-US"/>
+        </a:p>
+      </dgm:t>
+    </dgm:pt>
+    <dgm:pt modelId="{009F2060-8F54-46E3-989F-16C12EA005BD}">
+      <dgm:prSet phldrT="[Text]"/>
+      <dgm:spPr/>
+      <dgm:t>
+        <a:bodyPr/>
+        <a:lstStyle/>
+        <a:p>
+          <a:r>
+            <a:rPr lang="en-US" dirty="0"/>
+            <a:t>Create 3.8 million jobs</a:t>
+          </a:r>
+        </a:p>
+      </dgm:t>
+    </dgm:pt>
+    <dgm:pt modelId="{6D34EFB5-2A1F-4DAB-9860-0B90B79BF3C6}" type="parTrans" cxnId="{D5967443-6395-46CF-8BDD-3B05F1F597BD}">
+      <dgm:prSet/>
+      <dgm:spPr/>
+      <dgm:t>
+        <a:bodyPr/>
+        <a:lstStyle/>
+        <a:p>
+          <a:endParaRPr lang="en-US"/>
+        </a:p>
+      </dgm:t>
+    </dgm:pt>
+    <dgm:pt modelId="{18D769C1-0E9F-469E-A380-398389F9E45E}" type="sibTrans" cxnId="{D5967443-6395-46CF-8BDD-3B05F1F597BD}">
+      <dgm:prSet/>
+      <dgm:spPr/>
+      <dgm:t>
+        <a:bodyPr/>
+        <a:lstStyle/>
+        <a:p>
+          <a:endParaRPr lang="en-US"/>
+        </a:p>
+      </dgm:t>
+    </dgm:pt>
+    <dgm:pt modelId="{3CA2E9C3-F52B-44FE-9D0D-93239EDC649C}">
+      <dgm:prSet phldrT="[Text]"/>
+      <dgm:spPr/>
+      <dgm:t>
+        <a:bodyPr/>
+        <a:lstStyle/>
+        <a:p>
+          <a:r>
+            <a:rPr lang="en-US" dirty="0"/>
+            <a:t>Generate $793.5 billion in annual revenue</a:t>
+          </a:r>
+        </a:p>
+      </dgm:t>
+    </dgm:pt>
+    <dgm:pt modelId="{118B1963-E4F2-47A9-A70B-8FD04D3D7BFE}" type="parTrans" cxnId="{FDF4A85A-C1E7-42C4-ADEC-9690B308AE90}">
+      <dgm:prSet/>
+      <dgm:spPr/>
+      <dgm:t>
+        <a:bodyPr/>
+        <a:lstStyle/>
+        <a:p>
+          <a:endParaRPr lang="en-US"/>
+        </a:p>
+      </dgm:t>
+    </dgm:pt>
+    <dgm:pt modelId="{AED65E59-2257-492E-8C00-31F50964138C}" type="sibTrans" cxnId="{FDF4A85A-C1E7-42C4-ADEC-9690B308AE90}">
+      <dgm:prSet/>
+      <dgm:spPr/>
+      <dgm:t>
+        <a:bodyPr/>
+        <a:lstStyle/>
+        <a:p>
+          <a:endParaRPr lang="en-US"/>
+        </a:p>
+      </dgm:t>
+    </dgm:pt>
+    <dgm:pt modelId="{2489FFFE-24E5-4797-A1FF-C2A3805B2A34}">
+      <dgm:prSet phldrT="[Text]"/>
+      <dgm:spPr/>
+      <dgm:t>
+        <a:bodyPr/>
+        <a:lstStyle/>
+        <a:p>
+          <a:r>
+            <a:rPr lang="en-US" dirty="0"/>
+            <a:t>Hispanic-owned Businesses</a:t>
+          </a:r>
+        </a:p>
+      </dgm:t>
+    </dgm:pt>
+    <dgm:pt modelId="{357C68EA-388C-47E6-A6C9-E0400771F979}" type="parTrans" cxnId="{FBCB1405-3B81-4AD6-BCA9-0889441663AF}">
+      <dgm:prSet/>
+      <dgm:spPr/>
+      <dgm:t>
+        <a:bodyPr/>
+        <a:lstStyle/>
+        <a:p>
+          <a:endParaRPr lang="en-US"/>
+        </a:p>
+      </dgm:t>
+    </dgm:pt>
+    <dgm:pt modelId="{6B87AFA7-038C-4F2D-80ED-28C58CF56B4D}" type="sibTrans" cxnId="{FBCB1405-3B81-4AD6-BCA9-0889441663AF}">
+      <dgm:prSet/>
+      <dgm:spPr/>
+      <dgm:t>
+        <a:bodyPr/>
+        <a:lstStyle/>
+        <a:p>
+          <a:endParaRPr lang="en-US"/>
+        </a:p>
+      </dgm:t>
+    </dgm:pt>
+    <dgm:pt modelId="{BC6B93F8-AEC7-48F3-8A60-245EF7A4BADB}">
+      <dgm:prSet phldrT="[Text]"/>
+      <dgm:spPr/>
+      <dgm:t>
+        <a:bodyPr/>
+        <a:lstStyle/>
+        <a:p>
+          <a:r>
+            <a:rPr lang="en-US" dirty="0"/>
+            <a:t>Create 2.5 million jobs</a:t>
+          </a:r>
+        </a:p>
+      </dgm:t>
+    </dgm:pt>
+    <dgm:pt modelId="{4FDF02FD-704C-4A27-BCD7-045B1E162471}" type="parTrans" cxnId="{6F58210E-4FBC-4619-BB05-B7B787234DAC}">
+      <dgm:prSet/>
+      <dgm:spPr/>
+      <dgm:t>
+        <a:bodyPr/>
+        <a:lstStyle/>
+        <a:p>
+          <a:endParaRPr lang="en-US"/>
+        </a:p>
+      </dgm:t>
+    </dgm:pt>
+    <dgm:pt modelId="{A5D254FF-225D-45BF-883C-31B6A06F0A82}" type="sibTrans" cxnId="{6F58210E-4FBC-4619-BB05-B7B787234DAC}">
+      <dgm:prSet/>
+      <dgm:spPr/>
+      <dgm:t>
+        <a:bodyPr/>
+        <a:lstStyle/>
+        <a:p>
+          <a:endParaRPr lang="en-US"/>
+        </a:p>
+      </dgm:t>
+    </dgm:pt>
+    <dgm:pt modelId="{DA8B11F8-AC0C-40EA-A030-C2A5CC6DE363}">
+      <dgm:prSet phldrT="[Text]"/>
+      <dgm:spPr/>
+      <dgm:t>
+        <a:bodyPr/>
+        <a:lstStyle/>
+        <a:p>
+          <a:r>
+            <a:rPr lang="en-US" dirty="0"/>
+            <a:t>Generate $473.6 billion in annual revenue</a:t>
+          </a:r>
+        </a:p>
+      </dgm:t>
+    </dgm:pt>
+    <dgm:pt modelId="{D172C0CC-4709-4E8A-A7B9-01DB91C52DA4}" type="parTrans" cxnId="{AD9F2D2F-A133-4E5C-AE97-E6BABD0FFE28}">
+      <dgm:prSet/>
+      <dgm:spPr/>
+      <dgm:t>
+        <a:bodyPr/>
+        <a:lstStyle/>
+        <a:p>
+          <a:endParaRPr lang="en-US"/>
+        </a:p>
+      </dgm:t>
+    </dgm:pt>
+    <dgm:pt modelId="{2A3ABF05-E09A-461B-8880-66FBD917D35E}" type="sibTrans" cxnId="{AD9F2D2F-A133-4E5C-AE97-E6BABD0FFE28}">
+      <dgm:prSet/>
+      <dgm:spPr/>
+      <dgm:t>
+        <a:bodyPr/>
+        <a:lstStyle/>
+        <a:p>
+          <a:endParaRPr lang="en-US"/>
+        </a:p>
+      </dgm:t>
+    </dgm:pt>
+    <dgm:pt modelId="{9E23ACE5-5713-4CE3-B8F2-3C16BB4281ED}" type="pres">
+      <dgm:prSet presAssocID="{1D73BDCC-71EF-4DEB-AFFF-A634CB40684B}" presName="Name0" presStyleCnt="0">
+        <dgm:presLayoutVars>
+          <dgm:dir/>
+          <dgm:animLvl val="lvl"/>
+          <dgm:resizeHandles val="exact"/>
+        </dgm:presLayoutVars>
+      </dgm:prSet>
+      <dgm:spPr/>
+    </dgm:pt>
+    <dgm:pt modelId="{7ABE44C0-37CA-495A-9254-CBC6B35E68DE}" type="pres">
+      <dgm:prSet presAssocID="{8656BA58-BEB9-4C9A-91F0-4760FDEA720B}" presName="composite" presStyleCnt="0"/>
+      <dgm:spPr/>
+    </dgm:pt>
+    <dgm:pt modelId="{73C3BEF7-AB82-4AE0-9E17-5A3E7E9BB03D}" type="pres">
+      <dgm:prSet presAssocID="{8656BA58-BEB9-4C9A-91F0-4760FDEA720B}" presName="parTx" presStyleLbl="alignNode1" presStyleIdx="0" presStyleCnt="3">
+        <dgm:presLayoutVars>
+          <dgm:chMax val="0"/>
+          <dgm:chPref val="0"/>
+          <dgm:bulletEnabled val="1"/>
+        </dgm:presLayoutVars>
+      </dgm:prSet>
+      <dgm:spPr/>
+    </dgm:pt>
+    <dgm:pt modelId="{DFBE9DD1-CF5C-494A-8D10-1E9C6D5EF768}" type="pres">
+      <dgm:prSet presAssocID="{8656BA58-BEB9-4C9A-91F0-4760FDEA720B}" presName="desTx" presStyleLbl="alignAccFollowNode1" presStyleIdx="0" presStyleCnt="3">
+        <dgm:presLayoutVars>
+          <dgm:bulletEnabled val="1"/>
+        </dgm:presLayoutVars>
+      </dgm:prSet>
+      <dgm:spPr/>
+    </dgm:pt>
+    <dgm:pt modelId="{29D10761-C3A8-4537-B7B0-1F769F053670}" type="pres">
+      <dgm:prSet presAssocID="{0C75DEBA-CB97-49F1-89FE-A1580AEB00E8}" presName="space" presStyleCnt="0"/>
+      <dgm:spPr/>
+    </dgm:pt>
+    <dgm:pt modelId="{A1B717E2-2775-4B60-8098-89A9B83103C4}" type="pres">
+      <dgm:prSet presAssocID="{5FB50C3D-5D93-4F9B-A60E-3F31E9832F51}" presName="composite" presStyleCnt="0"/>
+      <dgm:spPr/>
+    </dgm:pt>
+    <dgm:pt modelId="{E544D0E0-70F3-4EA5-9A79-CCED47014928}" type="pres">
+      <dgm:prSet presAssocID="{5FB50C3D-5D93-4F9B-A60E-3F31E9832F51}" presName="parTx" presStyleLbl="alignNode1" presStyleIdx="1" presStyleCnt="3">
+        <dgm:presLayoutVars>
+          <dgm:chMax val="0"/>
+          <dgm:chPref val="0"/>
+          <dgm:bulletEnabled val="1"/>
+        </dgm:presLayoutVars>
+      </dgm:prSet>
+      <dgm:spPr/>
+    </dgm:pt>
+    <dgm:pt modelId="{D2F85D6C-CEE9-4A66-942C-CCB8357E7A38}" type="pres">
+      <dgm:prSet presAssocID="{5FB50C3D-5D93-4F9B-A60E-3F31E9832F51}" presName="desTx" presStyleLbl="alignAccFollowNode1" presStyleIdx="1" presStyleCnt="3">
+        <dgm:presLayoutVars>
+          <dgm:bulletEnabled val="1"/>
+        </dgm:presLayoutVars>
+      </dgm:prSet>
+      <dgm:spPr/>
+    </dgm:pt>
+    <dgm:pt modelId="{20AC5D52-EF83-4D0C-A201-A4369CE481D4}" type="pres">
+      <dgm:prSet presAssocID="{CAA000BB-8A1B-422E-97ED-377A36613AFF}" presName="space" presStyleCnt="0"/>
+      <dgm:spPr/>
+    </dgm:pt>
+    <dgm:pt modelId="{0B566577-ABD9-4D2F-B831-8FC4800A26EF}" type="pres">
+      <dgm:prSet presAssocID="{2489FFFE-24E5-4797-A1FF-C2A3805B2A34}" presName="composite" presStyleCnt="0"/>
+      <dgm:spPr/>
+    </dgm:pt>
+    <dgm:pt modelId="{369A78C8-5060-48B2-85BF-CA33E09169AB}" type="pres">
+      <dgm:prSet presAssocID="{2489FFFE-24E5-4797-A1FF-C2A3805B2A34}" presName="parTx" presStyleLbl="alignNode1" presStyleIdx="2" presStyleCnt="3">
+        <dgm:presLayoutVars>
+          <dgm:chMax val="0"/>
+          <dgm:chPref val="0"/>
+          <dgm:bulletEnabled val="1"/>
+        </dgm:presLayoutVars>
+      </dgm:prSet>
+      <dgm:spPr/>
+    </dgm:pt>
+    <dgm:pt modelId="{74D124A8-FFF2-41AF-BA41-26BA3A2E2E8A}" type="pres">
+      <dgm:prSet presAssocID="{2489FFFE-24E5-4797-A1FF-C2A3805B2A34}" presName="desTx" presStyleLbl="alignAccFollowNode1" presStyleIdx="2" presStyleCnt="3">
+        <dgm:presLayoutVars>
+          <dgm:bulletEnabled val="1"/>
+        </dgm:presLayoutVars>
+      </dgm:prSet>
+      <dgm:spPr/>
+    </dgm:pt>
+  </dgm:ptLst>
+  <dgm:cxnLst>
+    <dgm:cxn modelId="{32646502-99AD-4618-AFBB-EC0E1D813B51}" type="presOf" srcId="{B50A129C-838F-42DD-8DEF-C694CC1C6C9B}" destId="{DFBE9DD1-CF5C-494A-8D10-1E9C6D5EF768}" srcOrd="0" destOrd="1" presId="urn:microsoft.com/office/officeart/2005/8/layout/hList1"/>
+    <dgm:cxn modelId="{FBCB1405-3B81-4AD6-BCA9-0889441663AF}" srcId="{1D73BDCC-71EF-4DEB-AFFF-A634CB40684B}" destId="{2489FFFE-24E5-4797-A1FF-C2A3805B2A34}" srcOrd="2" destOrd="0" parTransId="{357C68EA-388C-47E6-A6C9-E0400771F979}" sibTransId="{6B87AFA7-038C-4F2D-80ED-28C58CF56B4D}"/>
+    <dgm:cxn modelId="{5E0FF80B-3561-454F-813F-85D9B9410F9C}" srcId="{8656BA58-BEB9-4C9A-91F0-4760FDEA720B}" destId="{FE34673B-E546-4F3F-9432-A02112198986}" srcOrd="0" destOrd="0" parTransId="{1771EEE0-34FD-4710-A0E3-533A37213D7A}" sibTransId="{80F8C907-5731-4C46-85EE-D3573B9EF6D1}"/>
+    <dgm:cxn modelId="{6F58210E-4FBC-4619-BB05-B7B787234DAC}" srcId="{2489FFFE-24E5-4797-A1FF-C2A3805B2A34}" destId="{BC6B93F8-AEC7-48F3-8A60-245EF7A4BADB}" srcOrd="0" destOrd="0" parTransId="{4FDF02FD-704C-4A27-BCD7-045B1E162471}" sibTransId="{A5D254FF-225D-45BF-883C-31B6A06F0A82}"/>
+    <dgm:cxn modelId="{83EBBA0E-0CBB-42B5-A3DF-CE7B1987FBAF}" type="presOf" srcId="{009F2060-8F54-46E3-989F-16C12EA005BD}" destId="{D2F85D6C-CEE9-4A66-942C-CCB8357E7A38}" srcOrd="0" destOrd="0" presId="urn:microsoft.com/office/officeart/2005/8/layout/hList1"/>
+    <dgm:cxn modelId="{C8CD990F-0EE1-4C9C-AF1B-24BE1E37FEBE}" type="presOf" srcId="{5FB50C3D-5D93-4F9B-A60E-3F31E9832F51}" destId="{E544D0E0-70F3-4EA5-9A79-CCED47014928}" srcOrd="0" destOrd="0" presId="urn:microsoft.com/office/officeart/2005/8/layout/hList1"/>
+    <dgm:cxn modelId="{40498A1D-C296-4755-B9DE-1716DC962592}" type="presOf" srcId="{FE34673B-E546-4F3F-9432-A02112198986}" destId="{DFBE9DD1-CF5C-494A-8D10-1E9C6D5EF768}" srcOrd="0" destOrd="0" presId="urn:microsoft.com/office/officeart/2005/8/layout/hList1"/>
+    <dgm:cxn modelId="{C5FD092D-76E8-49FE-8FFE-21A1F9EFC09D}" type="presOf" srcId="{DA8B11F8-AC0C-40EA-A030-C2A5CC6DE363}" destId="{74D124A8-FFF2-41AF-BA41-26BA3A2E2E8A}" srcOrd="0" destOrd="1" presId="urn:microsoft.com/office/officeart/2005/8/layout/hList1"/>
+    <dgm:cxn modelId="{AD9F2D2F-A133-4E5C-AE97-E6BABD0FFE28}" srcId="{2489FFFE-24E5-4797-A1FF-C2A3805B2A34}" destId="{DA8B11F8-AC0C-40EA-A030-C2A5CC6DE363}" srcOrd="1" destOrd="0" parTransId="{D172C0CC-4709-4E8A-A7B9-01DB91C52DA4}" sibTransId="{2A3ABF05-E09A-461B-8880-66FBD917D35E}"/>
+    <dgm:cxn modelId="{5FCA4E31-1234-4371-9275-6AF373B6FF3E}" srcId="{1D73BDCC-71EF-4DEB-AFFF-A634CB40684B}" destId="{5FB50C3D-5D93-4F9B-A60E-3F31E9832F51}" srcOrd="1" destOrd="0" parTransId="{8CF7E8CA-1850-467F-A054-5818580782E4}" sibTransId="{CAA000BB-8A1B-422E-97ED-377A36613AFF}"/>
+    <dgm:cxn modelId="{68151D35-0BF2-4D29-8020-10E1101F1BA8}" type="presOf" srcId="{3CA2E9C3-F52B-44FE-9D0D-93239EDC649C}" destId="{D2F85D6C-CEE9-4A66-942C-CCB8357E7A38}" srcOrd="0" destOrd="1" presId="urn:microsoft.com/office/officeart/2005/8/layout/hList1"/>
+    <dgm:cxn modelId="{D5967443-6395-46CF-8BDD-3B05F1F597BD}" srcId="{5FB50C3D-5D93-4F9B-A60E-3F31E9832F51}" destId="{009F2060-8F54-46E3-989F-16C12EA005BD}" srcOrd="0" destOrd="0" parTransId="{6D34EFB5-2A1F-4DAB-9860-0B90B79BF3C6}" sibTransId="{18D769C1-0E9F-469E-A380-398389F9E45E}"/>
+    <dgm:cxn modelId="{4B6B8C48-9299-4085-9969-EF16CA4092A7}" srcId="{8656BA58-BEB9-4C9A-91F0-4760FDEA720B}" destId="{B50A129C-838F-42DD-8DEF-C694CC1C6C9B}" srcOrd="1" destOrd="0" parTransId="{656D4D3A-A9F8-4C75-B87E-4A6AA2078756}" sibTransId="{E4B3143B-B155-4E4D-A75F-BACC92CBA108}"/>
+    <dgm:cxn modelId="{E2418E78-04FE-46E3-8337-7E404EB62DAC}" type="presOf" srcId="{1D73BDCC-71EF-4DEB-AFFF-A634CB40684B}" destId="{9E23ACE5-5713-4CE3-B8F2-3C16BB4281ED}" srcOrd="0" destOrd="0" presId="urn:microsoft.com/office/officeart/2005/8/layout/hList1"/>
+    <dgm:cxn modelId="{FDF4A85A-C1E7-42C4-ADEC-9690B308AE90}" srcId="{5FB50C3D-5D93-4F9B-A60E-3F31E9832F51}" destId="{3CA2E9C3-F52B-44FE-9D0D-93239EDC649C}" srcOrd="1" destOrd="0" parTransId="{118B1963-E4F2-47A9-A70B-8FD04D3D7BFE}" sibTransId="{AED65E59-2257-492E-8C00-31F50964138C}"/>
+    <dgm:cxn modelId="{A817A6A3-3B9E-47F2-BA5C-2337CCADDFF9}" type="presOf" srcId="{BC6B93F8-AEC7-48F3-8A60-245EF7A4BADB}" destId="{74D124A8-FFF2-41AF-BA41-26BA3A2E2E8A}" srcOrd="0" destOrd="0" presId="urn:microsoft.com/office/officeart/2005/8/layout/hList1"/>
+    <dgm:cxn modelId="{C9410BB8-EE26-47FB-8181-CEE996394396}" type="presOf" srcId="{2489FFFE-24E5-4797-A1FF-C2A3805B2A34}" destId="{369A78C8-5060-48B2-85BF-CA33E09169AB}" srcOrd="0" destOrd="0" presId="urn:microsoft.com/office/officeart/2005/8/layout/hList1"/>
+    <dgm:cxn modelId="{159016D0-C7DA-47EE-B947-0BCAAE7C27B2}" type="presOf" srcId="{8656BA58-BEB9-4C9A-91F0-4760FDEA720B}" destId="{73C3BEF7-AB82-4AE0-9E17-5A3E7E9BB03D}" srcOrd="0" destOrd="0" presId="urn:microsoft.com/office/officeart/2005/8/layout/hList1"/>
+    <dgm:cxn modelId="{4845B7F5-54F3-4C2C-9C34-38CEA36F49F7}" srcId="{1D73BDCC-71EF-4DEB-AFFF-A634CB40684B}" destId="{8656BA58-BEB9-4C9A-91F0-4760FDEA720B}" srcOrd="0" destOrd="0" parTransId="{5E693C52-685E-4A08-8318-64A3EB9EF9BF}" sibTransId="{0C75DEBA-CB97-49F1-89FE-A1580AEB00E8}"/>
+    <dgm:cxn modelId="{5DA0C675-E9A7-4E53-B1BE-CFDC10FB28DF}" type="presParOf" srcId="{9E23ACE5-5713-4CE3-B8F2-3C16BB4281ED}" destId="{7ABE44C0-37CA-495A-9254-CBC6B35E68DE}" srcOrd="0" destOrd="0" presId="urn:microsoft.com/office/officeart/2005/8/layout/hList1"/>
+    <dgm:cxn modelId="{D4A470CF-71D7-4124-BA73-59DBE6E5CD81}" type="presParOf" srcId="{7ABE44C0-37CA-495A-9254-CBC6B35E68DE}" destId="{73C3BEF7-AB82-4AE0-9E17-5A3E7E9BB03D}" srcOrd="0" destOrd="0" presId="urn:microsoft.com/office/officeart/2005/8/layout/hList1"/>
+    <dgm:cxn modelId="{E9D296BC-A210-47DD-8AF4-7CE32AD39733}" type="presParOf" srcId="{7ABE44C0-37CA-495A-9254-CBC6B35E68DE}" destId="{DFBE9DD1-CF5C-494A-8D10-1E9C6D5EF768}" srcOrd="1" destOrd="0" presId="urn:microsoft.com/office/officeart/2005/8/layout/hList1"/>
+    <dgm:cxn modelId="{381999DF-0058-49DB-817E-21D5B3931344}" type="presParOf" srcId="{9E23ACE5-5713-4CE3-B8F2-3C16BB4281ED}" destId="{29D10761-C3A8-4537-B7B0-1F769F053670}" srcOrd="1" destOrd="0" presId="urn:microsoft.com/office/officeart/2005/8/layout/hList1"/>
+    <dgm:cxn modelId="{08A548D5-03A0-4604-9E5E-AD0F43330F20}" type="presParOf" srcId="{9E23ACE5-5713-4CE3-B8F2-3C16BB4281ED}" destId="{A1B717E2-2775-4B60-8098-89A9B83103C4}" srcOrd="2" destOrd="0" presId="urn:microsoft.com/office/officeart/2005/8/layout/hList1"/>
+    <dgm:cxn modelId="{286484FF-C6C5-450E-9F08-EB9EA70F8156}" type="presParOf" srcId="{A1B717E2-2775-4B60-8098-89A9B83103C4}" destId="{E544D0E0-70F3-4EA5-9A79-CCED47014928}" srcOrd="0" destOrd="0" presId="urn:microsoft.com/office/officeart/2005/8/layout/hList1"/>
+    <dgm:cxn modelId="{9E6A40FC-67FD-478E-9D07-2C5B5F9406EE}" type="presParOf" srcId="{A1B717E2-2775-4B60-8098-89A9B83103C4}" destId="{D2F85D6C-CEE9-4A66-942C-CCB8357E7A38}" srcOrd="1" destOrd="0" presId="urn:microsoft.com/office/officeart/2005/8/layout/hList1"/>
+    <dgm:cxn modelId="{B7C3397C-F92E-4097-81EB-6EA40A9A3EB5}" type="presParOf" srcId="{9E23ACE5-5713-4CE3-B8F2-3C16BB4281ED}" destId="{20AC5D52-EF83-4D0C-A201-A4369CE481D4}" srcOrd="3" destOrd="0" presId="urn:microsoft.com/office/officeart/2005/8/layout/hList1"/>
+    <dgm:cxn modelId="{F03DFF47-53D8-4A4C-9985-86D5DD2DEEE8}" type="presParOf" srcId="{9E23ACE5-5713-4CE3-B8F2-3C16BB4281ED}" destId="{0B566577-ABD9-4D2F-B831-8FC4800A26EF}" srcOrd="4" destOrd="0" presId="urn:microsoft.com/office/officeart/2005/8/layout/hList1"/>
+    <dgm:cxn modelId="{D12A1D66-3699-4AEE-9862-C18A48781B27}" type="presParOf" srcId="{0B566577-ABD9-4D2F-B831-8FC4800A26EF}" destId="{369A78C8-5060-48B2-85BF-CA33E09169AB}" srcOrd="0" destOrd="0" presId="urn:microsoft.com/office/officeart/2005/8/layout/hList1"/>
+    <dgm:cxn modelId="{47A215BD-648A-4001-BC14-DE8433A2F7DA}" type="presParOf" srcId="{0B566577-ABD9-4D2F-B831-8FC4800A26EF}" destId="{74D124A8-FFF2-41AF-BA41-26BA3A2E2E8A}" srcOrd="1" destOrd="0" presId="urn:microsoft.com/office/officeart/2005/8/layout/hList1"/>
+  </dgm:cxnLst>
+  <dgm:bg/>
+  <dgm:whole/>
+  <dgm:extLst>
+    <a:ext uri="http://schemas.microsoft.com/office/drawing/2008/diagram">
+      <dsp:dataModelExt xmlns:dsp="http://schemas.microsoft.com/office/drawing/2008/diagram" relId="rId6" minVer="http://schemas.openxmlformats.org/drawingml/2006/diagram"/>
+    </a:ext>
+  </dgm:extLst>
+</dgm:dataModel>
+</file>
+
+<file path=ppt/diagrams/data3.xml><?xml version="1.0" encoding="utf-8"?>
 <dgm:dataModel xmlns:dgm="http://schemas.openxmlformats.org/drawingml/2006/diagram" xmlns:a="http://schemas.openxmlformats.org/drawingml/2006/main">
   <dgm:ptLst>
     <dgm:pt modelId="{D1976722-1BC6-4EBD-9345-F01710DF7528}" type="doc">
@@ -4916,6 +6129,546 @@
       <dsp:cNvGrpSpPr/>
     </dsp:nvGrpSpPr>
     <dsp:grpSpPr/>
+    <dsp:sp modelId="{73C3BEF7-AB82-4AE0-9E17-5A3E7E9BB03D}">
+      <dsp:nvSpPr>
+        <dsp:cNvPr id="0" name=""/>
+        <dsp:cNvSpPr/>
+      </dsp:nvSpPr>
+      <dsp:spPr>
+        <a:xfrm>
+          <a:off x="2854" y="126809"/>
+          <a:ext cx="2783134" cy="1017362"/>
+        </a:xfrm>
+        <a:prstGeom prst="rect">
+          <a:avLst/>
+        </a:prstGeom>
+        <a:solidFill>
+          <a:schemeClr val="accent1">
+            <a:hueOff val="0"/>
+            <a:satOff val="0"/>
+            <a:lumOff val="0"/>
+            <a:alphaOff val="0"/>
+          </a:schemeClr>
+        </a:solidFill>
+        <a:ln w="12700" cap="flat" cmpd="sng" algn="ctr">
+          <a:solidFill>
+            <a:schemeClr val="accent1">
+              <a:hueOff val="0"/>
+              <a:satOff val="0"/>
+              <a:lumOff val="0"/>
+              <a:alphaOff val="0"/>
+            </a:schemeClr>
+          </a:solidFill>
+          <a:prstDash val="solid"/>
+          <a:miter lim="800000"/>
+        </a:ln>
+        <a:effectLst/>
+      </dsp:spPr>
+      <dsp:style>
+        <a:lnRef idx="2">
+          <a:scrgbClr r="0" g="0" b="0"/>
+        </a:lnRef>
+        <a:fillRef idx="1">
+          <a:scrgbClr r="0" g="0" b="0"/>
+        </a:fillRef>
+        <a:effectRef idx="0">
+          <a:scrgbClr r="0" g="0" b="0"/>
+        </a:effectRef>
+        <a:fontRef idx="minor">
+          <a:schemeClr val="lt1"/>
+        </a:fontRef>
+      </dsp:style>
+      <dsp:txBody>
+        <a:bodyPr spcFirstLastPara="0" vert="horz" wrap="square" lIns="199136" tIns="113792" rIns="199136" bIns="113792" numCol="1" spcCol="1270" anchor="ctr" anchorCtr="0">
+          <a:noAutofit/>
+        </a:bodyPr>
+        <a:lstStyle/>
+        <a:p>
+          <a:pPr marL="0" lvl="0" indent="0" algn="ctr" defTabSz="1244600">
+            <a:lnSpc>
+              <a:spcPct val="90000"/>
+            </a:lnSpc>
+            <a:spcBef>
+              <a:spcPct val="0"/>
+            </a:spcBef>
+            <a:spcAft>
+              <a:spcPct val="35000"/>
+            </a:spcAft>
+            <a:buNone/>
+          </a:pPr>
+          <a:r>
+            <a:rPr lang="en-US" sz="2800" kern="1200" dirty="0"/>
+            <a:t>White-owned Businesses</a:t>
+          </a:r>
+        </a:p>
+      </dsp:txBody>
+      <dsp:txXfrm>
+        <a:off x="2854" y="126809"/>
+        <a:ext cx="2783134" cy="1017362"/>
+      </dsp:txXfrm>
+    </dsp:sp>
+    <dsp:sp modelId="{DFBE9DD1-CF5C-494A-8D10-1E9C6D5EF768}">
+      <dsp:nvSpPr>
+        <dsp:cNvPr id="0" name=""/>
+        <dsp:cNvSpPr/>
+      </dsp:nvSpPr>
+      <dsp:spPr>
+        <a:xfrm>
+          <a:off x="2854" y="1144171"/>
+          <a:ext cx="2783134" cy="2843819"/>
+        </a:xfrm>
+        <a:prstGeom prst="rect">
+          <a:avLst/>
+        </a:prstGeom>
+        <a:solidFill>
+          <a:schemeClr val="accent1">
+            <a:alpha val="90000"/>
+            <a:tint val="40000"/>
+            <a:hueOff val="0"/>
+            <a:satOff val="0"/>
+            <a:lumOff val="0"/>
+            <a:alphaOff val="0"/>
+          </a:schemeClr>
+        </a:solidFill>
+        <a:ln w="12700" cap="flat" cmpd="sng" algn="ctr">
+          <a:solidFill>
+            <a:schemeClr val="accent1">
+              <a:alpha val="90000"/>
+              <a:tint val="40000"/>
+              <a:hueOff val="0"/>
+              <a:satOff val="0"/>
+              <a:lumOff val="0"/>
+              <a:alphaOff val="0"/>
+            </a:schemeClr>
+          </a:solidFill>
+          <a:prstDash val="solid"/>
+          <a:miter lim="800000"/>
+        </a:ln>
+        <a:effectLst/>
+      </dsp:spPr>
+      <dsp:style>
+        <a:lnRef idx="2">
+          <a:scrgbClr r="0" g="0" b="0"/>
+        </a:lnRef>
+        <a:fillRef idx="1">
+          <a:scrgbClr r="0" g="0" b="0"/>
+        </a:fillRef>
+        <a:effectRef idx="0">
+          <a:scrgbClr r="0" g="0" b="0"/>
+        </a:effectRef>
+        <a:fontRef idx="minor"/>
+      </dsp:style>
+      <dsp:txBody>
+        <a:bodyPr spcFirstLastPara="0" vert="horz" wrap="square" lIns="149352" tIns="149352" rIns="199136" bIns="224028" numCol="1" spcCol="1270" anchor="t" anchorCtr="0">
+          <a:noAutofit/>
+        </a:bodyPr>
+        <a:lstStyle/>
+        <a:p>
+          <a:pPr marL="285750" lvl="1" indent="-285750" algn="l" defTabSz="1244600">
+            <a:lnSpc>
+              <a:spcPct val="90000"/>
+            </a:lnSpc>
+            <a:spcBef>
+              <a:spcPct val="0"/>
+            </a:spcBef>
+            <a:spcAft>
+              <a:spcPct val="15000"/>
+            </a:spcAft>
+            <a:buChar char="•"/>
+          </a:pPr>
+          <a:r>
+            <a:rPr lang="en-US" sz="2800" kern="1200" dirty="0"/>
+            <a:t>Create 55.9 million jobs</a:t>
+          </a:r>
+        </a:p>
+        <a:p>
+          <a:pPr marL="285750" lvl="1" indent="-285750" algn="l" defTabSz="1244600">
+            <a:lnSpc>
+              <a:spcPct val="90000"/>
+            </a:lnSpc>
+            <a:spcBef>
+              <a:spcPct val="0"/>
+            </a:spcBef>
+            <a:spcAft>
+              <a:spcPct val="15000"/>
+            </a:spcAft>
+            <a:buChar char="•"/>
+          </a:pPr>
+          <a:r>
+            <a:rPr lang="en-US" sz="2800" kern="1200" dirty="0"/>
+            <a:t>Generate $212.9 Trillion in annual revenue</a:t>
+          </a:r>
+        </a:p>
+      </dsp:txBody>
+      <dsp:txXfrm>
+        <a:off x="2854" y="1144171"/>
+        <a:ext cx="2783134" cy="2843819"/>
+      </dsp:txXfrm>
+    </dsp:sp>
+    <dsp:sp modelId="{E544D0E0-70F3-4EA5-9A79-CCED47014928}">
+      <dsp:nvSpPr>
+        <dsp:cNvPr id="0" name=""/>
+        <dsp:cNvSpPr/>
+      </dsp:nvSpPr>
+      <dsp:spPr>
+        <a:xfrm>
+          <a:off x="3175628" y="126809"/>
+          <a:ext cx="2783134" cy="1017362"/>
+        </a:xfrm>
+        <a:prstGeom prst="rect">
+          <a:avLst/>
+        </a:prstGeom>
+        <a:solidFill>
+          <a:schemeClr val="accent1">
+            <a:hueOff val="0"/>
+            <a:satOff val="0"/>
+            <a:lumOff val="0"/>
+            <a:alphaOff val="0"/>
+          </a:schemeClr>
+        </a:solidFill>
+        <a:ln w="12700" cap="flat" cmpd="sng" algn="ctr">
+          <a:solidFill>
+            <a:schemeClr val="accent1">
+              <a:hueOff val="0"/>
+              <a:satOff val="0"/>
+              <a:lumOff val="0"/>
+              <a:alphaOff val="0"/>
+            </a:schemeClr>
+          </a:solidFill>
+          <a:prstDash val="solid"/>
+          <a:miter lim="800000"/>
+        </a:ln>
+        <a:effectLst/>
+      </dsp:spPr>
+      <dsp:style>
+        <a:lnRef idx="2">
+          <a:scrgbClr r="0" g="0" b="0"/>
+        </a:lnRef>
+        <a:fillRef idx="1">
+          <a:scrgbClr r="0" g="0" b="0"/>
+        </a:fillRef>
+        <a:effectRef idx="0">
+          <a:scrgbClr r="0" g="0" b="0"/>
+        </a:effectRef>
+        <a:fontRef idx="minor">
+          <a:schemeClr val="lt1"/>
+        </a:fontRef>
+      </dsp:style>
+      <dsp:txBody>
+        <a:bodyPr spcFirstLastPara="0" vert="horz" wrap="square" lIns="199136" tIns="113792" rIns="199136" bIns="113792" numCol="1" spcCol="1270" anchor="ctr" anchorCtr="0">
+          <a:noAutofit/>
+        </a:bodyPr>
+        <a:lstStyle/>
+        <a:p>
+          <a:pPr marL="0" lvl="0" indent="0" algn="ctr" defTabSz="1244600">
+            <a:lnSpc>
+              <a:spcPct val="90000"/>
+            </a:lnSpc>
+            <a:spcBef>
+              <a:spcPct val="0"/>
+            </a:spcBef>
+            <a:spcAft>
+              <a:spcPct val="35000"/>
+            </a:spcAft>
+            <a:buNone/>
+          </a:pPr>
+          <a:r>
+            <a:rPr lang="en-US" sz="2800" kern="1200" dirty="0"/>
+            <a:t>Asian-owned Businesses</a:t>
+          </a:r>
+        </a:p>
+      </dsp:txBody>
+      <dsp:txXfrm>
+        <a:off x="3175628" y="126809"/>
+        <a:ext cx="2783134" cy="1017362"/>
+      </dsp:txXfrm>
+    </dsp:sp>
+    <dsp:sp modelId="{D2F85D6C-CEE9-4A66-942C-CCB8357E7A38}">
+      <dsp:nvSpPr>
+        <dsp:cNvPr id="0" name=""/>
+        <dsp:cNvSpPr/>
+      </dsp:nvSpPr>
+      <dsp:spPr>
+        <a:xfrm>
+          <a:off x="3175628" y="1144171"/>
+          <a:ext cx="2783134" cy="2843819"/>
+        </a:xfrm>
+        <a:prstGeom prst="rect">
+          <a:avLst/>
+        </a:prstGeom>
+        <a:solidFill>
+          <a:schemeClr val="accent1">
+            <a:alpha val="90000"/>
+            <a:tint val="40000"/>
+            <a:hueOff val="0"/>
+            <a:satOff val="0"/>
+            <a:lumOff val="0"/>
+            <a:alphaOff val="0"/>
+          </a:schemeClr>
+        </a:solidFill>
+        <a:ln w="12700" cap="flat" cmpd="sng" algn="ctr">
+          <a:solidFill>
+            <a:schemeClr val="accent1">
+              <a:alpha val="90000"/>
+              <a:tint val="40000"/>
+              <a:hueOff val="0"/>
+              <a:satOff val="0"/>
+              <a:lumOff val="0"/>
+              <a:alphaOff val="0"/>
+            </a:schemeClr>
+          </a:solidFill>
+          <a:prstDash val="solid"/>
+          <a:miter lim="800000"/>
+        </a:ln>
+        <a:effectLst/>
+      </dsp:spPr>
+      <dsp:style>
+        <a:lnRef idx="2">
+          <a:scrgbClr r="0" g="0" b="0"/>
+        </a:lnRef>
+        <a:fillRef idx="1">
+          <a:scrgbClr r="0" g="0" b="0"/>
+        </a:fillRef>
+        <a:effectRef idx="0">
+          <a:scrgbClr r="0" g="0" b="0"/>
+        </a:effectRef>
+        <a:fontRef idx="minor"/>
+      </dsp:style>
+      <dsp:txBody>
+        <a:bodyPr spcFirstLastPara="0" vert="horz" wrap="square" lIns="149352" tIns="149352" rIns="199136" bIns="224028" numCol="1" spcCol="1270" anchor="t" anchorCtr="0">
+          <a:noAutofit/>
+        </a:bodyPr>
+        <a:lstStyle/>
+        <a:p>
+          <a:pPr marL="285750" lvl="1" indent="-285750" algn="l" defTabSz="1244600">
+            <a:lnSpc>
+              <a:spcPct val="90000"/>
+            </a:lnSpc>
+            <a:spcBef>
+              <a:spcPct val="0"/>
+            </a:spcBef>
+            <a:spcAft>
+              <a:spcPct val="15000"/>
+            </a:spcAft>
+            <a:buChar char="•"/>
+          </a:pPr>
+          <a:r>
+            <a:rPr lang="en-US" sz="2800" kern="1200" dirty="0"/>
+            <a:t>Create 3.8 million jobs</a:t>
+          </a:r>
+        </a:p>
+        <a:p>
+          <a:pPr marL="285750" lvl="1" indent="-285750" algn="l" defTabSz="1244600">
+            <a:lnSpc>
+              <a:spcPct val="90000"/>
+            </a:lnSpc>
+            <a:spcBef>
+              <a:spcPct val="0"/>
+            </a:spcBef>
+            <a:spcAft>
+              <a:spcPct val="15000"/>
+            </a:spcAft>
+            <a:buChar char="•"/>
+          </a:pPr>
+          <a:r>
+            <a:rPr lang="en-US" sz="2800" kern="1200" dirty="0"/>
+            <a:t>Generate $793.5 billion in annual revenue</a:t>
+          </a:r>
+        </a:p>
+      </dsp:txBody>
+      <dsp:txXfrm>
+        <a:off x="3175628" y="1144171"/>
+        <a:ext cx="2783134" cy="2843819"/>
+      </dsp:txXfrm>
+    </dsp:sp>
+    <dsp:sp modelId="{369A78C8-5060-48B2-85BF-CA33E09169AB}">
+      <dsp:nvSpPr>
+        <dsp:cNvPr id="0" name=""/>
+        <dsp:cNvSpPr/>
+      </dsp:nvSpPr>
+      <dsp:spPr>
+        <a:xfrm>
+          <a:off x="6348401" y="126809"/>
+          <a:ext cx="2783134" cy="1017362"/>
+        </a:xfrm>
+        <a:prstGeom prst="rect">
+          <a:avLst/>
+        </a:prstGeom>
+        <a:solidFill>
+          <a:schemeClr val="accent1">
+            <a:hueOff val="0"/>
+            <a:satOff val="0"/>
+            <a:lumOff val="0"/>
+            <a:alphaOff val="0"/>
+          </a:schemeClr>
+        </a:solidFill>
+        <a:ln w="12700" cap="flat" cmpd="sng" algn="ctr">
+          <a:solidFill>
+            <a:schemeClr val="accent1">
+              <a:hueOff val="0"/>
+              <a:satOff val="0"/>
+              <a:lumOff val="0"/>
+              <a:alphaOff val="0"/>
+            </a:schemeClr>
+          </a:solidFill>
+          <a:prstDash val="solid"/>
+          <a:miter lim="800000"/>
+        </a:ln>
+        <a:effectLst/>
+      </dsp:spPr>
+      <dsp:style>
+        <a:lnRef idx="2">
+          <a:scrgbClr r="0" g="0" b="0"/>
+        </a:lnRef>
+        <a:fillRef idx="1">
+          <a:scrgbClr r="0" g="0" b="0"/>
+        </a:fillRef>
+        <a:effectRef idx="0">
+          <a:scrgbClr r="0" g="0" b="0"/>
+        </a:effectRef>
+        <a:fontRef idx="minor">
+          <a:schemeClr val="lt1"/>
+        </a:fontRef>
+      </dsp:style>
+      <dsp:txBody>
+        <a:bodyPr spcFirstLastPara="0" vert="horz" wrap="square" lIns="199136" tIns="113792" rIns="199136" bIns="113792" numCol="1" spcCol="1270" anchor="ctr" anchorCtr="0">
+          <a:noAutofit/>
+        </a:bodyPr>
+        <a:lstStyle/>
+        <a:p>
+          <a:pPr marL="0" lvl="0" indent="0" algn="ctr" defTabSz="1244600">
+            <a:lnSpc>
+              <a:spcPct val="90000"/>
+            </a:lnSpc>
+            <a:spcBef>
+              <a:spcPct val="0"/>
+            </a:spcBef>
+            <a:spcAft>
+              <a:spcPct val="35000"/>
+            </a:spcAft>
+            <a:buNone/>
+          </a:pPr>
+          <a:r>
+            <a:rPr lang="en-US" sz="2800" kern="1200" dirty="0"/>
+            <a:t>Hispanic-owned Businesses</a:t>
+          </a:r>
+        </a:p>
+      </dsp:txBody>
+      <dsp:txXfrm>
+        <a:off x="6348401" y="126809"/>
+        <a:ext cx="2783134" cy="1017362"/>
+      </dsp:txXfrm>
+    </dsp:sp>
+    <dsp:sp modelId="{74D124A8-FFF2-41AF-BA41-26BA3A2E2E8A}">
+      <dsp:nvSpPr>
+        <dsp:cNvPr id="0" name=""/>
+        <dsp:cNvSpPr/>
+      </dsp:nvSpPr>
+      <dsp:spPr>
+        <a:xfrm>
+          <a:off x="6348401" y="1144171"/>
+          <a:ext cx="2783134" cy="2843819"/>
+        </a:xfrm>
+        <a:prstGeom prst="rect">
+          <a:avLst/>
+        </a:prstGeom>
+        <a:solidFill>
+          <a:schemeClr val="accent1">
+            <a:alpha val="90000"/>
+            <a:tint val="40000"/>
+            <a:hueOff val="0"/>
+            <a:satOff val="0"/>
+            <a:lumOff val="0"/>
+            <a:alphaOff val="0"/>
+          </a:schemeClr>
+        </a:solidFill>
+        <a:ln w="12700" cap="flat" cmpd="sng" algn="ctr">
+          <a:solidFill>
+            <a:schemeClr val="accent1">
+              <a:alpha val="90000"/>
+              <a:tint val="40000"/>
+              <a:hueOff val="0"/>
+              <a:satOff val="0"/>
+              <a:lumOff val="0"/>
+              <a:alphaOff val="0"/>
+            </a:schemeClr>
+          </a:solidFill>
+          <a:prstDash val="solid"/>
+          <a:miter lim="800000"/>
+        </a:ln>
+        <a:effectLst/>
+      </dsp:spPr>
+      <dsp:style>
+        <a:lnRef idx="2">
+          <a:scrgbClr r="0" g="0" b="0"/>
+        </a:lnRef>
+        <a:fillRef idx="1">
+          <a:scrgbClr r="0" g="0" b="0"/>
+        </a:fillRef>
+        <a:effectRef idx="0">
+          <a:scrgbClr r="0" g="0" b="0"/>
+        </a:effectRef>
+        <a:fontRef idx="minor"/>
+      </dsp:style>
+      <dsp:txBody>
+        <a:bodyPr spcFirstLastPara="0" vert="horz" wrap="square" lIns="149352" tIns="149352" rIns="199136" bIns="224028" numCol="1" spcCol="1270" anchor="t" anchorCtr="0">
+          <a:noAutofit/>
+        </a:bodyPr>
+        <a:lstStyle/>
+        <a:p>
+          <a:pPr marL="285750" lvl="1" indent="-285750" algn="l" defTabSz="1244600">
+            <a:lnSpc>
+              <a:spcPct val="90000"/>
+            </a:lnSpc>
+            <a:spcBef>
+              <a:spcPct val="0"/>
+            </a:spcBef>
+            <a:spcAft>
+              <a:spcPct val="15000"/>
+            </a:spcAft>
+            <a:buChar char="•"/>
+          </a:pPr>
+          <a:r>
+            <a:rPr lang="en-US" sz="2800" kern="1200" dirty="0"/>
+            <a:t>Create 2.5 million jobs</a:t>
+          </a:r>
+        </a:p>
+        <a:p>
+          <a:pPr marL="285750" lvl="1" indent="-285750" algn="l" defTabSz="1244600">
+            <a:lnSpc>
+              <a:spcPct val="90000"/>
+            </a:lnSpc>
+            <a:spcBef>
+              <a:spcPct val="0"/>
+            </a:spcBef>
+            <a:spcAft>
+              <a:spcPct val="15000"/>
+            </a:spcAft>
+            <a:buChar char="•"/>
+          </a:pPr>
+          <a:r>
+            <a:rPr lang="en-US" sz="2800" kern="1200" dirty="0"/>
+            <a:t>Generate $473.6 billion in annual revenue</a:t>
+          </a:r>
+        </a:p>
+      </dsp:txBody>
+      <dsp:txXfrm>
+        <a:off x="6348401" y="1144171"/>
+        <a:ext cx="2783134" cy="2843819"/>
+      </dsp:txXfrm>
+    </dsp:sp>
+  </dsp:spTree>
+</dsp:drawing>
+</file>
+
+<file path=ppt/diagrams/drawing3.xml><?xml version="1.0" encoding="utf-8"?>
+<dsp:drawing xmlns:dgm="http://schemas.openxmlformats.org/drawingml/2006/diagram" xmlns:dsp="http://schemas.microsoft.com/office/drawing/2008/diagram" xmlns:a="http://schemas.openxmlformats.org/drawingml/2006/main">
+  <dsp:spTree>
+    <dsp:nvGrpSpPr>
+      <dsp:cNvPr id="0" name=""/>
+      <dsp:cNvGrpSpPr/>
+    </dsp:nvGrpSpPr>
+    <dsp:grpSpPr/>
     <dsp:sp modelId="{CD6D7667-27A2-4DEA-B77B-F3C892B04CB8}">
       <dsp:nvSpPr>
         <dsp:cNvPr id="0" name=""/>
@@ -5519,6 +7272,223 @@
 </file>
 
 <file path=ppt/diagrams/layout2.xml><?xml version="1.0" encoding="utf-8"?>
+<dgm:layoutDef xmlns:dgm="http://schemas.openxmlformats.org/drawingml/2006/diagram" xmlns:a="http://schemas.openxmlformats.org/drawingml/2006/main" uniqueId="urn:microsoft.com/office/officeart/2005/8/layout/hList1">
+  <dgm:title val=""/>
+  <dgm:desc val=""/>
+  <dgm:catLst>
+    <dgm:cat type="list" pri="5000"/>
+    <dgm:cat type="convert" pri="5000"/>
+  </dgm:catLst>
+  <dgm:sampData>
+    <dgm:dataModel>
+      <dgm:ptLst>
+        <dgm:pt modelId="0" type="doc"/>
+        <dgm:pt modelId="1">
+          <dgm:prSet phldr="1"/>
+        </dgm:pt>
+        <dgm:pt modelId="11">
+          <dgm:prSet phldr="1"/>
+        </dgm:pt>
+        <dgm:pt modelId="12">
+          <dgm:prSet phldr="1"/>
+        </dgm:pt>
+        <dgm:pt modelId="2">
+          <dgm:prSet phldr="1"/>
+        </dgm:pt>
+        <dgm:pt modelId="21">
+          <dgm:prSet phldr="1"/>
+        </dgm:pt>
+        <dgm:pt modelId="22">
+          <dgm:prSet phldr="1"/>
+        </dgm:pt>
+        <dgm:pt modelId="3">
+          <dgm:prSet phldr="1"/>
+        </dgm:pt>
+        <dgm:pt modelId="31">
+          <dgm:prSet phldr="1"/>
+        </dgm:pt>
+        <dgm:pt modelId="32">
+          <dgm:prSet phldr="1"/>
+        </dgm:pt>
+      </dgm:ptLst>
+      <dgm:cxnLst>
+        <dgm:cxn modelId="4" srcId="0" destId="1" srcOrd="0" destOrd="0"/>
+        <dgm:cxn modelId="5" srcId="0" destId="2" srcOrd="1" destOrd="0"/>
+        <dgm:cxn modelId="6" srcId="0" destId="3" srcOrd="2" destOrd="0"/>
+        <dgm:cxn modelId="13" srcId="1" destId="11" srcOrd="0" destOrd="0"/>
+        <dgm:cxn modelId="14" srcId="1" destId="12" srcOrd="1" destOrd="0"/>
+        <dgm:cxn modelId="23" srcId="2" destId="21" srcOrd="0" destOrd="0"/>
+        <dgm:cxn modelId="24" srcId="2" destId="22" srcOrd="1" destOrd="0"/>
+        <dgm:cxn modelId="33" srcId="3" destId="31" srcOrd="0" destOrd="0"/>
+        <dgm:cxn modelId="34" srcId="3" destId="32" srcOrd="1" destOrd="0"/>
+      </dgm:cxnLst>
+      <dgm:bg/>
+      <dgm:whole/>
+    </dgm:dataModel>
+  </dgm:sampData>
+  <dgm:styleData>
+    <dgm:dataModel>
+      <dgm:ptLst>
+        <dgm:pt modelId="0" type="doc"/>
+        <dgm:pt modelId="1">
+          <dgm:prSet phldr="1"/>
+        </dgm:pt>
+        <dgm:pt modelId="2">
+          <dgm:prSet phldr="1"/>
+        </dgm:pt>
+      </dgm:ptLst>
+      <dgm:cxnLst>
+        <dgm:cxn modelId="3" srcId="0" destId="1" srcOrd="0" destOrd="0"/>
+        <dgm:cxn modelId="4" srcId="0" destId="2" srcOrd="1" destOrd="0"/>
+      </dgm:cxnLst>
+      <dgm:bg/>
+      <dgm:whole/>
+    </dgm:dataModel>
+  </dgm:styleData>
+  <dgm:clrData>
+    <dgm:dataModel>
+      <dgm:ptLst>
+        <dgm:pt modelId="0" type="doc"/>
+        <dgm:pt modelId="1">
+          <dgm:prSet phldr="1"/>
+        </dgm:pt>
+        <dgm:pt modelId="2">
+          <dgm:prSet phldr="1"/>
+        </dgm:pt>
+        <dgm:pt modelId="3">
+          <dgm:prSet phldr="1"/>
+        </dgm:pt>
+        <dgm:pt modelId="4">
+          <dgm:prSet phldr="1"/>
+        </dgm:pt>
+      </dgm:ptLst>
+      <dgm:cxnLst>
+        <dgm:cxn modelId="5" srcId="0" destId="1" srcOrd="0" destOrd="0"/>
+        <dgm:cxn modelId="6" srcId="0" destId="2" srcOrd="1" destOrd="0"/>
+        <dgm:cxn modelId="7" srcId="0" destId="3" srcOrd="2" destOrd="0"/>
+        <dgm:cxn modelId="8" srcId="0" destId="4" srcOrd="3" destOrd="0"/>
+      </dgm:cxnLst>
+      <dgm:bg/>
+      <dgm:whole/>
+    </dgm:dataModel>
+  </dgm:clrData>
+  <dgm:layoutNode name="Name0">
+    <dgm:varLst>
+      <dgm:dir/>
+      <dgm:animLvl val="lvl"/>
+      <dgm:resizeHandles val="exact"/>
+    </dgm:varLst>
+    <dgm:choose name="Name1">
+      <dgm:if name="Name2" func="var" arg="dir" op="equ" val="norm">
+        <dgm:alg type="lin"/>
+      </dgm:if>
+      <dgm:else name="Name3">
+        <dgm:alg type="lin">
+          <dgm:param type="linDir" val="fromR"/>
+        </dgm:alg>
+      </dgm:else>
+    </dgm:choose>
+    <dgm:shape xmlns:r="http://schemas.openxmlformats.org/officeDocument/2006/relationships" r:blip="">
+      <dgm:adjLst/>
+    </dgm:shape>
+    <dgm:presOf/>
+    <dgm:constrLst>
+      <dgm:constr type="h" for="ch" forName="composite" refType="h"/>
+      <dgm:constr type="w" for="ch" forName="composite" refType="w"/>
+      <dgm:constr type="w" for="des" forName="parTx"/>
+      <dgm:constr type="h" for="des" forName="parTx" op="equ"/>
+      <dgm:constr type="w" for="des" forName="desTx"/>
+      <dgm:constr type="h" for="des" forName="desTx" op="equ"/>
+      <dgm:constr type="primFontSz" for="des" forName="parTx" val="65"/>
+      <dgm:constr type="secFontSz" for="des" forName="desTx" refType="primFontSz" refFor="des" refForName="parTx" op="equ"/>
+      <dgm:constr type="h" for="des" forName="parTx" refType="primFontSz" refFor="des" refForName="parTx" fact="0.8"/>
+      <dgm:constr type="h" for="des" forName="desTx" refType="primFontSz" refFor="des" refForName="parTx" fact="1.22"/>
+      <dgm:constr type="w" for="ch" forName="space" refType="w" refFor="ch" refForName="composite" op="equ" fact="0.14"/>
+    </dgm:constrLst>
+    <dgm:ruleLst>
+      <dgm:rule type="w" for="ch" forName="composite" val="0" fact="NaN" max="NaN"/>
+      <dgm:rule type="primFontSz" for="des" forName="parTx" val="5" fact="NaN" max="NaN"/>
+    </dgm:ruleLst>
+    <dgm:forEach name="Name4" axis="ch" ptType="node">
+      <dgm:layoutNode name="composite">
+        <dgm:alg type="composite"/>
+        <dgm:shape xmlns:r="http://schemas.openxmlformats.org/officeDocument/2006/relationships" r:blip="">
+          <dgm:adjLst/>
+        </dgm:shape>
+        <dgm:presOf/>
+        <dgm:constrLst>
+          <dgm:constr type="l" for="ch" forName="parTx"/>
+          <dgm:constr type="w" for="ch" forName="parTx" refType="w"/>
+          <dgm:constr type="t" for="ch" forName="parTx"/>
+          <dgm:constr type="l" for="ch" forName="desTx"/>
+          <dgm:constr type="w" for="ch" forName="desTx" refType="w" refFor="ch" refForName="parTx"/>
+          <dgm:constr type="t" for="ch" forName="desTx" refType="h" refFor="ch" refForName="parTx"/>
+        </dgm:constrLst>
+        <dgm:ruleLst>
+          <dgm:rule type="h" val="INF" fact="NaN" max="NaN"/>
+        </dgm:ruleLst>
+        <dgm:layoutNode name="parTx" styleLbl="alignNode1">
+          <dgm:varLst>
+            <dgm:chMax val="0"/>
+            <dgm:chPref val="0"/>
+            <dgm:bulletEnabled val="1"/>
+          </dgm:varLst>
+          <dgm:alg type="tx"/>
+          <dgm:shape xmlns:r="http://schemas.openxmlformats.org/officeDocument/2006/relationships" type="rect" r:blip="">
+            <dgm:adjLst/>
+          </dgm:shape>
+          <dgm:presOf axis="self" ptType="node"/>
+          <dgm:constrLst>
+            <dgm:constr type="h" refType="w" op="lte" fact="0.4"/>
+            <dgm:constr type="h"/>
+            <dgm:constr type="tMarg" refType="primFontSz" fact="0.32"/>
+            <dgm:constr type="bMarg" refType="primFontSz" fact="0.32"/>
+          </dgm:constrLst>
+          <dgm:ruleLst>
+            <dgm:rule type="h" val="INF" fact="NaN" max="NaN"/>
+          </dgm:ruleLst>
+        </dgm:layoutNode>
+        <dgm:layoutNode name="desTx" styleLbl="alignAccFollowNode1">
+          <dgm:varLst>
+            <dgm:bulletEnabled val="1"/>
+          </dgm:varLst>
+          <dgm:alg type="tx">
+            <dgm:param type="stBulletLvl" val="1"/>
+          </dgm:alg>
+          <dgm:shape xmlns:r="http://schemas.openxmlformats.org/officeDocument/2006/relationships" type="rect" r:blip="">
+            <dgm:adjLst/>
+          </dgm:shape>
+          <dgm:presOf axis="des" ptType="node"/>
+          <dgm:constrLst>
+            <dgm:constr type="secFontSz" val="65"/>
+            <dgm:constr type="primFontSz" refType="secFontSz"/>
+            <dgm:constr type="h"/>
+            <dgm:constr type="lMarg" refType="primFontSz" fact="0.42"/>
+            <dgm:constr type="tMarg" refType="primFontSz" fact="0.42"/>
+            <dgm:constr type="bMarg" refType="primFontSz" fact="0.63"/>
+          </dgm:constrLst>
+          <dgm:ruleLst>
+            <dgm:rule type="h" val="INF" fact="NaN" max="NaN"/>
+          </dgm:ruleLst>
+        </dgm:layoutNode>
+      </dgm:layoutNode>
+      <dgm:forEach name="Name5" axis="followSib" ptType="sibTrans" cnt="1">
+        <dgm:layoutNode name="space">
+          <dgm:alg type="sp"/>
+          <dgm:shape xmlns:r="http://schemas.openxmlformats.org/officeDocument/2006/relationships" r:blip="">
+            <dgm:adjLst/>
+          </dgm:shape>
+          <dgm:presOf/>
+          <dgm:constrLst/>
+          <dgm:ruleLst/>
+        </dgm:layoutNode>
+      </dgm:forEach>
+    </dgm:forEach>
+  </dgm:layoutNode>
+</dgm:layoutDef>
+</file>
+
+<file path=ppt/diagrams/layout3.xml><?xml version="1.0" encoding="utf-8"?>
 <dgm:layoutDef xmlns:dgm="http://schemas.openxmlformats.org/drawingml/2006/diagram" xmlns:a="http://schemas.openxmlformats.org/drawingml/2006/main" uniqueId="urn:microsoft.com/office/officeart/2005/8/layout/architecture">
   <dgm:title val="Architecture Layout"/>
   <dgm:desc val="Use to show hierarchical relationships that build from the bottom up. This layout works well for showing architectural components or objects that build on other objects."/>
@@ -8109,6 +10079,1040 @@
 </dgm:styleDef>
 </file>
 
+<file path=ppt/diagrams/quickStyle3.xml><?xml version="1.0" encoding="utf-8"?>
+<dgm:styleDef xmlns:dgm="http://schemas.openxmlformats.org/drawingml/2006/diagram" xmlns:a="http://schemas.openxmlformats.org/drawingml/2006/main" uniqueId="urn:microsoft.com/office/officeart/2005/8/quickstyle/simple1">
+  <dgm:title val=""/>
+  <dgm:desc val=""/>
+  <dgm:catLst>
+    <dgm:cat type="simple" pri="10100"/>
+  </dgm:catLst>
+  <dgm:scene3d>
+    <a:camera prst="orthographicFront"/>
+    <a:lightRig rig="threePt" dir="t"/>
+  </dgm:scene3d>
+  <dgm:styleLbl name="node0">
+    <dgm:scene3d>
+      <a:camera prst="orthographicFront"/>
+      <a:lightRig rig="threePt" dir="t"/>
+    </dgm:scene3d>
+    <dgm:sp3d/>
+    <dgm:txPr/>
+    <dgm:style>
+      <a:lnRef idx="2">
+        <a:scrgbClr r="0" g="0" b="0"/>
+      </a:lnRef>
+      <a:fillRef idx="1">
+        <a:scrgbClr r="0" g="0" b="0"/>
+      </a:fillRef>
+      <a:effectRef idx="0">
+        <a:scrgbClr r="0" g="0" b="0"/>
+      </a:effectRef>
+      <a:fontRef idx="minor">
+        <a:schemeClr val="lt1"/>
+      </a:fontRef>
+    </dgm:style>
+  </dgm:styleLbl>
+  <dgm:styleLbl name="lnNode1">
+    <dgm:scene3d>
+      <a:camera prst="orthographicFront"/>
+      <a:lightRig rig="threePt" dir="t"/>
+    </dgm:scene3d>
+    <dgm:sp3d/>
+    <dgm:txPr/>
+    <dgm:style>
+      <a:lnRef idx="2">
+        <a:scrgbClr r="0" g="0" b="0"/>
+      </a:lnRef>
+      <a:fillRef idx="1">
+        <a:scrgbClr r="0" g="0" b="0"/>
+      </a:fillRef>
+      <a:effectRef idx="0">
+        <a:scrgbClr r="0" g="0" b="0"/>
+      </a:effectRef>
+      <a:fontRef idx="minor">
+        <a:schemeClr val="lt1"/>
+      </a:fontRef>
+    </dgm:style>
+  </dgm:styleLbl>
+  <dgm:styleLbl name="vennNode1">
+    <dgm:scene3d>
+      <a:camera prst="orthographicFront"/>
+      <a:lightRig rig="threePt" dir="t"/>
+    </dgm:scene3d>
+    <dgm:sp3d/>
+    <dgm:txPr/>
+    <dgm:style>
+      <a:lnRef idx="2">
+        <a:scrgbClr r="0" g="0" b="0"/>
+      </a:lnRef>
+      <a:fillRef idx="1">
+        <a:scrgbClr r="0" g="0" b="0"/>
+      </a:fillRef>
+      <a:effectRef idx="0">
+        <a:scrgbClr r="0" g="0" b="0"/>
+      </a:effectRef>
+      <a:fontRef idx="minor">
+        <a:schemeClr val="tx1"/>
+      </a:fontRef>
+    </dgm:style>
+  </dgm:styleLbl>
+  <dgm:styleLbl name="alignNode1">
+    <dgm:scene3d>
+      <a:camera prst="orthographicFront"/>
+      <a:lightRig rig="threePt" dir="t"/>
+    </dgm:scene3d>
+    <dgm:sp3d/>
+    <dgm:txPr/>
+    <dgm:style>
+      <a:lnRef idx="2">
+        <a:scrgbClr r="0" g="0" b="0"/>
+      </a:lnRef>
+      <a:fillRef idx="1">
+        <a:scrgbClr r="0" g="0" b="0"/>
+      </a:fillRef>
+      <a:effectRef idx="0">
+        <a:scrgbClr r="0" g="0" b="0"/>
+      </a:effectRef>
+      <a:fontRef idx="minor">
+        <a:schemeClr val="lt1"/>
+      </a:fontRef>
+    </dgm:style>
+  </dgm:styleLbl>
+  <dgm:styleLbl name="node1">
+    <dgm:scene3d>
+      <a:camera prst="orthographicFront"/>
+      <a:lightRig rig="threePt" dir="t"/>
+    </dgm:scene3d>
+    <dgm:sp3d/>
+    <dgm:txPr/>
+    <dgm:style>
+      <a:lnRef idx="2">
+        <a:scrgbClr r="0" g="0" b="0"/>
+      </a:lnRef>
+      <a:fillRef idx="1">
+        <a:scrgbClr r="0" g="0" b="0"/>
+      </a:fillRef>
+      <a:effectRef idx="0">
+        <a:scrgbClr r="0" g="0" b="0"/>
+      </a:effectRef>
+      <a:fontRef idx="minor">
+        <a:schemeClr val="lt1"/>
+      </a:fontRef>
+    </dgm:style>
+  </dgm:styleLbl>
+  <dgm:styleLbl name="node2">
+    <dgm:scene3d>
+      <a:camera prst="orthographicFront"/>
+      <a:lightRig rig="threePt" dir="t"/>
+    </dgm:scene3d>
+    <dgm:sp3d/>
+    <dgm:txPr/>
+    <dgm:style>
+      <a:lnRef idx="2">
+        <a:scrgbClr r="0" g="0" b="0"/>
+      </a:lnRef>
+      <a:fillRef idx="1">
+        <a:scrgbClr r="0" g="0" b="0"/>
+      </a:fillRef>
+      <a:effectRef idx="0">
+        <a:scrgbClr r="0" g="0" b="0"/>
+      </a:effectRef>
+      <a:fontRef idx="minor">
+        <a:schemeClr val="lt1"/>
+      </a:fontRef>
+    </dgm:style>
+  </dgm:styleLbl>
+  <dgm:styleLbl name="node3">
+    <dgm:scene3d>
+      <a:camera prst="orthographicFront"/>
+      <a:lightRig rig="threePt" dir="t"/>
+    </dgm:scene3d>
+    <dgm:sp3d/>
+    <dgm:txPr/>
+    <dgm:style>
+      <a:lnRef idx="2">
+        <a:scrgbClr r="0" g="0" b="0"/>
+      </a:lnRef>
+      <a:fillRef idx="1">
+        <a:scrgbClr r="0" g="0" b="0"/>
+      </a:fillRef>
+      <a:effectRef idx="0">
+        <a:scrgbClr r="0" g="0" b="0"/>
+      </a:effectRef>
+      <a:fontRef idx="minor">
+        <a:schemeClr val="lt1"/>
+      </a:fontRef>
+    </dgm:style>
+  </dgm:styleLbl>
+  <dgm:styleLbl name="node4">
+    <dgm:scene3d>
+      <a:camera prst="orthographicFront"/>
+      <a:lightRig rig="threePt" dir="t"/>
+    </dgm:scene3d>
+    <dgm:sp3d/>
+    <dgm:txPr/>
+    <dgm:style>
+      <a:lnRef idx="2">
+        <a:scrgbClr r="0" g="0" b="0"/>
+      </a:lnRef>
+      <a:fillRef idx="1">
+        <a:scrgbClr r="0" g="0" b="0"/>
+      </a:fillRef>
+      <a:effectRef idx="0">
+        <a:scrgbClr r="0" g="0" b="0"/>
+      </a:effectRef>
+      <a:fontRef idx="minor">
+        <a:schemeClr val="lt1"/>
+      </a:fontRef>
+    </dgm:style>
+  </dgm:styleLbl>
+  <dgm:styleLbl name="fgImgPlace1">
+    <dgm:scene3d>
+      <a:camera prst="orthographicFront"/>
+      <a:lightRig rig="threePt" dir="t"/>
+    </dgm:scene3d>
+    <dgm:sp3d/>
+    <dgm:txPr/>
+    <dgm:style>
+      <a:lnRef idx="2">
+        <a:scrgbClr r="0" g="0" b="0"/>
+      </a:lnRef>
+      <a:fillRef idx="1">
+        <a:scrgbClr r="0" g="0" b="0"/>
+      </a:fillRef>
+      <a:effectRef idx="0">
+        <a:scrgbClr r="0" g="0" b="0"/>
+      </a:effectRef>
+      <a:fontRef idx="minor"/>
+    </dgm:style>
+  </dgm:styleLbl>
+  <dgm:styleLbl name="alignImgPlace1">
+    <dgm:scene3d>
+      <a:camera prst="orthographicFront"/>
+      <a:lightRig rig="threePt" dir="t"/>
+    </dgm:scene3d>
+    <dgm:sp3d/>
+    <dgm:txPr/>
+    <dgm:style>
+      <a:lnRef idx="2">
+        <a:scrgbClr r="0" g="0" b="0"/>
+      </a:lnRef>
+      <a:fillRef idx="1">
+        <a:scrgbClr r="0" g="0" b="0"/>
+      </a:fillRef>
+      <a:effectRef idx="0">
+        <a:scrgbClr r="0" g="0" b="0"/>
+      </a:effectRef>
+      <a:fontRef idx="minor"/>
+    </dgm:style>
+  </dgm:styleLbl>
+  <dgm:styleLbl name="bgImgPlace1">
+    <dgm:scene3d>
+      <a:camera prst="orthographicFront"/>
+      <a:lightRig rig="threePt" dir="t"/>
+    </dgm:scene3d>
+    <dgm:sp3d/>
+    <dgm:txPr/>
+    <dgm:style>
+      <a:lnRef idx="2">
+        <a:scrgbClr r="0" g="0" b="0"/>
+      </a:lnRef>
+      <a:fillRef idx="1">
+        <a:scrgbClr r="0" g="0" b="0"/>
+      </a:fillRef>
+      <a:effectRef idx="0">
+        <a:scrgbClr r="0" g="0" b="0"/>
+      </a:effectRef>
+      <a:fontRef idx="minor"/>
+    </dgm:style>
+  </dgm:styleLbl>
+  <dgm:styleLbl name="sibTrans2D1">
+    <dgm:scene3d>
+      <a:camera prst="orthographicFront"/>
+      <a:lightRig rig="threePt" dir="t"/>
+    </dgm:scene3d>
+    <dgm:sp3d/>
+    <dgm:txPr/>
+    <dgm:style>
+      <a:lnRef idx="0">
+        <a:scrgbClr r="0" g="0" b="0"/>
+      </a:lnRef>
+      <a:fillRef idx="1">
+        <a:scrgbClr r="0" g="0" b="0"/>
+      </a:fillRef>
+      <a:effectRef idx="0">
+        <a:scrgbClr r="0" g="0" b="0"/>
+      </a:effectRef>
+      <a:fontRef idx="minor">
+        <a:schemeClr val="lt1"/>
+      </a:fontRef>
+    </dgm:style>
+  </dgm:styleLbl>
+  <dgm:styleLbl name="fgSibTrans2D1">
+    <dgm:scene3d>
+      <a:camera prst="orthographicFront"/>
+      <a:lightRig rig="threePt" dir="t"/>
+    </dgm:scene3d>
+    <dgm:sp3d/>
+    <dgm:txPr/>
+    <dgm:style>
+      <a:lnRef idx="0">
+        <a:scrgbClr r="0" g="0" b="0"/>
+      </a:lnRef>
+      <a:fillRef idx="1">
+        <a:scrgbClr r="0" g="0" b="0"/>
+      </a:fillRef>
+      <a:effectRef idx="0">
+        <a:scrgbClr r="0" g="0" b="0"/>
+      </a:effectRef>
+      <a:fontRef idx="minor">
+        <a:schemeClr val="lt1"/>
+      </a:fontRef>
+    </dgm:style>
+  </dgm:styleLbl>
+  <dgm:styleLbl name="bgSibTrans2D1">
+    <dgm:scene3d>
+      <a:camera prst="orthographicFront"/>
+      <a:lightRig rig="threePt" dir="t"/>
+    </dgm:scene3d>
+    <dgm:sp3d/>
+    <dgm:txPr/>
+    <dgm:style>
+      <a:lnRef idx="0">
+        <a:scrgbClr r="0" g="0" b="0"/>
+      </a:lnRef>
+      <a:fillRef idx="1">
+        <a:scrgbClr r="0" g="0" b="0"/>
+      </a:fillRef>
+      <a:effectRef idx="0">
+        <a:scrgbClr r="0" g="0" b="0"/>
+      </a:effectRef>
+      <a:fontRef idx="minor">
+        <a:schemeClr val="lt1"/>
+      </a:fontRef>
+    </dgm:style>
+  </dgm:styleLbl>
+  <dgm:styleLbl name="sibTrans1D1">
+    <dgm:scene3d>
+      <a:camera prst="orthographicFront"/>
+      <a:lightRig rig="threePt" dir="t"/>
+    </dgm:scene3d>
+    <dgm:sp3d/>
+    <dgm:txPr/>
+    <dgm:style>
+      <a:lnRef idx="1">
+        <a:scrgbClr r="0" g="0" b="0"/>
+      </a:lnRef>
+      <a:fillRef idx="0">
+        <a:scrgbClr r="0" g="0" b="0"/>
+      </a:fillRef>
+      <a:effectRef idx="0">
+        <a:scrgbClr r="0" g="0" b="0"/>
+      </a:effectRef>
+      <a:fontRef idx="minor"/>
+    </dgm:style>
+  </dgm:styleLbl>
+  <dgm:styleLbl name="callout">
+    <dgm:scene3d>
+      <a:camera prst="orthographicFront"/>
+      <a:lightRig rig="threePt" dir="t"/>
+    </dgm:scene3d>
+    <dgm:sp3d/>
+    <dgm:txPr/>
+    <dgm:style>
+      <a:lnRef idx="2">
+        <a:scrgbClr r="0" g="0" b="0"/>
+      </a:lnRef>
+      <a:fillRef idx="1">
+        <a:scrgbClr r="0" g="0" b="0"/>
+      </a:fillRef>
+      <a:effectRef idx="0">
+        <a:scrgbClr r="0" g="0" b="0"/>
+      </a:effectRef>
+      <a:fontRef idx="minor"/>
+    </dgm:style>
+  </dgm:styleLbl>
+  <dgm:styleLbl name="asst0">
+    <dgm:scene3d>
+      <a:camera prst="orthographicFront"/>
+      <a:lightRig rig="threePt" dir="t"/>
+    </dgm:scene3d>
+    <dgm:sp3d/>
+    <dgm:txPr/>
+    <dgm:style>
+      <a:lnRef idx="2">
+        <a:scrgbClr r="0" g="0" b="0"/>
+      </a:lnRef>
+      <a:fillRef idx="1">
+        <a:scrgbClr r="0" g="0" b="0"/>
+      </a:fillRef>
+      <a:effectRef idx="0">
+        <a:scrgbClr r="0" g="0" b="0"/>
+      </a:effectRef>
+      <a:fontRef idx="minor">
+        <a:schemeClr val="lt1"/>
+      </a:fontRef>
+    </dgm:style>
+  </dgm:styleLbl>
+  <dgm:styleLbl name="asst1">
+    <dgm:scene3d>
+      <a:camera prst="orthographicFront"/>
+      <a:lightRig rig="threePt" dir="t"/>
+    </dgm:scene3d>
+    <dgm:sp3d/>
+    <dgm:txPr/>
+    <dgm:style>
+      <a:lnRef idx="2">
+        <a:scrgbClr r="0" g="0" b="0"/>
+      </a:lnRef>
+      <a:fillRef idx="1">
+        <a:scrgbClr r="0" g="0" b="0"/>
+      </a:fillRef>
+      <a:effectRef idx="0">
+        <a:scrgbClr r="0" g="0" b="0"/>
+      </a:effectRef>
+      <a:fontRef idx="minor">
+        <a:schemeClr val="lt1"/>
+      </a:fontRef>
+    </dgm:style>
+  </dgm:styleLbl>
+  <dgm:styleLbl name="asst2">
+    <dgm:scene3d>
+      <a:camera prst="orthographicFront"/>
+      <a:lightRig rig="threePt" dir="t"/>
+    </dgm:scene3d>
+    <dgm:sp3d/>
+    <dgm:txPr/>
+    <dgm:style>
+      <a:lnRef idx="2">
+        <a:scrgbClr r="0" g="0" b="0"/>
+      </a:lnRef>
+      <a:fillRef idx="1">
+        <a:scrgbClr r="0" g="0" b="0"/>
+      </a:fillRef>
+      <a:effectRef idx="0">
+        <a:scrgbClr r="0" g="0" b="0"/>
+      </a:effectRef>
+      <a:fontRef idx="minor">
+        <a:schemeClr val="lt1"/>
+      </a:fontRef>
+    </dgm:style>
+  </dgm:styleLbl>
+  <dgm:styleLbl name="asst3">
+    <dgm:scene3d>
+      <a:camera prst="orthographicFront"/>
+      <a:lightRig rig="threePt" dir="t"/>
+    </dgm:scene3d>
+    <dgm:sp3d/>
+    <dgm:txPr/>
+    <dgm:style>
+      <a:lnRef idx="2">
+        <a:scrgbClr r="0" g="0" b="0"/>
+      </a:lnRef>
+      <a:fillRef idx="1">
+        <a:scrgbClr r="0" g="0" b="0"/>
+      </a:fillRef>
+      <a:effectRef idx="0">
+        <a:scrgbClr r="0" g="0" b="0"/>
+      </a:effectRef>
+      <a:fontRef idx="minor">
+        <a:schemeClr val="lt1"/>
+      </a:fontRef>
+    </dgm:style>
+  </dgm:styleLbl>
+  <dgm:styleLbl name="asst4">
+    <dgm:scene3d>
+      <a:camera prst="orthographicFront"/>
+      <a:lightRig rig="threePt" dir="t"/>
+    </dgm:scene3d>
+    <dgm:sp3d/>
+    <dgm:txPr/>
+    <dgm:style>
+      <a:lnRef idx="2">
+        <a:scrgbClr r="0" g="0" b="0"/>
+      </a:lnRef>
+      <a:fillRef idx="1">
+        <a:scrgbClr r="0" g="0" b="0"/>
+      </a:fillRef>
+      <a:effectRef idx="0">
+        <a:scrgbClr r="0" g="0" b="0"/>
+      </a:effectRef>
+      <a:fontRef idx="minor">
+        <a:schemeClr val="lt1"/>
+      </a:fontRef>
+    </dgm:style>
+  </dgm:styleLbl>
+  <dgm:styleLbl name="parChTrans2D1">
+    <dgm:scene3d>
+      <a:camera prst="orthographicFront"/>
+      <a:lightRig rig="threePt" dir="t"/>
+    </dgm:scene3d>
+    <dgm:sp3d/>
+    <dgm:txPr/>
+    <dgm:style>
+      <a:lnRef idx="2">
+        <a:scrgbClr r="0" g="0" b="0"/>
+      </a:lnRef>
+      <a:fillRef idx="1">
+        <a:scrgbClr r="0" g="0" b="0"/>
+      </a:fillRef>
+      <a:effectRef idx="0">
+        <a:scrgbClr r="0" g="0" b="0"/>
+      </a:effectRef>
+      <a:fontRef idx="minor">
+        <a:schemeClr val="lt1"/>
+      </a:fontRef>
+    </dgm:style>
+  </dgm:styleLbl>
+  <dgm:styleLbl name="parChTrans2D2">
+    <dgm:scene3d>
+      <a:camera prst="orthographicFront"/>
+      <a:lightRig rig="threePt" dir="t"/>
+    </dgm:scene3d>
+    <dgm:sp3d/>
+    <dgm:txPr/>
+    <dgm:style>
+      <a:lnRef idx="2">
+        <a:scrgbClr r="0" g="0" b="0"/>
+      </a:lnRef>
+      <a:fillRef idx="1">
+        <a:scrgbClr r="0" g="0" b="0"/>
+      </a:fillRef>
+      <a:effectRef idx="0">
+        <a:scrgbClr r="0" g="0" b="0"/>
+      </a:effectRef>
+      <a:fontRef idx="minor">
+        <a:schemeClr val="lt1"/>
+      </a:fontRef>
+    </dgm:style>
+  </dgm:styleLbl>
+  <dgm:styleLbl name="parChTrans2D3">
+    <dgm:scene3d>
+      <a:camera prst="orthographicFront"/>
+      <a:lightRig rig="threePt" dir="t"/>
+    </dgm:scene3d>
+    <dgm:sp3d/>
+    <dgm:txPr/>
+    <dgm:style>
+      <a:lnRef idx="2">
+        <a:scrgbClr r="0" g="0" b="0"/>
+      </a:lnRef>
+      <a:fillRef idx="1">
+        <a:scrgbClr r="0" g="0" b="0"/>
+      </a:fillRef>
+      <a:effectRef idx="0">
+        <a:scrgbClr r="0" g="0" b="0"/>
+      </a:effectRef>
+      <a:fontRef idx="minor">
+        <a:schemeClr val="lt1"/>
+      </a:fontRef>
+    </dgm:style>
+  </dgm:styleLbl>
+  <dgm:styleLbl name="parChTrans2D4">
+    <dgm:scene3d>
+      <a:camera prst="orthographicFront"/>
+      <a:lightRig rig="threePt" dir="t"/>
+    </dgm:scene3d>
+    <dgm:sp3d/>
+    <dgm:txPr/>
+    <dgm:style>
+      <a:lnRef idx="2">
+        <a:scrgbClr r="0" g="0" b="0"/>
+      </a:lnRef>
+      <a:fillRef idx="1">
+        <a:scrgbClr r="0" g="0" b="0"/>
+      </a:fillRef>
+      <a:effectRef idx="0">
+        <a:scrgbClr r="0" g="0" b="0"/>
+      </a:effectRef>
+      <a:fontRef idx="minor">
+        <a:schemeClr val="lt1"/>
+      </a:fontRef>
+    </dgm:style>
+  </dgm:styleLbl>
+  <dgm:styleLbl name="parChTrans1D1">
+    <dgm:scene3d>
+      <a:camera prst="orthographicFront"/>
+      <a:lightRig rig="threePt" dir="t"/>
+    </dgm:scene3d>
+    <dgm:sp3d/>
+    <dgm:txPr/>
+    <dgm:style>
+      <a:lnRef idx="2">
+        <a:scrgbClr r="0" g="0" b="0"/>
+      </a:lnRef>
+      <a:fillRef idx="0">
+        <a:scrgbClr r="0" g="0" b="0"/>
+      </a:fillRef>
+      <a:effectRef idx="0">
+        <a:scrgbClr r="0" g="0" b="0"/>
+      </a:effectRef>
+      <a:fontRef idx="minor"/>
+    </dgm:style>
+  </dgm:styleLbl>
+  <dgm:styleLbl name="parChTrans1D2">
+    <dgm:scene3d>
+      <a:camera prst="orthographicFront"/>
+      <a:lightRig rig="threePt" dir="t"/>
+    </dgm:scene3d>
+    <dgm:sp3d/>
+    <dgm:txPr/>
+    <dgm:style>
+      <a:lnRef idx="2">
+        <a:scrgbClr r="0" g="0" b="0"/>
+      </a:lnRef>
+      <a:fillRef idx="0">
+        <a:scrgbClr r="0" g="0" b="0"/>
+      </a:fillRef>
+      <a:effectRef idx="0">
+        <a:scrgbClr r="0" g="0" b="0"/>
+      </a:effectRef>
+      <a:fontRef idx="minor"/>
+    </dgm:style>
+  </dgm:styleLbl>
+  <dgm:styleLbl name="parChTrans1D3">
+    <dgm:scene3d>
+      <a:camera prst="orthographicFront"/>
+      <a:lightRig rig="threePt" dir="t"/>
+    </dgm:scene3d>
+    <dgm:sp3d/>
+    <dgm:txPr/>
+    <dgm:style>
+      <a:lnRef idx="2">
+        <a:scrgbClr r="0" g="0" b="0"/>
+      </a:lnRef>
+      <a:fillRef idx="0">
+        <a:scrgbClr r="0" g="0" b="0"/>
+      </a:fillRef>
+      <a:effectRef idx="0">
+        <a:scrgbClr r="0" g="0" b="0"/>
+      </a:effectRef>
+      <a:fontRef idx="minor"/>
+    </dgm:style>
+  </dgm:styleLbl>
+  <dgm:styleLbl name="parChTrans1D4">
+    <dgm:scene3d>
+      <a:camera prst="orthographicFront"/>
+      <a:lightRig rig="threePt" dir="t"/>
+    </dgm:scene3d>
+    <dgm:sp3d/>
+    <dgm:txPr/>
+    <dgm:style>
+      <a:lnRef idx="2">
+        <a:scrgbClr r="0" g="0" b="0"/>
+      </a:lnRef>
+      <a:fillRef idx="0">
+        <a:scrgbClr r="0" g="0" b="0"/>
+      </a:fillRef>
+      <a:effectRef idx="0">
+        <a:scrgbClr r="0" g="0" b="0"/>
+      </a:effectRef>
+      <a:fontRef idx="minor"/>
+    </dgm:style>
+  </dgm:styleLbl>
+  <dgm:styleLbl name="fgAcc1">
+    <dgm:scene3d>
+      <a:camera prst="orthographicFront"/>
+      <a:lightRig rig="threePt" dir="t"/>
+    </dgm:scene3d>
+    <dgm:sp3d/>
+    <dgm:txPr/>
+    <dgm:style>
+      <a:lnRef idx="2">
+        <a:scrgbClr r="0" g="0" b="0"/>
+      </a:lnRef>
+      <a:fillRef idx="1">
+        <a:scrgbClr r="0" g="0" b="0"/>
+      </a:fillRef>
+      <a:effectRef idx="0">
+        <a:scrgbClr r="0" g="0" b="0"/>
+      </a:effectRef>
+      <a:fontRef idx="minor"/>
+    </dgm:style>
+  </dgm:styleLbl>
+  <dgm:styleLbl name="conFgAcc1">
+    <dgm:scene3d>
+      <a:camera prst="orthographicFront"/>
+      <a:lightRig rig="threePt" dir="t"/>
+    </dgm:scene3d>
+    <dgm:sp3d/>
+    <dgm:txPr/>
+    <dgm:style>
+      <a:lnRef idx="2">
+        <a:scrgbClr r="0" g="0" b="0"/>
+      </a:lnRef>
+      <a:fillRef idx="1">
+        <a:scrgbClr r="0" g="0" b="0"/>
+      </a:fillRef>
+      <a:effectRef idx="0">
+        <a:scrgbClr r="0" g="0" b="0"/>
+      </a:effectRef>
+      <a:fontRef idx="minor"/>
+    </dgm:style>
+  </dgm:styleLbl>
+  <dgm:styleLbl name="alignAcc1">
+    <dgm:scene3d>
+      <a:camera prst="orthographicFront"/>
+      <a:lightRig rig="threePt" dir="t"/>
+    </dgm:scene3d>
+    <dgm:sp3d/>
+    <dgm:txPr/>
+    <dgm:style>
+      <a:lnRef idx="2">
+        <a:scrgbClr r="0" g="0" b="0"/>
+      </a:lnRef>
+      <a:fillRef idx="1">
+        <a:scrgbClr r="0" g="0" b="0"/>
+      </a:fillRef>
+      <a:effectRef idx="0">
+        <a:scrgbClr r="0" g="0" b="0"/>
+      </a:effectRef>
+      <a:fontRef idx="minor"/>
+    </dgm:style>
+  </dgm:styleLbl>
+  <dgm:styleLbl name="trAlignAcc1">
+    <dgm:scene3d>
+      <a:camera prst="orthographicFront"/>
+      <a:lightRig rig="threePt" dir="t"/>
+    </dgm:scene3d>
+    <dgm:sp3d/>
+    <dgm:txPr/>
+    <dgm:style>
+      <a:lnRef idx="1">
+        <a:scrgbClr r="0" g="0" b="0"/>
+      </a:lnRef>
+      <a:fillRef idx="1">
+        <a:scrgbClr r="0" g="0" b="0"/>
+      </a:fillRef>
+      <a:effectRef idx="0">
+        <a:scrgbClr r="0" g="0" b="0"/>
+      </a:effectRef>
+      <a:fontRef idx="minor"/>
+    </dgm:style>
+  </dgm:styleLbl>
+  <dgm:styleLbl name="bgAcc1">
+    <dgm:scene3d>
+      <a:camera prst="orthographicFront"/>
+      <a:lightRig rig="threePt" dir="t"/>
+    </dgm:scene3d>
+    <dgm:sp3d/>
+    <dgm:txPr/>
+    <dgm:style>
+      <a:lnRef idx="2">
+        <a:scrgbClr r="0" g="0" b="0"/>
+      </a:lnRef>
+      <a:fillRef idx="1">
+        <a:scrgbClr r="0" g="0" b="0"/>
+      </a:fillRef>
+      <a:effectRef idx="0">
+        <a:scrgbClr r="0" g="0" b="0"/>
+      </a:effectRef>
+      <a:fontRef idx="minor"/>
+    </dgm:style>
+  </dgm:styleLbl>
+  <dgm:styleLbl name="solidFgAcc1">
+    <dgm:scene3d>
+      <a:camera prst="orthographicFront"/>
+      <a:lightRig rig="threePt" dir="t"/>
+    </dgm:scene3d>
+    <dgm:sp3d/>
+    <dgm:txPr/>
+    <dgm:style>
+      <a:lnRef idx="2">
+        <a:scrgbClr r="0" g="0" b="0"/>
+      </a:lnRef>
+      <a:fillRef idx="1">
+        <a:scrgbClr r="0" g="0" b="0"/>
+      </a:fillRef>
+      <a:effectRef idx="0">
+        <a:scrgbClr r="0" g="0" b="0"/>
+      </a:effectRef>
+      <a:fontRef idx="minor"/>
+    </dgm:style>
+  </dgm:styleLbl>
+  <dgm:styleLbl name="solidAlignAcc1">
+    <dgm:scene3d>
+      <a:camera prst="orthographicFront"/>
+      <a:lightRig rig="threePt" dir="t"/>
+    </dgm:scene3d>
+    <dgm:sp3d/>
+    <dgm:txPr/>
+    <dgm:style>
+      <a:lnRef idx="2">
+        <a:scrgbClr r="0" g="0" b="0"/>
+      </a:lnRef>
+      <a:fillRef idx="1">
+        <a:scrgbClr r="0" g="0" b="0"/>
+      </a:fillRef>
+      <a:effectRef idx="0">
+        <a:scrgbClr r="0" g="0" b="0"/>
+      </a:effectRef>
+      <a:fontRef idx="minor"/>
+    </dgm:style>
+  </dgm:styleLbl>
+  <dgm:styleLbl name="solidBgAcc1">
+    <dgm:scene3d>
+      <a:camera prst="orthographicFront"/>
+      <a:lightRig rig="threePt" dir="t"/>
+    </dgm:scene3d>
+    <dgm:sp3d/>
+    <dgm:txPr/>
+    <dgm:style>
+      <a:lnRef idx="2">
+        <a:scrgbClr r="0" g="0" b="0"/>
+      </a:lnRef>
+      <a:fillRef idx="1">
+        <a:scrgbClr r="0" g="0" b="0"/>
+      </a:fillRef>
+      <a:effectRef idx="0">
+        <a:scrgbClr r="0" g="0" b="0"/>
+      </a:effectRef>
+      <a:fontRef idx="minor"/>
+    </dgm:style>
+  </dgm:styleLbl>
+  <dgm:styleLbl name="fgAccFollowNode1">
+    <dgm:scene3d>
+      <a:camera prst="orthographicFront"/>
+      <a:lightRig rig="threePt" dir="t"/>
+    </dgm:scene3d>
+    <dgm:sp3d/>
+    <dgm:txPr/>
+    <dgm:style>
+      <a:lnRef idx="2">
+        <a:scrgbClr r="0" g="0" b="0"/>
+      </a:lnRef>
+      <a:fillRef idx="1">
+        <a:scrgbClr r="0" g="0" b="0"/>
+      </a:fillRef>
+      <a:effectRef idx="0">
+        <a:scrgbClr r="0" g="0" b="0"/>
+      </a:effectRef>
+      <a:fontRef idx="minor"/>
+    </dgm:style>
+  </dgm:styleLbl>
+  <dgm:styleLbl name="alignAccFollowNode1">
+    <dgm:scene3d>
+      <a:camera prst="orthographicFront"/>
+      <a:lightRig rig="threePt" dir="t"/>
+    </dgm:scene3d>
+    <dgm:sp3d/>
+    <dgm:txPr/>
+    <dgm:style>
+      <a:lnRef idx="2">
+        <a:scrgbClr r="0" g="0" b="0"/>
+      </a:lnRef>
+      <a:fillRef idx="1">
+        <a:scrgbClr r="0" g="0" b="0"/>
+      </a:fillRef>
+      <a:effectRef idx="0">
+        <a:scrgbClr r="0" g="0" b="0"/>
+      </a:effectRef>
+      <a:fontRef idx="minor"/>
+    </dgm:style>
+  </dgm:styleLbl>
+  <dgm:styleLbl name="bgAccFollowNode1">
+    <dgm:scene3d>
+      <a:camera prst="orthographicFront"/>
+      <a:lightRig rig="threePt" dir="t"/>
+    </dgm:scene3d>
+    <dgm:sp3d/>
+    <dgm:txPr/>
+    <dgm:style>
+      <a:lnRef idx="2">
+        <a:scrgbClr r="0" g="0" b="0"/>
+      </a:lnRef>
+      <a:fillRef idx="1">
+        <a:scrgbClr r="0" g="0" b="0"/>
+      </a:fillRef>
+      <a:effectRef idx="0">
+        <a:scrgbClr r="0" g="0" b="0"/>
+      </a:effectRef>
+      <a:fontRef idx="minor"/>
+    </dgm:style>
+  </dgm:styleLbl>
+  <dgm:styleLbl name="fgAcc0">
+    <dgm:scene3d>
+      <a:camera prst="orthographicFront"/>
+      <a:lightRig rig="threePt" dir="t"/>
+    </dgm:scene3d>
+    <dgm:sp3d/>
+    <dgm:txPr/>
+    <dgm:style>
+      <a:lnRef idx="2">
+        <a:scrgbClr r="0" g="0" b="0"/>
+      </a:lnRef>
+      <a:fillRef idx="1">
+        <a:scrgbClr r="0" g="0" b="0"/>
+      </a:fillRef>
+      <a:effectRef idx="0">
+        <a:scrgbClr r="0" g="0" b="0"/>
+      </a:effectRef>
+      <a:fontRef idx="minor"/>
+    </dgm:style>
+  </dgm:styleLbl>
+  <dgm:styleLbl name="fgAcc2">
+    <dgm:scene3d>
+      <a:camera prst="orthographicFront"/>
+      <a:lightRig rig="threePt" dir="t"/>
+    </dgm:scene3d>
+    <dgm:sp3d/>
+    <dgm:txPr/>
+    <dgm:style>
+      <a:lnRef idx="2">
+        <a:scrgbClr r="0" g="0" b="0"/>
+      </a:lnRef>
+      <a:fillRef idx="1">
+        <a:scrgbClr r="0" g="0" b="0"/>
+      </a:fillRef>
+      <a:effectRef idx="0">
+        <a:scrgbClr r="0" g="0" b="0"/>
+      </a:effectRef>
+      <a:fontRef idx="minor"/>
+    </dgm:style>
+  </dgm:styleLbl>
+  <dgm:styleLbl name="fgAcc3">
+    <dgm:scene3d>
+      <a:camera prst="orthographicFront"/>
+      <a:lightRig rig="threePt" dir="t"/>
+    </dgm:scene3d>
+    <dgm:sp3d/>
+    <dgm:txPr/>
+    <dgm:style>
+      <a:lnRef idx="2">
+        <a:scrgbClr r="0" g="0" b="0"/>
+      </a:lnRef>
+      <a:fillRef idx="1">
+        <a:scrgbClr r="0" g="0" b="0"/>
+      </a:fillRef>
+      <a:effectRef idx="0">
+        <a:scrgbClr r="0" g="0" b="0"/>
+      </a:effectRef>
+      <a:fontRef idx="minor"/>
+    </dgm:style>
+  </dgm:styleLbl>
+  <dgm:styleLbl name="fgAcc4">
+    <dgm:scene3d>
+      <a:camera prst="orthographicFront"/>
+      <a:lightRig rig="threePt" dir="t"/>
+    </dgm:scene3d>
+    <dgm:sp3d/>
+    <dgm:txPr/>
+    <dgm:style>
+      <a:lnRef idx="2">
+        <a:scrgbClr r="0" g="0" b="0"/>
+      </a:lnRef>
+      <a:fillRef idx="1">
+        <a:scrgbClr r="0" g="0" b="0"/>
+      </a:fillRef>
+      <a:effectRef idx="0">
+        <a:scrgbClr r="0" g="0" b="0"/>
+      </a:effectRef>
+      <a:fontRef idx="minor"/>
+    </dgm:style>
+  </dgm:styleLbl>
+  <dgm:styleLbl name="bgShp">
+    <dgm:scene3d>
+      <a:camera prst="orthographicFront"/>
+      <a:lightRig rig="threePt" dir="t"/>
+    </dgm:scene3d>
+    <dgm:sp3d/>
+    <dgm:txPr/>
+    <dgm:style>
+      <a:lnRef idx="0">
+        <a:scrgbClr r="0" g="0" b="0"/>
+      </a:lnRef>
+      <a:fillRef idx="1">
+        <a:scrgbClr r="0" g="0" b="0"/>
+      </a:fillRef>
+      <a:effectRef idx="0">
+        <a:scrgbClr r="0" g="0" b="0"/>
+      </a:effectRef>
+      <a:fontRef idx="minor"/>
+    </dgm:style>
+  </dgm:styleLbl>
+  <dgm:styleLbl name="dkBgShp">
+    <dgm:scene3d>
+      <a:camera prst="orthographicFront"/>
+      <a:lightRig rig="threePt" dir="t"/>
+    </dgm:scene3d>
+    <dgm:sp3d/>
+    <dgm:txPr/>
+    <dgm:style>
+      <a:lnRef idx="0">
+        <a:scrgbClr r="0" g="0" b="0"/>
+      </a:lnRef>
+      <a:fillRef idx="1">
+        <a:scrgbClr r="0" g="0" b="0"/>
+      </a:fillRef>
+      <a:effectRef idx="0">
+        <a:scrgbClr r="0" g="0" b="0"/>
+      </a:effectRef>
+      <a:fontRef idx="minor"/>
+    </dgm:style>
+  </dgm:styleLbl>
+  <dgm:styleLbl name="trBgShp">
+    <dgm:scene3d>
+      <a:camera prst="orthographicFront"/>
+      <a:lightRig rig="threePt" dir="t"/>
+    </dgm:scene3d>
+    <dgm:sp3d/>
+    <dgm:txPr/>
+    <dgm:style>
+      <a:lnRef idx="0">
+        <a:scrgbClr r="0" g="0" b="0"/>
+      </a:lnRef>
+      <a:fillRef idx="1">
+        <a:scrgbClr r="0" g="0" b="0"/>
+      </a:fillRef>
+      <a:effectRef idx="0">
+        <a:scrgbClr r="0" g="0" b="0"/>
+      </a:effectRef>
+      <a:fontRef idx="minor"/>
+    </dgm:style>
+  </dgm:styleLbl>
+  <dgm:styleLbl name="fgShp">
+    <dgm:scene3d>
+      <a:camera prst="orthographicFront"/>
+      <a:lightRig rig="threePt" dir="t"/>
+    </dgm:scene3d>
+    <dgm:sp3d/>
+    <dgm:txPr/>
+    <dgm:style>
+      <a:lnRef idx="2">
+        <a:scrgbClr r="0" g="0" b="0"/>
+      </a:lnRef>
+      <a:fillRef idx="1">
+        <a:scrgbClr r="0" g="0" b="0"/>
+      </a:fillRef>
+      <a:effectRef idx="0">
+        <a:scrgbClr r="0" g="0" b="0"/>
+      </a:effectRef>
+      <a:fontRef idx="minor"/>
+    </dgm:style>
+  </dgm:styleLbl>
+  <dgm:styleLbl name="revTx">
+    <dgm:scene3d>
+      <a:camera prst="orthographicFront"/>
+      <a:lightRig rig="threePt" dir="t"/>
+    </dgm:scene3d>
+    <dgm:sp3d/>
+    <dgm:txPr/>
+    <dgm:style>
+      <a:lnRef idx="0">
+        <a:scrgbClr r="0" g="0" b="0"/>
+      </a:lnRef>
+      <a:fillRef idx="0">
+        <a:scrgbClr r="0" g="0" b="0"/>
+      </a:fillRef>
+      <a:effectRef idx="0">
+        <a:scrgbClr r="0" g="0" b="0"/>
+      </a:effectRef>
+      <a:fontRef idx="minor"/>
+    </dgm:style>
+  </dgm:styleLbl>
+</dgm:styleDef>
+</file>
+
 <file path=ppt/handoutMasters/handoutMaster1.xml><?xml version="1.0" encoding="utf-8"?>
 <p:handoutMaster xmlns:a="http://schemas.openxmlformats.org/drawingml/2006/main" xmlns:r="http://schemas.openxmlformats.org/officeDocument/2006/relationships" xmlns:p="http://schemas.openxmlformats.org/presentationml/2006/main">
   <p:cSld>
@@ -8191,7 +11195,7 @@
           <a:p>
             <a:fld id="{59088EAF-6ECA-4616-85EF-35AA19C641F3}" type="datetimeFigureOut">
               <a:rPr lang="en-US"/>
-              <a:t>8/12/2017</a:t>
+              <a:t>9/11/2017</a:t>
             </a:fld>
             <a:endParaRPr/>
           </a:p>
@@ -8356,7 +11360,7 @@
           <a:p>
             <a:fld id="{3ABD2D7A-D230-4F91-BD59-0A39C2703BA8}" type="datetimeFigureOut">
               <a:rPr lang="en-US"/>
-              <a:t>8/12/2017</a:t>
+              <a:t>9/11/2017</a:t>
             </a:fld>
             <a:endParaRPr/>
           </a:p>
@@ -8965,7 +11969,7 @@
           <a:p>
             <a:fld id="{03F41C87-7AD9-4845-A077-840E4A0F3F06}" type="datetimeFigureOut">
               <a:rPr lang="en-US"/>
-              <a:t>8/12/2017</a:t>
+              <a:t>9/11/2017</a:t>
             </a:fld>
             <a:endParaRPr/>
           </a:p>
@@ -9157,7 +12161,7 @@
           <a:p>
             <a:fld id="{03F41C87-7AD9-4845-A077-840E4A0F3F06}" type="datetimeFigureOut">
               <a:rPr lang="en-US"/>
-              <a:t>8/12/2017</a:t>
+              <a:t>9/11/2017</a:t>
             </a:fld>
             <a:endParaRPr/>
           </a:p>
@@ -9346,7 +12350,7 @@
           <a:p>
             <a:fld id="{03F41C87-7AD9-4845-A077-840E4A0F3F06}" type="datetimeFigureOut">
               <a:rPr lang="en-US"/>
-              <a:t>8/12/2017</a:t>
+              <a:t>9/11/2017</a:t>
             </a:fld>
             <a:endParaRPr/>
           </a:p>
@@ -9626,7 +12630,7 @@
           <a:p>
             <a:fld id="{03F41C87-7AD9-4845-A077-840E4A0F3F06}" type="datetimeFigureOut">
               <a:rPr lang="en-US"/>
-              <a:t>8/12/2017</a:t>
+              <a:t>9/11/2017</a:t>
             </a:fld>
             <a:endParaRPr/>
           </a:p>
@@ -9930,7 +12934,7 @@
           <a:p>
             <a:fld id="{03F41C87-7AD9-4845-A077-840E4A0F3F06}" type="datetimeFigureOut">
               <a:rPr lang="en-US"/>
-              <a:t>8/12/2017</a:t>
+              <a:t>9/11/2017</a:t>
             </a:fld>
             <a:endParaRPr/>
           </a:p>
@@ -10386,7 +13390,7 @@
           <a:p>
             <a:fld id="{03F41C87-7AD9-4845-A077-840E4A0F3F06}" type="datetimeFigureOut">
               <a:rPr lang="en-US"/>
-              <a:t>8/12/2017</a:t>
+              <a:t>9/11/2017</a:t>
             </a:fld>
             <a:endParaRPr/>
           </a:p>
@@ -10516,7 +13520,7 @@
           <a:p>
             <a:fld id="{03F41C87-7AD9-4845-A077-840E4A0F3F06}" type="datetimeFigureOut">
               <a:rPr lang="en-US"/>
-              <a:t>8/12/2017</a:t>
+              <a:t>9/11/2017</a:t>
             </a:fld>
             <a:endParaRPr/>
           </a:p>
@@ -10631,7 +13635,7 @@
           <a:p>
             <a:fld id="{03F41C87-7AD9-4845-A077-840E4A0F3F06}" type="datetimeFigureOut">
               <a:rPr lang="en-US"/>
-              <a:t>8/12/2017</a:t>
+              <a:t>9/11/2017</a:t>
             </a:fld>
             <a:endParaRPr/>
           </a:p>
@@ -10953,7 +13957,7 @@
           <a:p>
             <a:fld id="{03F41C87-7AD9-4845-A077-840E4A0F3F06}" type="datetimeFigureOut">
               <a:rPr lang="en-US"/>
-              <a:t>8/12/2017</a:t>
+              <a:t>9/11/2017</a:t>
             </a:fld>
             <a:endParaRPr/>
           </a:p>
@@ -11265,7 +14269,7 @@
             <a:fld id="{03F41C87-7AD9-4845-A077-840E4A0F3F06}" type="datetimeFigureOut">
               <a:rPr lang="en-US"/>
               <a:pPr/>
-              <a:t>8/12/2017</a:t>
+              <a:t>9/11/2017</a:t>
             </a:fld>
             <a:endParaRPr/>
           </a:p>
@@ -11519,7 +14523,7 @@
             <a:fld id="{03F41C87-7AD9-4845-A077-840E4A0F3F06}" type="datetimeFigureOut">
               <a:rPr lang="en-US" smtClean="0"/>
               <a:pPr/>
-              <a:t>8/12/2017</a:t>
+              <a:t>9/11/2017</a:t>
             </a:fld>
             <a:endParaRPr lang="en-US"/>
           </a:p>
@@ -12039,9 +15043,10 @@
           <a:bodyPr/>
           <a:lstStyle/>
           <a:p>
+            <a:pPr algn="ctr"/>
             <a:r>
               <a:rPr lang="en-US" dirty="0"/>
-              <a:t>Creating Business Leaders</a:t>
+              <a:t>A Simple Approach to Creating A Business</a:t>
             </a:r>
           </a:p>
         </p:txBody>
@@ -12058,27 +15063,153 @@
         </p:nvSpPr>
         <p:spPr>
           <a:xfrm>
-            <a:off x="1065213" y="5410200"/>
-            <a:ext cx="9905999" cy="609601"/>
+            <a:off x="1522411" y="1905000"/>
+            <a:ext cx="4416552" cy="762000"/>
           </a:xfrm>
         </p:spPr>
         <p:txBody>
-          <a:bodyPr>
-            <a:normAutofit/>
-          </a:bodyPr>
+          <a:bodyPr/>
           <a:lstStyle/>
           <a:p>
+            <a:pPr algn="ctr"/>
             <a:r>
               <a:rPr lang="en-US" dirty="0"/>
-              <a:t>Through Entrepreneur training and career development</a:t>
+              <a:t>Skill barriers</a:t>
             </a:r>
+          </a:p>
+        </p:txBody>
+      </p:sp>
+      <p:sp>
+        <p:nvSpPr>
+          <p:cNvPr id="4" name="Content Placeholder 3"/>
+          <p:cNvSpPr>
+            <a:spLocks noGrp="1"/>
+          </p:cNvSpPr>
+          <p:nvPr>
+            <p:ph sz="half" idx="2"/>
+          </p:nvPr>
+        </p:nvSpPr>
+        <p:spPr>
+          <a:xfrm>
+            <a:off x="1522411" y="2743201"/>
+            <a:ext cx="4416552" cy="3276600"/>
+          </a:xfrm>
+        </p:spPr>
+        <p:txBody>
+          <a:bodyPr/>
+          <a:lstStyle/>
+          <a:p>
+            <a:r>
+              <a:rPr lang="en-US" dirty="0"/>
+              <a:t>Technical Skills</a:t>
+            </a:r>
+          </a:p>
+          <a:p>
+            <a:r>
+              <a:rPr lang="en-US" dirty="0"/>
+              <a:t>Soft Skills</a:t>
+            </a:r>
+          </a:p>
+          <a:p>
+            <a:r>
+              <a:rPr lang="en-US" dirty="0"/>
+              <a:t>Business Process Skills</a:t>
+            </a:r>
+          </a:p>
+          <a:p>
+            <a:r>
+              <a:rPr lang="en-US" dirty="0"/>
+              <a:t>Supportive Data Collection</a:t>
+            </a:r>
+          </a:p>
+          <a:p>
+            <a:pPr marL="0" indent="0">
+              <a:buNone/>
+            </a:pPr>
+            <a:endParaRPr lang="en-US" dirty="0"/>
+          </a:p>
+        </p:txBody>
+      </p:sp>
+      <p:sp>
+        <p:nvSpPr>
+          <p:cNvPr id="5" name="Text Placeholder 4"/>
+          <p:cNvSpPr>
+            <a:spLocks noGrp="1"/>
+          </p:cNvSpPr>
+          <p:nvPr>
+            <p:ph type="body" sz="quarter" idx="3"/>
+          </p:nvPr>
+        </p:nvSpPr>
+        <p:spPr>
+          <a:xfrm>
+            <a:off x="6249861" y="1905000"/>
+            <a:ext cx="4416552" cy="762000"/>
+          </a:xfrm>
+        </p:spPr>
+        <p:txBody>
+          <a:bodyPr/>
+          <a:lstStyle/>
+          <a:p>
+            <a:pPr algn="ctr"/>
+            <a:r>
+              <a:rPr lang="en-US" dirty="0"/>
+              <a:t>Financial barriers</a:t>
+            </a:r>
+          </a:p>
+        </p:txBody>
+      </p:sp>
+      <p:sp>
+        <p:nvSpPr>
+          <p:cNvPr id="6" name="Content Placeholder 5"/>
+          <p:cNvSpPr>
+            <a:spLocks noGrp="1"/>
+          </p:cNvSpPr>
+          <p:nvPr>
+            <p:ph sz="quarter" idx="4"/>
+          </p:nvPr>
+        </p:nvSpPr>
+        <p:spPr>
+          <a:xfrm>
+            <a:off x="6249861" y="2743201"/>
+            <a:ext cx="4416552" cy="3276600"/>
+          </a:xfrm>
+        </p:spPr>
+        <p:txBody>
+          <a:bodyPr/>
+          <a:lstStyle/>
+          <a:p>
+            <a:r>
+              <a:rPr lang="en-US" dirty="0"/>
+              <a:t>Poor/Damaged Personal Credit</a:t>
+            </a:r>
+          </a:p>
+          <a:p>
+            <a:r>
+              <a:rPr lang="en-US" dirty="0"/>
+              <a:t>Poor/Damaged Business Credit</a:t>
+            </a:r>
+          </a:p>
+          <a:p>
+            <a:r>
+              <a:rPr lang="en-US" dirty="0"/>
+              <a:t>Business Plan Development</a:t>
+            </a:r>
+          </a:p>
+          <a:p>
+            <a:r>
+              <a:rPr lang="en-US" dirty="0"/>
+              <a:t>Securing Business Funding</a:t>
+            </a:r>
+          </a:p>
+          <a:p>
+            <a:endParaRPr lang="en-US" dirty="0"/>
           </a:p>
         </p:txBody>
       </p:sp>
     </p:spTree>
     <p:extLst>
       <p:ext uri="{BB962C8B-B14F-4D97-AF65-F5344CB8AC3E}">
-        <p14:creationId xmlns:p14="http://schemas.microsoft.com/office/powerpoint/2010/main" val="2478160142"/>
+        <p14:creationId xmlns:p14="http://schemas.microsoft.com/office/powerpoint/2010/main" val="2681425051"/>
       </p:ext>
     </p:extLst>
   </p:cSld>
@@ -12119,13 +15250,7 @@
       </p:grpSpPr>
       <p:sp>
         <p:nvSpPr>
-          <p:cNvPr id="2" name="Title 1">
-            <a:extLst>
-              <a:ext uri="{FF2B5EF4-FFF2-40B4-BE49-F238E27FC236}">
-                <a16:creationId xmlns:a16="http://schemas.microsoft.com/office/drawing/2014/main" id="{3BE61F87-758A-4CFC-8A4C-4E3D7E569FF6}"/>
-              </a:ext>
-            </a:extLst>
-          </p:cNvPr>
+          <p:cNvPr id="2" name="Title 1"/>
           <p:cNvSpPr>
             <a:spLocks noGrp="1"/>
           </p:cNvSpPr>
@@ -12138,41 +15263,38 @@
           <a:bodyPr/>
           <a:lstStyle/>
           <a:p>
-            <a:pPr algn="ctr"/>
             <a:r>
               <a:rPr lang="en-US" dirty="0"/>
-              <a:t>Number One Entrepreneur Training and Career Development Center </a:t>
+              <a:t>Creating Business Leaders</a:t>
             </a:r>
           </a:p>
         </p:txBody>
       </p:sp>
       <p:sp>
         <p:nvSpPr>
-          <p:cNvPr id="3" name="Content Placeholder 2">
-            <a:extLst>
-              <a:ext uri="{FF2B5EF4-FFF2-40B4-BE49-F238E27FC236}">
-                <a16:creationId xmlns:a16="http://schemas.microsoft.com/office/drawing/2014/main" id="{4C3D37D3-BF7D-4C8E-A516-DCEF1DE7B725}"/>
-              </a:ext>
-            </a:extLst>
-          </p:cNvPr>
+          <p:cNvPr id="3" name="Text Placeholder 2"/>
           <p:cNvSpPr>
             <a:spLocks noGrp="1"/>
           </p:cNvSpPr>
           <p:nvPr>
-            <p:ph idx="1"/>
+            <p:ph type="body" idx="1"/>
           </p:nvPr>
         </p:nvSpPr>
-        <p:spPr/>
+        <p:spPr>
+          <a:xfrm>
+            <a:off x="1065213" y="5410200"/>
+            <a:ext cx="9905999" cy="609601"/>
+          </a:xfrm>
+        </p:spPr>
         <p:txBody>
-          <a:bodyPr/>
+          <a:bodyPr>
+            <a:normAutofit/>
+          </a:bodyPr>
           <a:lstStyle/>
           <a:p>
-            <a:pPr marL="0" indent="0">
-              <a:buNone/>
-            </a:pPr>
             <a:r>
               <a:rPr lang="en-US" dirty="0"/>
-              <a:t>We have partnered with current Detroit business leaders to create a program aimed at increasing the number of black entrepreneurs in the City of Detroit and surrounding communities.  Our leadership network encompasses a range of diverse skillsets with a proven track record in their respective industries.  While many of our leaders are known in the community, our collective goal is to see the Detroit black business community become a financial powerhouse which elected officials recognize as the backbone of the area of Detroit which extends beyond downtown.  Our network has collaborated with our team to create a dynamic curriculum offering guidance in the nation’s most in-demand business fields.  </a:t>
+              <a:t>Through Entrepreneur training and career development</a:t>
             </a:r>
           </a:p>
         </p:txBody>
@@ -12180,7 +15302,7 @@
     </p:spTree>
     <p:extLst>
       <p:ext uri="{BB962C8B-B14F-4D97-AF65-F5344CB8AC3E}">
-        <p14:creationId xmlns:p14="http://schemas.microsoft.com/office/powerpoint/2010/main" val="2390793347"/>
+        <p14:creationId xmlns:p14="http://schemas.microsoft.com/office/powerpoint/2010/main" val="2478160142"/>
       </p:ext>
     </p:extLst>
   </p:cSld>
@@ -12224,7 +15346,7 @@
           <p:cNvPr id="2" name="Title 1">
             <a:extLst>
               <a:ext uri="{FF2B5EF4-FFF2-40B4-BE49-F238E27FC236}">
-                <a16:creationId xmlns:a16="http://schemas.microsoft.com/office/drawing/2014/main" id="{982738D5-0E63-4DF4-853C-12684D840EC9}"/>
+                <a16:creationId xmlns:a16="http://schemas.microsoft.com/office/drawing/2014/main" id="{3BE61F87-758A-4CFC-8A4C-4E3D7E569FF6}"/>
               </a:ext>
             </a:extLst>
           </p:cNvPr>
@@ -12235,12 +15357,7 @@
             <p:ph type="title"/>
           </p:nvPr>
         </p:nvSpPr>
-        <p:spPr>
-          <a:xfrm>
-            <a:off x="1522413" y="381000"/>
-            <a:ext cx="9144001" cy="762000"/>
-          </a:xfrm>
-        </p:spPr>
+        <p:spPr/>
         <p:txBody>
           <a:bodyPr/>
           <a:lstStyle/>
@@ -12248,7 +15365,7 @@
             <a:pPr algn="ctr"/>
             <a:r>
               <a:rPr lang="en-US" dirty="0"/>
-              <a:t>Areas of Study </a:t>
+              <a:t>Number One Entrepreneur Training and Career Development Center </a:t>
             </a:r>
           </a:p>
         </p:txBody>
@@ -12258,7 +15375,7 @@
           <p:cNvPr id="3" name="Content Placeholder 2">
             <a:extLst>
               <a:ext uri="{FF2B5EF4-FFF2-40B4-BE49-F238E27FC236}">
-                <a16:creationId xmlns:a16="http://schemas.microsoft.com/office/drawing/2014/main" id="{E0D2481B-A688-4915-917B-BC83679EB7C4}"/>
+                <a16:creationId xmlns:a16="http://schemas.microsoft.com/office/drawing/2014/main" id="{4C3D37D3-BF7D-4C8E-A516-DCEF1DE7B725}"/>
               </a:ext>
             </a:extLst>
           </p:cNvPr>
@@ -12269,87 +15386,17 @@
             <p:ph idx="1"/>
           </p:nvPr>
         </p:nvSpPr>
-        <p:spPr>
-          <a:xfrm>
-            <a:off x="1522413" y="1143000"/>
-            <a:ext cx="9134391" cy="5410199"/>
-          </a:xfrm>
-        </p:spPr>
+        <p:spPr/>
         <p:txBody>
-          <a:bodyPr>
-            <a:normAutofit fontScale="85000" lnSpcReduction="20000"/>
-          </a:bodyPr>
+          <a:bodyPr/>
           <a:lstStyle/>
           <a:p>
+            <a:pPr marL="0" indent="0">
+              <a:buNone/>
+            </a:pPr>
             <a:r>
               <a:rPr lang="en-US" dirty="0"/>
-              <a:t>Home Health Care Agency</a:t>
-            </a:r>
-          </a:p>
-          <a:p>
-            <a:r>
-              <a:rPr lang="en-US" dirty="0"/>
-              <a:t>Direct Care Worker</a:t>
-            </a:r>
-          </a:p>
-          <a:p>
-            <a:r>
-              <a:rPr lang="en-US" dirty="0"/>
-              <a:t>Certified Nurse Assistant</a:t>
-            </a:r>
-          </a:p>
-          <a:p>
-            <a:r>
-              <a:rPr lang="en-US" dirty="0"/>
-              <a:t>Medical Massage Therapist Entrepreneur Program</a:t>
-            </a:r>
-          </a:p>
-          <a:p>
-            <a:r>
-              <a:rPr lang="en-US" dirty="0"/>
-              <a:t>Group Home / Apartment Program</a:t>
-            </a:r>
-          </a:p>
-          <a:p>
-            <a:r>
-              <a:rPr lang="en-US" dirty="0"/>
-              <a:t>General Repair Technician Entrepreneur Program</a:t>
-            </a:r>
-          </a:p>
-          <a:p>
-            <a:r>
-              <a:rPr lang="en-US" dirty="0"/>
-              <a:t>Transportation Company Entrepreneur Program</a:t>
-            </a:r>
-          </a:p>
-          <a:p>
-            <a:r>
-              <a:rPr lang="en-US" dirty="0"/>
-              <a:t>Janitorial Entrepreneur Program</a:t>
-            </a:r>
-          </a:p>
-          <a:p>
-            <a:r>
-              <a:rPr lang="en-US" dirty="0"/>
-              <a:t>Florist Entrepreneur Program</a:t>
-            </a:r>
-          </a:p>
-          <a:p>
-            <a:r>
-              <a:rPr lang="en-US" dirty="0"/>
-              <a:t>Security Monitoring Service Entrepreneur Program</a:t>
-            </a:r>
-          </a:p>
-          <a:p>
-            <a:r>
-              <a:rPr lang="en-US" dirty="0"/>
-              <a:t>Executive Administrative Assistant Entrepreneur Program</a:t>
-            </a:r>
-          </a:p>
-          <a:p>
-            <a:r>
-              <a:rPr lang="en-US" dirty="0"/>
-              <a:t>Medical Marijuana Related Entrepreneur Programs</a:t>
+              <a:t>We have partnered with current Detroit business leaders to create a program aimed at increasing the number of black entrepreneurs in the City of Detroit and surrounding communities.  Our leadership network encompasses a range of diverse skillsets with a proven track record in their respective industries.  While many of our leaders are known in the community, our collective goal is to see the Detroit black business community become a financial powerhouse which elected officials recognize as the backbone of the area of Detroit which extends beyond downtown.  Our network has collaborated with our team to create a dynamic curriculum offering guidance in the nation’s most in-demand business fields.  </a:t>
             </a:r>
           </a:p>
         </p:txBody>
@@ -12357,7 +15404,7 @@
     </p:spTree>
     <p:extLst>
       <p:ext uri="{BB962C8B-B14F-4D97-AF65-F5344CB8AC3E}">
-        <p14:creationId xmlns:p14="http://schemas.microsoft.com/office/powerpoint/2010/main" val="1191839160"/>
+        <p14:creationId xmlns:p14="http://schemas.microsoft.com/office/powerpoint/2010/main" val="2390793347"/>
       </p:ext>
     </p:extLst>
   </p:cSld>
@@ -12401,6 +15448,183 @@
           <p:cNvPr id="2" name="Title 1">
             <a:extLst>
               <a:ext uri="{FF2B5EF4-FFF2-40B4-BE49-F238E27FC236}">
+                <a16:creationId xmlns:a16="http://schemas.microsoft.com/office/drawing/2014/main" id="{982738D5-0E63-4DF4-853C-12684D840EC9}"/>
+              </a:ext>
+            </a:extLst>
+          </p:cNvPr>
+          <p:cNvSpPr>
+            <a:spLocks noGrp="1"/>
+          </p:cNvSpPr>
+          <p:nvPr>
+            <p:ph type="title"/>
+          </p:nvPr>
+        </p:nvSpPr>
+        <p:spPr>
+          <a:xfrm>
+            <a:off x="1522413" y="381000"/>
+            <a:ext cx="9144001" cy="762000"/>
+          </a:xfrm>
+        </p:spPr>
+        <p:txBody>
+          <a:bodyPr/>
+          <a:lstStyle/>
+          <a:p>
+            <a:pPr algn="ctr"/>
+            <a:r>
+              <a:rPr lang="en-US" dirty="0"/>
+              <a:t>Areas of Study </a:t>
+            </a:r>
+          </a:p>
+        </p:txBody>
+      </p:sp>
+      <p:sp>
+        <p:nvSpPr>
+          <p:cNvPr id="3" name="Content Placeholder 2">
+            <a:extLst>
+              <a:ext uri="{FF2B5EF4-FFF2-40B4-BE49-F238E27FC236}">
+                <a16:creationId xmlns:a16="http://schemas.microsoft.com/office/drawing/2014/main" id="{E0D2481B-A688-4915-917B-BC83679EB7C4}"/>
+              </a:ext>
+            </a:extLst>
+          </p:cNvPr>
+          <p:cNvSpPr>
+            <a:spLocks noGrp="1"/>
+          </p:cNvSpPr>
+          <p:nvPr>
+            <p:ph idx="1"/>
+          </p:nvPr>
+        </p:nvSpPr>
+        <p:spPr>
+          <a:xfrm>
+            <a:off x="1522413" y="1143000"/>
+            <a:ext cx="9134391" cy="5410199"/>
+          </a:xfrm>
+        </p:spPr>
+        <p:txBody>
+          <a:bodyPr>
+            <a:normAutofit fontScale="85000" lnSpcReduction="20000"/>
+          </a:bodyPr>
+          <a:lstStyle/>
+          <a:p>
+            <a:r>
+              <a:rPr lang="en-US" dirty="0"/>
+              <a:t>Home Health Care Agency</a:t>
+            </a:r>
+          </a:p>
+          <a:p>
+            <a:r>
+              <a:rPr lang="en-US" dirty="0"/>
+              <a:t>Direct Care Worker</a:t>
+            </a:r>
+          </a:p>
+          <a:p>
+            <a:r>
+              <a:rPr lang="en-US" dirty="0"/>
+              <a:t>Certified Nurse Assistant</a:t>
+            </a:r>
+          </a:p>
+          <a:p>
+            <a:r>
+              <a:rPr lang="en-US" dirty="0"/>
+              <a:t>Medical Massage Therapist Entrepreneur Program</a:t>
+            </a:r>
+          </a:p>
+          <a:p>
+            <a:r>
+              <a:rPr lang="en-US" dirty="0"/>
+              <a:t>Group Home / Apartment Program</a:t>
+            </a:r>
+          </a:p>
+          <a:p>
+            <a:r>
+              <a:rPr lang="en-US" dirty="0"/>
+              <a:t>General Repair Technician Entrepreneur Program</a:t>
+            </a:r>
+          </a:p>
+          <a:p>
+            <a:r>
+              <a:rPr lang="en-US" dirty="0"/>
+              <a:t>Transportation Company Entrepreneur Program</a:t>
+            </a:r>
+          </a:p>
+          <a:p>
+            <a:r>
+              <a:rPr lang="en-US" dirty="0"/>
+              <a:t>Janitorial Entrepreneur Program</a:t>
+            </a:r>
+          </a:p>
+          <a:p>
+            <a:r>
+              <a:rPr lang="en-US" dirty="0"/>
+              <a:t>Florist Entrepreneur Program</a:t>
+            </a:r>
+          </a:p>
+          <a:p>
+            <a:r>
+              <a:rPr lang="en-US" dirty="0"/>
+              <a:t>Security Monitoring Service Entrepreneur Program</a:t>
+            </a:r>
+          </a:p>
+          <a:p>
+            <a:r>
+              <a:rPr lang="en-US" dirty="0"/>
+              <a:t>Executive Administrative Assistant Entrepreneur Program</a:t>
+            </a:r>
+          </a:p>
+          <a:p>
+            <a:r>
+              <a:rPr lang="en-US" dirty="0"/>
+              <a:t>Medical Marijuana Related Entrepreneur Programs</a:t>
+            </a:r>
+          </a:p>
+        </p:txBody>
+      </p:sp>
+    </p:spTree>
+    <p:extLst>
+      <p:ext uri="{BB962C8B-B14F-4D97-AF65-F5344CB8AC3E}">
+        <p14:creationId xmlns:p14="http://schemas.microsoft.com/office/powerpoint/2010/main" val="1191839160"/>
+      </p:ext>
+    </p:extLst>
+  </p:cSld>
+  <p:clrMapOvr>
+    <a:masterClrMapping/>
+  </p:clrMapOvr>
+  <mc:AlternateContent xmlns:mc="http://schemas.openxmlformats.org/markup-compatibility/2006" xmlns:p14="http://schemas.microsoft.com/office/powerpoint/2010/main">
+    <mc:Choice Requires="p14">
+      <p:transition spd="med" p14:dur="700">
+        <p:fade/>
+      </p:transition>
+    </mc:Choice>
+    <mc:Fallback xmlns="">
+      <p:transition spd="med">
+        <p:fade/>
+      </p:transition>
+    </mc:Fallback>
+  </mc:AlternateContent>
+</p:sld>
+</file>
+
+<file path=ppt/slides/slide14.xml><?xml version="1.0" encoding="utf-8"?>
+<p:sld xmlns:a="http://schemas.openxmlformats.org/drawingml/2006/main" xmlns:r="http://schemas.openxmlformats.org/officeDocument/2006/relationships" xmlns:p="http://schemas.openxmlformats.org/presentationml/2006/main">
+  <p:cSld>
+    <p:spTree>
+      <p:nvGrpSpPr>
+        <p:cNvPr id="1" name=""/>
+        <p:cNvGrpSpPr/>
+        <p:nvPr/>
+      </p:nvGrpSpPr>
+      <p:grpSpPr>
+        <a:xfrm>
+          <a:off x="0" y="0"/>
+          <a:ext cx="0" cy="0"/>
+          <a:chOff x="0" y="0"/>
+          <a:chExt cx="0" cy="0"/>
+        </a:xfrm>
+      </p:grpSpPr>
+      <p:sp>
+        <p:nvSpPr>
+          <p:cNvPr id="2" name="Title 1">
+            <a:extLst>
+              <a:ext uri="{FF2B5EF4-FFF2-40B4-BE49-F238E27FC236}">
                 <a16:creationId xmlns:a16="http://schemas.microsoft.com/office/drawing/2014/main" id="{FB505410-A79B-4A3D-989C-2ED0F64D5EFC}"/>
               </a:ext>
             </a:extLst>
@@ -12528,7 +15752,7 @@
 </p:sld>
 </file>
 
-<file path=ppt/slides/slide14.xml><?xml version="1.0" encoding="utf-8"?>
+<file path=ppt/slides/slide15.xml><?xml version="1.0" encoding="utf-8"?>
 <p:sld xmlns:a="http://schemas.openxmlformats.org/drawingml/2006/main" xmlns:r="http://schemas.openxmlformats.org/officeDocument/2006/relationships" xmlns:p="http://schemas.openxmlformats.org/presentationml/2006/main">
   <p:cSld>
     <p:spTree>
@@ -12635,7 +15859,7 @@
 </p:sld>
 </file>
 
-<file path=ppt/slides/slide15.xml><?xml version="1.0" encoding="utf-8"?>
+<file path=ppt/slides/slide16.xml><?xml version="1.0" encoding="utf-8"?>
 <p:sld xmlns:a="http://schemas.openxmlformats.org/drawingml/2006/main" xmlns:r="http://schemas.openxmlformats.org/officeDocument/2006/relationships" xmlns:p="http://schemas.openxmlformats.org/presentationml/2006/main">
   <p:cSld>
     <p:spTree>
@@ -13539,7 +16763,7 @@
           <p:cNvPr id="2" name="Title 1">
             <a:extLst>
               <a:ext uri="{FF2B5EF4-FFF2-40B4-BE49-F238E27FC236}">
-                <a16:creationId xmlns:a16="http://schemas.microsoft.com/office/drawing/2014/main" id="{85F431AE-9D4A-4DE8-A073-CB79C144BB0A}"/>
+                <a16:creationId xmlns:a16="http://schemas.microsoft.com/office/drawing/2014/main" id="{A6B4FC16-22AC-4AD7-A406-3AB857F557E3}"/>
               </a:ext>
             </a:extLst>
           </p:cNvPr>
@@ -13550,12 +16774,7 @@
             <p:ph type="title"/>
           </p:nvPr>
         </p:nvSpPr>
-        <p:spPr>
-          <a:xfrm>
-            <a:off x="1522413" y="381000"/>
-            <a:ext cx="9144001" cy="1143000"/>
-          </a:xfrm>
-        </p:spPr>
+        <p:spPr/>
         <p:txBody>
           <a:bodyPr/>
           <a:lstStyle/>
@@ -13563,87 +16782,46 @@
             <a:pPr algn="ctr"/>
             <a:r>
               <a:rPr lang="en-US" dirty="0"/>
-              <a:t>Social Benefits of Black Businesses to Communities</a:t>
+              <a:t>The Power of Business Ownership</a:t>
             </a:r>
           </a:p>
         </p:txBody>
       </p:sp>
-      <p:sp>
-        <p:nvSpPr>
-          <p:cNvPr id="3" name="Content Placeholder 2">
+      <p:graphicFrame>
+        <p:nvGraphicFramePr>
+          <p:cNvPr id="5" name="Content Placeholder 4">
             <a:extLst>
               <a:ext uri="{FF2B5EF4-FFF2-40B4-BE49-F238E27FC236}">
-                <a16:creationId xmlns:a16="http://schemas.microsoft.com/office/drawing/2014/main" id="{C9837FE2-D804-4775-A903-6C3BDF1E3473}"/>
+                <a16:creationId xmlns:a16="http://schemas.microsoft.com/office/drawing/2014/main" id="{454B43BB-B390-4F48-8F45-3D4AABCABA32}"/>
               </a:ext>
             </a:extLst>
           </p:cNvPr>
-          <p:cNvSpPr>
-            <a:spLocks noGrp="1"/>
-          </p:cNvSpPr>
+          <p:cNvGraphicFramePr>
+            <a:graphicFrameLocks noGrp="1"/>
+          </p:cNvGraphicFramePr>
           <p:nvPr>
             <p:ph idx="1"/>
+            <p:extLst>
+              <p:ext uri="{D42A27DB-BD31-4B8C-83A1-F6EECF244321}">
+                <p14:modId xmlns:p14="http://schemas.microsoft.com/office/powerpoint/2010/main" val="753020056"/>
+              </p:ext>
+            </p:extLst>
           </p:nvPr>
-        </p:nvSpPr>
-        <p:spPr>
-          <a:xfrm>
-            <a:off x="1522413" y="2438400"/>
-            <a:ext cx="9134391" cy="3962400"/>
-          </a:xfrm>
-        </p:spPr>
-        <p:txBody>
-          <a:bodyPr/>
-          <a:lstStyle/>
-          <a:p>
-            <a:pPr marL="0" indent="0">
-              <a:buNone/>
-            </a:pPr>
-            <a:r>
-              <a:rPr lang="en-US" dirty="0"/>
-              <a:t>With the exception of Mexican owned Honeybee Market, most of Detroit’s 80 non big-box retailer grocery stores are owned by Chaldeans. Black owned grocery stores should be viewed as necessary to the survival of the people they service.  Black consumers are in a situation where we are dependent on others for survival, and while inner city stores lack the cleanliness and product quality of their suburban counterparts, Detroiters now spend and estimated $200 million on food in the suburbs.  Ownership of neighborhood institutions like grocery stores is one of the things African Americans communities can do to protect themselves from institutional racism and improve their communities.</a:t>
-            </a:r>
-          </a:p>
-        </p:txBody>
-      </p:sp>
-      <p:sp>
-        <p:nvSpPr>
-          <p:cNvPr id="4" name="TextBox 3">
-            <a:extLst>
-              <a:ext uri="{FF2B5EF4-FFF2-40B4-BE49-F238E27FC236}">
-                <a16:creationId xmlns:a16="http://schemas.microsoft.com/office/drawing/2014/main" id="{1BFF1F06-67AB-4693-8FA9-F056A1791A1B}"/>
-              </a:ext>
-            </a:extLst>
-          </p:cNvPr>
-          <p:cNvSpPr txBox="1"/>
-          <p:nvPr/>
-        </p:nvSpPr>
-        <p:spPr>
-          <a:xfrm>
-            <a:off x="2772506" y="1611868"/>
-            <a:ext cx="6634204" cy="369332"/>
-          </a:xfrm>
-          <a:prstGeom prst="rect">
-            <a:avLst/>
-          </a:prstGeom>
-          <a:noFill/>
-        </p:spPr>
-        <p:txBody>
-          <a:bodyPr wrap="square" rtlCol="0">
-            <a:spAutoFit/>
-          </a:bodyPr>
-          <a:lstStyle/>
-          <a:p>
-            <a:pPr algn="ctr"/>
-            <a:r>
-              <a:rPr lang="en-US" dirty="0"/>
-              <a:t>Why Are There No Black Owned Grocery Stores in Detroit</a:t>
-            </a:r>
-          </a:p>
-        </p:txBody>
-      </p:sp>
+        </p:nvGraphicFramePr>
+        <p:xfrm>
+          <a:off x="1522413" y="1904999"/>
+          <a:ext cx="9134391" cy="4114801"/>
+        </p:xfrm>
+        <a:graphic>
+          <a:graphicData uri="http://schemas.openxmlformats.org/drawingml/2006/diagram">
+            <dgm:relIds xmlns:dgm="http://schemas.openxmlformats.org/drawingml/2006/diagram" xmlns:r="http://schemas.openxmlformats.org/officeDocument/2006/relationships" r:dm="rId2" r:lo="rId3" r:qs="rId4" r:cs="rId5"/>
+          </a:graphicData>
+        </a:graphic>
+      </p:graphicFrame>
     </p:spTree>
     <p:extLst>
       <p:ext uri="{BB962C8B-B14F-4D97-AF65-F5344CB8AC3E}">
-        <p14:creationId xmlns:p14="http://schemas.microsoft.com/office/powerpoint/2010/main" val="3583861957"/>
+        <p14:creationId xmlns:p14="http://schemas.microsoft.com/office/powerpoint/2010/main" val="3186832704"/>
       </p:ext>
     </p:extLst>
   </p:cSld>
@@ -13684,7 +16862,13 @@
       </p:grpSpPr>
       <p:sp>
         <p:nvSpPr>
-          <p:cNvPr id="2" name="Title 1"/>
+          <p:cNvPr id="2" name="Title 1">
+            <a:extLst>
+              <a:ext uri="{FF2B5EF4-FFF2-40B4-BE49-F238E27FC236}">
+                <a16:creationId xmlns:a16="http://schemas.microsoft.com/office/drawing/2014/main" id="{85F431AE-9D4A-4DE8-A073-CB79C144BB0A}"/>
+              </a:ext>
+            </a:extLst>
+          </p:cNvPr>
           <p:cNvSpPr>
             <a:spLocks noGrp="1"/>
           </p:cNvSpPr>
@@ -13692,33 +16876,10 @@
             <p:ph type="title"/>
           </p:nvPr>
         </p:nvSpPr>
-        <p:spPr/>
-        <p:txBody>
-          <a:bodyPr/>
-          <a:lstStyle/>
-          <a:p>
-            <a:pPr algn="ctr"/>
-            <a:r>
-              <a:rPr lang="en-US" dirty="0"/>
-              <a:t>A Simple Approach to Creating A Business</a:t>
-            </a:r>
-          </a:p>
-        </p:txBody>
-      </p:sp>
-      <p:sp>
-        <p:nvSpPr>
-          <p:cNvPr id="3" name="Text Placeholder 2"/>
-          <p:cNvSpPr>
-            <a:spLocks noGrp="1"/>
-          </p:cNvSpPr>
-          <p:nvPr>
-            <p:ph type="body" idx="1"/>
-          </p:nvPr>
-        </p:nvSpPr>
         <p:spPr>
           <a:xfrm>
-            <a:off x="1522411" y="1905000"/>
-            <a:ext cx="4416552" cy="762000"/>
+            <a:off x="1522413" y="381000"/>
+            <a:ext cx="9144001" cy="1143000"/>
           </a:xfrm>
         </p:spPr>
         <p:txBody>
@@ -13728,142 +16889,87 @@
             <a:pPr algn="ctr"/>
             <a:r>
               <a:rPr lang="en-US" dirty="0"/>
-              <a:t>Skill barriers</a:t>
+              <a:t>Social Benefits of Black Businesses to Communities</a:t>
             </a:r>
           </a:p>
         </p:txBody>
       </p:sp>
       <p:sp>
         <p:nvSpPr>
-          <p:cNvPr id="4" name="Content Placeholder 3"/>
+          <p:cNvPr id="3" name="Content Placeholder 2">
+            <a:extLst>
+              <a:ext uri="{FF2B5EF4-FFF2-40B4-BE49-F238E27FC236}">
+                <a16:creationId xmlns:a16="http://schemas.microsoft.com/office/drawing/2014/main" id="{C9837FE2-D804-4775-A903-6C3BDF1E3473}"/>
+              </a:ext>
+            </a:extLst>
+          </p:cNvPr>
           <p:cNvSpPr>
             <a:spLocks noGrp="1"/>
           </p:cNvSpPr>
           <p:nvPr>
-            <p:ph sz="half" idx="2"/>
+            <p:ph idx="1"/>
           </p:nvPr>
         </p:nvSpPr>
         <p:spPr>
           <a:xfrm>
-            <a:off x="1522411" y="2743201"/>
-            <a:ext cx="4416552" cy="3276600"/>
+            <a:off x="1522413" y="2438400"/>
+            <a:ext cx="9134391" cy="3962400"/>
           </a:xfrm>
         </p:spPr>
         <p:txBody>
           <a:bodyPr/>
           <a:lstStyle/>
           <a:p>
-            <a:r>
-              <a:rPr lang="en-US" dirty="0"/>
-              <a:t>Technical Skills</a:t>
-            </a:r>
-          </a:p>
-          <a:p>
-            <a:r>
-              <a:rPr lang="en-US" dirty="0"/>
-              <a:t>Soft Skills</a:t>
-            </a:r>
-          </a:p>
-          <a:p>
-            <a:r>
-              <a:rPr lang="en-US" dirty="0"/>
-              <a:t>Business Process Skills</a:t>
-            </a:r>
-          </a:p>
-          <a:p>
-            <a:r>
-              <a:rPr lang="en-US" dirty="0"/>
-              <a:t>Supportive Data Collection</a:t>
-            </a:r>
-          </a:p>
-          <a:p>
             <a:pPr marL="0" indent="0">
               <a:buNone/>
             </a:pPr>
-            <a:endParaRPr lang="en-US" dirty="0"/>
+            <a:r>
+              <a:rPr lang="en-US" dirty="0"/>
+              <a:t>With the exception of Mexican owned Honeybee Market, most of Detroit’s 80 non big-box retailer grocery stores are owned by Chaldeans. Black owned grocery stores should be viewed as necessary to the survival of the people they service.  Black consumers are in a situation where we are dependent on others for survival, and while inner city stores lack the cleanliness and product quality of their suburban counterparts, Detroiters now spend and estimated $200 million on food in the suburbs.  Ownership of neighborhood institutions like grocery stores is one of the things African Americans communities can do to protect themselves from institutional racism and improve their communities.</a:t>
+            </a:r>
           </a:p>
         </p:txBody>
       </p:sp>
       <p:sp>
         <p:nvSpPr>
-          <p:cNvPr id="5" name="Text Placeholder 4"/>
-          <p:cNvSpPr>
-            <a:spLocks noGrp="1"/>
-          </p:cNvSpPr>
-          <p:nvPr>
-            <p:ph type="body" sz="quarter" idx="3"/>
-          </p:nvPr>
+          <p:cNvPr id="4" name="TextBox 3">
+            <a:extLst>
+              <a:ext uri="{FF2B5EF4-FFF2-40B4-BE49-F238E27FC236}">
+                <a16:creationId xmlns:a16="http://schemas.microsoft.com/office/drawing/2014/main" id="{1BFF1F06-67AB-4693-8FA9-F056A1791A1B}"/>
+              </a:ext>
+            </a:extLst>
+          </p:cNvPr>
+          <p:cNvSpPr txBox="1"/>
+          <p:nvPr/>
         </p:nvSpPr>
         <p:spPr>
           <a:xfrm>
-            <a:off x="6249861" y="1905000"/>
-            <a:ext cx="4416552" cy="762000"/>
+            <a:off x="2772506" y="1611868"/>
+            <a:ext cx="6634204" cy="369332"/>
           </a:xfrm>
+          <a:prstGeom prst="rect">
+            <a:avLst/>
+          </a:prstGeom>
+          <a:noFill/>
         </p:spPr>
         <p:txBody>
-          <a:bodyPr/>
+          <a:bodyPr wrap="square" rtlCol="0">
+            <a:spAutoFit/>
+          </a:bodyPr>
           <a:lstStyle/>
           <a:p>
             <a:pPr algn="ctr"/>
             <a:r>
               <a:rPr lang="en-US" dirty="0"/>
-              <a:t>Financial barriers</a:t>
+              <a:t>Why Are There No Black Owned Grocery Stores in Detroit</a:t>
             </a:r>
-          </a:p>
-        </p:txBody>
-      </p:sp>
-      <p:sp>
-        <p:nvSpPr>
-          <p:cNvPr id="6" name="Content Placeholder 5"/>
-          <p:cNvSpPr>
-            <a:spLocks noGrp="1"/>
-          </p:cNvSpPr>
-          <p:nvPr>
-            <p:ph sz="quarter" idx="4"/>
-          </p:nvPr>
-        </p:nvSpPr>
-        <p:spPr>
-          <a:xfrm>
-            <a:off x="6249861" y="2743201"/>
-            <a:ext cx="4416552" cy="3276600"/>
-          </a:xfrm>
-        </p:spPr>
-        <p:txBody>
-          <a:bodyPr/>
-          <a:lstStyle/>
-          <a:p>
-            <a:r>
-              <a:rPr lang="en-US" dirty="0"/>
-              <a:t>Poor/Damaged Personal Credit</a:t>
-            </a:r>
-          </a:p>
-          <a:p>
-            <a:r>
-              <a:rPr lang="en-US" dirty="0"/>
-              <a:t>Poor/Damaged Business Credit</a:t>
-            </a:r>
-          </a:p>
-          <a:p>
-            <a:r>
-              <a:rPr lang="en-US" dirty="0"/>
-              <a:t>Business Plan Development</a:t>
-            </a:r>
-          </a:p>
-          <a:p>
-            <a:r>
-              <a:rPr lang="en-US" dirty="0"/>
-              <a:t>Securing Business Funding</a:t>
-            </a:r>
-          </a:p>
-          <a:p>
-            <a:endParaRPr lang="en-US" dirty="0"/>
           </a:p>
         </p:txBody>
       </p:sp>
     </p:spTree>
     <p:extLst>
       <p:ext uri="{BB962C8B-B14F-4D97-AF65-F5344CB8AC3E}">
-        <p14:creationId xmlns:p14="http://schemas.microsoft.com/office/powerpoint/2010/main" val="2681425051"/>
+        <p14:creationId xmlns:p14="http://schemas.microsoft.com/office/powerpoint/2010/main" val="3583861957"/>
       </p:ext>
     </p:extLst>
   </p:cSld>
@@ -14665,6 +17771,142 @@
 </file>
 
 <file path=customXml/item1.xml><?xml version="1.0" encoding="utf-8"?>
+<?mso-contentType ?>
+<FormTemplates xmlns="http://schemas.microsoft.com/sharepoint/v3/contenttype/forms">
+  <Display>DocumentLibraryForm</Display>
+  <Edit>AssetEditForm</Edit>
+  <New>DocumentLibraryForm</New>
+</FormTemplates>
+</file>
+
+<file path=customXml/item2.xml><?xml version="1.0" encoding="utf-8"?>
+<p:properties xmlns:p="http://schemas.microsoft.com/office/2006/metadata/properties" xmlns:xsi="http://www.w3.org/2001/XMLSchema-instance" xmlns:pc="http://schemas.microsoft.com/office/infopath/2007/PartnerControls">
+  <documentManagement>
+    <DirectSourceMarket xmlns="4873beb7-5857-4685-be1f-d57550cc96cc" xsi:nil="true"/>
+    <ApprovalStatus xmlns="4873beb7-5857-4685-be1f-d57550cc96cc">InProgress</ApprovalStatus>
+    <MarketSpecific xmlns="4873beb7-5857-4685-be1f-d57550cc96cc">false</MarketSpecific>
+    <LocComments xmlns="4873beb7-5857-4685-be1f-d57550cc96cc" xsi:nil="true"/>
+    <ThumbnailAssetId xmlns="4873beb7-5857-4685-be1f-d57550cc96cc" xsi:nil="true"/>
+    <PrimaryImageGen xmlns="4873beb7-5857-4685-be1f-d57550cc96cc">true</PrimaryImageGen>
+    <LegacyData xmlns="4873beb7-5857-4685-be1f-d57550cc96cc" xsi:nil="true"/>
+    <LocRecommendedHandoff xmlns="4873beb7-5857-4685-be1f-d57550cc96cc" xsi:nil="true"/>
+    <BusinessGroup xmlns="4873beb7-5857-4685-be1f-d57550cc96cc" xsi:nil="true"/>
+    <BlockPublish xmlns="4873beb7-5857-4685-be1f-d57550cc96cc">false</BlockPublish>
+    <TPFriendlyName xmlns="4873beb7-5857-4685-be1f-d57550cc96cc" xsi:nil="true"/>
+    <NumericId xmlns="4873beb7-5857-4685-be1f-d57550cc96cc" xsi:nil="true"/>
+    <APEditor xmlns="4873beb7-5857-4685-be1f-d57550cc96cc">
+      <UserInfo>
+        <DisplayName/>
+        <AccountId xsi:nil="true"/>
+        <AccountType/>
+      </UserInfo>
+    </APEditor>
+    <SourceTitle xmlns="4873beb7-5857-4685-be1f-d57550cc96cc" xsi:nil="true"/>
+    <OpenTemplate xmlns="4873beb7-5857-4685-be1f-d57550cc96cc">true</OpenTemplate>
+    <UALocComments xmlns="4873beb7-5857-4685-be1f-d57550cc96cc" xsi:nil="true"/>
+    <ParentAssetId xmlns="4873beb7-5857-4685-be1f-d57550cc96cc" xsi:nil="true"/>
+    <IntlLangReviewDate xmlns="4873beb7-5857-4685-be1f-d57550cc96cc" xsi:nil="true"/>
+    <FeatureTagsTaxHTField0 xmlns="4873beb7-5857-4685-be1f-d57550cc96cc">
+      <Terms xmlns="http://schemas.microsoft.com/office/infopath/2007/PartnerControls"/>
+    </FeatureTagsTaxHTField0>
+    <PublishStatusLookup xmlns="4873beb7-5857-4685-be1f-d57550cc96cc">
+      <Value>1564227</Value>
+    </PublishStatusLookup>
+    <Providers xmlns="4873beb7-5857-4685-be1f-d57550cc96cc" xsi:nil="true"/>
+    <MachineTranslated xmlns="4873beb7-5857-4685-be1f-d57550cc96cc">false</MachineTranslated>
+    <OriginalSourceMarket xmlns="4873beb7-5857-4685-be1f-d57550cc96cc" xsi:nil="true"/>
+    <APDescription xmlns="4873beb7-5857-4685-be1f-d57550cc96cc">Take your audience through a digital tunnel where they'll  burst through to the other side and see the information you want to present. Show them lists, charts, tables, SmartArt,  and pictures using a variety of layouts in widescreen (16X9) format. This design works well for subjects on science and technology, computers, communication, and more.   
+</APDescription>
+    <ClipArtFilename xmlns="4873beb7-5857-4685-be1f-d57550cc96cc" xsi:nil="true"/>
+    <ContentItem xmlns="4873beb7-5857-4685-be1f-d57550cc96cc" xsi:nil="true"/>
+    <TPInstallLocation xmlns="4873beb7-5857-4685-be1f-d57550cc96cc" xsi:nil="true"/>
+    <PublishTargets xmlns="4873beb7-5857-4685-be1f-d57550cc96cc">OfficeOnlineVNext</PublishTargets>
+    <TimesCloned xmlns="4873beb7-5857-4685-be1f-d57550cc96cc" xsi:nil="true"/>
+    <AssetStart xmlns="4873beb7-5857-4685-be1f-d57550cc96cc">2012-05-11T02:04:00+00:00</AssetStart>
+    <Provider xmlns="4873beb7-5857-4685-be1f-d57550cc96cc" xsi:nil="true"/>
+    <AcquiredFrom xmlns="4873beb7-5857-4685-be1f-d57550cc96cc">Internal MS</AcquiredFrom>
+    <FriendlyTitle xmlns="4873beb7-5857-4685-be1f-d57550cc96cc" xsi:nil="true"/>
+    <LastHandOff xmlns="4873beb7-5857-4685-be1f-d57550cc96cc" xsi:nil="true"/>
+    <TPClientViewer xmlns="4873beb7-5857-4685-be1f-d57550cc96cc" xsi:nil="true"/>
+    <UACurrentWords xmlns="4873beb7-5857-4685-be1f-d57550cc96cc" xsi:nil="true"/>
+    <ArtSampleDocs xmlns="4873beb7-5857-4685-be1f-d57550cc96cc" xsi:nil="true"/>
+    <UALocRecommendation xmlns="4873beb7-5857-4685-be1f-d57550cc96cc">Localize</UALocRecommendation>
+    <Manager xmlns="4873beb7-5857-4685-be1f-d57550cc96cc" xsi:nil="true"/>
+    <ShowIn xmlns="4873beb7-5857-4685-be1f-d57550cc96cc">Show everywhere</ShowIn>
+    <UANotes xmlns="4873beb7-5857-4685-be1f-d57550cc96cc" xsi:nil="true"/>
+    <TemplateStatus xmlns="4873beb7-5857-4685-be1f-d57550cc96cc">Complete</TemplateStatus>
+    <InternalTagsTaxHTField0 xmlns="4873beb7-5857-4685-be1f-d57550cc96cc">
+      <Terms xmlns="http://schemas.microsoft.com/office/infopath/2007/PartnerControls"/>
+    </InternalTagsTaxHTField0>
+    <CSXHash xmlns="4873beb7-5857-4685-be1f-d57550cc96cc" xsi:nil="true"/>
+    <Downloads xmlns="4873beb7-5857-4685-be1f-d57550cc96cc">0</Downloads>
+    <VoteCount xmlns="4873beb7-5857-4685-be1f-d57550cc96cc" xsi:nil="true"/>
+    <OOCacheId xmlns="4873beb7-5857-4685-be1f-d57550cc96cc" xsi:nil="true"/>
+    <IsDeleted xmlns="4873beb7-5857-4685-be1f-d57550cc96cc">false</IsDeleted>
+    <AssetExpire xmlns="4873beb7-5857-4685-be1f-d57550cc96cc">2029-01-01T08:00:00+00:00</AssetExpire>
+    <DSATActionTaken xmlns="4873beb7-5857-4685-be1f-d57550cc96cc" xsi:nil="true"/>
+    <CSXSubmissionMarket xmlns="4873beb7-5857-4685-be1f-d57550cc96cc" xsi:nil="true"/>
+    <TPExecutable xmlns="4873beb7-5857-4685-be1f-d57550cc96cc" xsi:nil="true"/>
+    <SubmitterId xmlns="4873beb7-5857-4685-be1f-d57550cc96cc" xsi:nil="true"/>
+    <EditorialTags xmlns="4873beb7-5857-4685-be1f-d57550cc96cc" xsi:nil="true"/>
+    <ApprovalLog xmlns="4873beb7-5857-4685-be1f-d57550cc96cc" xsi:nil="true"/>
+    <AssetType xmlns="4873beb7-5857-4685-be1f-d57550cc96cc">TP</AssetType>
+    <BugNumber xmlns="4873beb7-5857-4685-be1f-d57550cc96cc" xsi:nil="true"/>
+    <CSXSubmissionDate xmlns="4873beb7-5857-4685-be1f-d57550cc96cc" xsi:nil="true"/>
+    <CSXUpdate xmlns="4873beb7-5857-4685-be1f-d57550cc96cc">false</CSXUpdate>
+    <Milestone xmlns="4873beb7-5857-4685-be1f-d57550cc96cc" xsi:nil="true"/>
+    <RecommendationsModifier xmlns="4873beb7-5857-4685-be1f-d57550cc96cc" xsi:nil="true"/>
+    <OriginAsset xmlns="4873beb7-5857-4685-be1f-d57550cc96cc" xsi:nil="true"/>
+    <TPComponent xmlns="4873beb7-5857-4685-be1f-d57550cc96cc" xsi:nil="true"/>
+    <AssetId xmlns="4873beb7-5857-4685-be1f-d57550cc96cc">TP102895246</AssetId>
+    <IntlLocPriority xmlns="4873beb7-5857-4685-be1f-d57550cc96cc" xsi:nil="true"/>
+    <PolicheckWords xmlns="4873beb7-5857-4685-be1f-d57550cc96cc" xsi:nil="true"/>
+    <TPLaunchHelpLink xmlns="4873beb7-5857-4685-be1f-d57550cc96cc" xsi:nil="true"/>
+    <TPApplication xmlns="4873beb7-5857-4685-be1f-d57550cc96cc" xsi:nil="true"/>
+    <CrawlForDependencies xmlns="4873beb7-5857-4685-be1f-d57550cc96cc">false</CrawlForDependencies>
+    <HandoffToMSDN xmlns="4873beb7-5857-4685-be1f-d57550cc96cc" xsi:nil="true"/>
+    <PlannedPubDate xmlns="4873beb7-5857-4685-be1f-d57550cc96cc" xsi:nil="true"/>
+    <IntlLangReviewer xmlns="4873beb7-5857-4685-be1f-d57550cc96cc" xsi:nil="true"/>
+    <TrustLevel xmlns="4873beb7-5857-4685-be1f-d57550cc96cc">1 Microsoft Managed Content</TrustLevel>
+    <LocLastLocAttemptVersionLookup xmlns="4873beb7-5857-4685-be1f-d57550cc96cc">835483</LocLastLocAttemptVersionLookup>
+    <IsSearchable xmlns="4873beb7-5857-4685-be1f-d57550cc96cc">true</IsSearchable>
+    <TemplateTemplateType xmlns="4873beb7-5857-4685-be1f-d57550cc96cc">PowerPoint Presentation Template</TemplateTemplateType>
+    <CampaignTagsTaxHTField0 xmlns="4873beb7-5857-4685-be1f-d57550cc96cc">
+      <Terms xmlns="http://schemas.microsoft.com/office/infopath/2007/PartnerControls"/>
+    </CampaignTagsTaxHTField0>
+    <TPNamespace xmlns="4873beb7-5857-4685-be1f-d57550cc96cc" xsi:nil="true"/>
+    <TaxCatchAll xmlns="4873beb7-5857-4685-be1f-d57550cc96cc"/>
+    <Markets xmlns="4873beb7-5857-4685-be1f-d57550cc96cc"/>
+    <UAProjectedTotalWords xmlns="4873beb7-5857-4685-be1f-d57550cc96cc" xsi:nil="true"/>
+    <IntlLangReview xmlns="4873beb7-5857-4685-be1f-d57550cc96cc">false</IntlLangReview>
+    <OutputCachingOn xmlns="4873beb7-5857-4685-be1f-d57550cc96cc">false</OutputCachingOn>
+    <AverageRating xmlns="4873beb7-5857-4685-be1f-d57550cc96cc" xsi:nil="true"/>
+    <APAuthor xmlns="4873beb7-5857-4685-be1f-d57550cc96cc">
+      <UserInfo>
+        <DisplayName>REDMOND\v-vaddu</DisplayName>
+        <AccountId>2567</AccountId>
+        <AccountType/>
+      </UserInfo>
+    </APAuthor>
+    <LocManualTestRequired xmlns="4873beb7-5857-4685-be1f-d57550cc96cc">false</LocManualTestRequired>
+    <TPCommandLine xmlns="4873beb7-5857-4685-be1f-d57550cc96cc" xsi:nil="true"/>
+    <TPAppVersion xmlns="4873beb7-5857-4685-be1f-d57550cc96cc" xsi:nil="true"/>
+    <EditorialStatus xmlns="4873beb7-5857-4685-be1f-d57550cc96cc">Complete</EditorialStatus>
+    <LastModifiedDateTime xmlns="4873beb7-5857-4685-be1f-d57550cc96cc" xsi:nil="true"/>
+    <ScenarioTagsTaxHTField0 xmlns="4873beb7-5857-4685-be1f-d57550cc96cc">
+      <Terms xmlns="http://schemas.microsoft.com/office/infopath/2007/PartnerControls"/>
+    </ScenarioTagsTaxHTField0>
+    <OriginalRelease xmlns="4873beb7-5857-4685-be1f-d57550cc96cc">15</OriginalRelease>
+    <TPLaunchHelpLinkType xmlns="4873beb7-5857-4685-be1f-d57550cc96cc">Template</TPLaunchHelpLinkType>
+    <LocalizationTagsTaxHTField0 xmlns="4873beb7-5857-4685-be1f-d57550cc96cc">
+      <Terms xmlns="http://schemas.microsoft.com/office/infopath/2007/PartnerControls"/>
+    </LocalizationTagsTaxHTField0>
+    <LocMarketGroupTiers2 xmlns="4873beb7-5857-4685-be1f-d57550cc96cc" xsi:nil="true"/>
+  </documentManagement>
+</p:properties>
+</file>
+
+<file path=customXml/item3.xml><?xml version="1.0" encoding="utf-8"?>
 <ct:contentTypeSchema xmlns:ct="http://schemas.microsoft.com/office/2006/metadata/contentType" xmlns:ma="http://schemas.microsoft.com/office/2006/metadata/properties/metaAttributes" ct:_="" ma:_="" ma:contentTypeName="TemplateFile" ma:contentTypeID="0x0101006EDDDB5EE6D98C44930B742096920B300400F5B6D36B3EF94B4E9A635CDF2A18F5B8" ma:contentTypeVersion="72" ma:contentTypeDescription="Create a new document." ma:contentTypeScope="" ma:versionID="a23e56308344d904b51738559c3d67c9">
   <xsd:schema xmlns:xsd="http://www.w3.org/2001/XMLSchema" xmlns:xs="http://www.w3.org/2001/XMLSchema" xmlns:p="http://schemas.microsoft.com/office/2006/metadata/properties" xmlns:ns2="4873beb7-5857-4685-be1f-d57550cc96cc" targetNamespace="http://schemas.microsoft.com/office/2006/metadata/properties" ma:root="true" ma:fieldsID="cd0908cc4600e77bf5da051303e00c8d" ns2:_="">
     <xsd:import namespace="4873beb7-5857-4685-be1f-d57550cc96cc"/>
@@ -15704,156 +18946,10 @@
 </ct:contentTypeSchema>
 </file>
 
-<file path=customXml/item2.xml><?xml version="1.0" encoding="utf-8"?>
-<p:properties xmlns:p="http://schemas.microsoft.com/office/2006/metadata/properties" xmlns:xsi="http://www.w3.org/2001/XMLSchema-instance" xmlns:pc="http://schemas.microsoft.com/office/infopath/2007/PartnerControls">
-  <documentManagement>
-    <DirectSourceMarket xmlns="4873beb7-5857-4685-be1f-d57550cc96cc" xsi:nil="true"/>
-    <ApprovalStatus xmlns="4873beb7-5857-4685-be1f-d57550cc96cc">InProgress</ApprovalStatus>
-    <MarketSpecific xmlns="4873beb7-5857-4685-be1f-d57550cc96cc">false</MarketSpecific>
-    <LocComments xmlns="4873beb7-5857-4685-be1f-d57550cc96cc" xsi:nil="true"/>
-    <ThumbnailAssetId xmlns="4873beb7-5857-4685-be1f-d57550cc96cc" xsi:nil="true"/>
-    <PrimaryImageGen xmlns="4873beb7-5857-4685-be1f-d57550cc96cc">true</PrimaryImageGen>
-    <LegacyData xmlns="4873beb7-5857-4685-be1f-d57550cc96cc" xsi:nil="true"/>
-    <LocRecommendedHandoff xmlns="4873beb7-5857-4685-be1f-d57550cc96cc" xsi:nil="true"/>
-    <BusinessGroup xmlns="4873beb7-5857-4685-be1f-d57550cc96cc" xsi:nil="true"/>
-    <BlockPublish xmlns="4873beb7-5857-4685-be1f-d57550cc96cc">false</BlockPublish>
-    <TPFriendlyName xmlns="4873beb7-5857-4685-be1f-d57550cc96cc" xsi:nil="true"/>
-    <NumericId xmlns="4873beb7-5857-4685-be1f-d57550cc96cc" xsi:nil="true"/>
-    <APEditor xmlns="4873beb7-5857-4685-be1f-d57550cc96cc">
-      <UserInfo>
-        <DisplayName/>
-        <AccountId xsi:nil="true"/>
-        <AccountType/>
-      </UserInfo>
-    </APEditor>
-    <SourceTitle xmlns="4873beb7-5857-4685-be1f-d57550cc96cc" xsi:nil="true"/>
-    <OpenTemplate xmlns="4873beb7-5857-4685-be1f-d57550cc96cc">true</OpenTemplate>
-    <UALocComments xmlns="4873beb7-5857-4685-be1f-d57550cc96cc" xsi:nil="true"/>
-    <ParentAssetId xmlns="4873beb7-5857-4685-be1f-d57550cc96cc" xsi:nil="true"/>
-    <IntlLangReviewDate xmlns="4873beb7-5857-4685-be1f-d57550cc96cc" xsi:nil="true"/>
-    <FeatureTagsTaxHTField0 xmlns="4873beb7-5857-4685-be1f-d57550cc96cc">
-      <Terms xmlns="http://schemas.microsoft.com/office/infopath/2007/PartnerControls"/>
-    </FeatureTagsTaxHTField0>
-    <PublishStatusLookup xmlns="4873beb7-5857-4685-be1f-d57550cc96cc">
-      <Value>1564227</Value>
-    </PublishStatusLookup>
-    <Providers xmlns="4873beb7-5857-4685-be1f-d57550cc96cc" xsi:nil="true"/>
-    <MachineTranslated xmlns="4873beb7-5857-4685-be1f-d57550cc96cc">false</MachineTranslated>
-    <OriginalSourceMarket xmlns="4873beb7-5857-4685-be1f-d57550cc96cc" xsi:nil="true"/>
-    <APDescription xmlns="4873beb7-5857-4685-be1f-d57550cc96cc">Take your audience through a digital tunnel where they'll  burst through to the other side and see the information you want to present. Show them lists, charts, tables, SmartArt,  and pictures using a variety of layouts in widescreen (16X9) format. This design works well for subjects on science and technology, computers, communication, and more.   
-</APDescription>
-    <ClipArtFilename xmlns="4873beb7-5857-4685-be1f-d57550cc96cc" xsi:nil="true"/>
-    <ContentItem xmlns="4873beb7-5857-4685-be1f-d57550cc96cc" xsi:nil="true"/>
-    <TPInstallLocation xmlns="4873beb7-5857-4685-be1f-d57550cc96cc" xsi:nil="true"/>
-    <PublishTargets xmlns="4873beb7-5857-4685-be1f-d57550cc96cc">OfficeOnlineVNext</PublishTargets>
-    <TimesCloned xmlns="4873beb7-5857-4685-be1f-d57550cc96cc" xsi:nil="true"/>
-    <AssetStart xmlns="4873beb7-5857-4685-be1f-d57550cc96cc">2012-05-11T02:04:00+00:00</AssetStart>
-    <Provider xmlns="4873beb7-5857-4685-be1f-d57550cc96cc" xsi:nil="true"/>
-    <AcquiredFrom xmlns="4873beb7-5857-4685-be1f-d57550cc96cc">Internal MS</AcquiredFrom>
-    <FriendlyTitle xmlns="4873beb7-5857-4685-be1f-d57550cc96cc" xsi:nil="true"/>
-    <LastHandOff xmlns="4873beb7-5857-4685-be1f-d57550cc96cc" xsi:nil="true"/>
-    <TPClientViewer xmlns="4873beb7-5857-4685-be1f-d57550cc96cc" xsi:nil="true"/>
-    <UACurrentWords xmlns="4873beb7-5857-4685-be1f-d57550cc96cc" xsi:nil="true"/>
-    <ArtSampleDocs xmlns="4873beb7-5857-4685-be1f-d57550cc96cc" xsi:nil="true"/>
-    <UALocRecommendation xmlns="4873beb7-5857-4685-be1f-d57550cc96cc">Localize</UALocRecommendation>
-    <Manager xmlns="4873beb7-5857-4685-be1f-d57550cc96cc" xsi:nil="true"/>
-    <ShowIn xmlns="4873beb7-5857-4685-be1f-d57550cc96cc">Show everywhere</ShowIn>
-    <UANotes xmlns="4873beb7-5857-4685-be1f-d57550cc96cc" xsi:nil="true"/>
-    <TemplateStatus xmlns="4873beb7-5857-4685-be1f-d57550cc96cc">Complete</TemplateStatus>
-    <InternalTagsTaxHTField0 xmlns="4873beb7-5857-4685-be1f-d57550cc96cc">
-      <Terms xmlns="http://schemas.microsoft.com/office/infopath/2007/PartnerControls"/>
-    </InternalTagsTaxHTField0>
-    <CSXHash xmlns="4873beb7-5857-4685-be1f-d57550cc96cc" xsi:nil="true"/>
-    <Downloads xmlns="4873beb7-5857-4685-be1f-d57550cc96cc">0</Downloads>
-    <VoteCount xmlns="4873beb7-5857-4685-be1f-d57550cc96cc" xsi:nil="true"/>
-    <OOCacheId xmlns="4873beb7-5857-4685-be1f-d57550cc96cc" xsi:nil="true"/>
-    <IsDeleted xmlns="4873beb7-5857-4685-be1f-d57550cc96cc">false</IsDeleted>
-    <AssetExpire xmlns="4873beb7-5857-4685-be1f-d57550cc96cc">2029-01-01T08:00:00+00:00</AssetExpire>
-    <DSATActionTaken xmlns="4873beb7-5857-4685-be1f-d57550cc96cc" xsi:nil="true"/>
-    <CSXSubmissionMarket xmlns="4873beb7-5857-4685-be1f-d57550cc96cc" xsi:nil="true"/>
-    <TPExecutable xmlns="4873beb7-5857-4685-be1f-d57550cc96cc" xsi:nil="true"/>
-    <SubmitterId xmlns="4873beb7-5857-4685-be1f-d57550cc96cc" xsi:nil="true"/>
-    <EditorialTags xmlns="4873beb7-5857-4685-be1f-d57550cc96cc" xsi:nil="true"/>
-    <ApprovalLog xmlns="4873beb7-5857-4685-be1f-d57550cc96cc" xsi:nil="true"/>
-    <AssetType xmlns="4873beb7-5857-4685-be1f-d57550cc96cc">TP</AssetType>
-    <BugNumber xmlns="4873beb7-5857-4685-be1f-d57550cc96cc" xsi:nil="true"/>
-    <CSXSubmissionDate xmlns="4873beb7-5857-4685-be1f-d57550cc96cc" xsi:nil="true"/>
-    <CSXUpdate xmlns="4873beb7-5857-4685-be1f-d57550cc96cc">false</CSXUpdate>
-    <Milestone xmlns="4873beb7-5857-4685-be1f-d57550cc96cc" xsi:nil="true"/>
-    <RecommendationsModifier xmlns="4873beb7-5857-4685-be1f-d57550cc96cc" xsi:nil="true"/>
-    <OriginAsset xmlns="4873beb7-5857-4685-be1f-d57550cc96cc" xsi:nil="true"/>
-    <TPComponent xmlns="4873beb7-5857-4685-be1f-d57550cc96cc" xsi:nil="true"/>
-    <AssetId xmlns="4873beb7-5857-4685-be1f-d57550cc96cc">TP102895246</AssetId>
-    <IntlLocPriority xmlns="4873beb7-5857-4685-be1f-d57550cc96cc" xsi:nil="true"/>
-    <PolicheckWords xmlns="4873beb7-5857-4685-be1f-d57550cc96cc" xsi:nil="true"/>
-    <TPLaunchHelpLink xmlns="4873beb7-5857-4685-be1f-d57550cc96cc" xsi:nil="true"/>
-    <TPApplication xmlns="4873beb7-5857-4685-be1f-d57550cc96cc" xsi:nil="true"/>
-    <CrawlForDependencies xmlns="4873beb7-5857-4685-be1f-d57550cc96cc">false</CrawlForDependencies>
-    <HandoffToMSDN xmlns="4873beb7-5857-4685-be1f-d57550cc96cc" xsi:nil="true"/>
-    <PlannedPubDate xmlns="4873beb7-5857-4685-be1f-d57550cc96cc" xsi:nil="true"/>
-    <IntlLangReviewer xmlns="4873beb7-5857-4685-be1f-d57550cc96cc" xsi:nil="true"/>
-    <TrustLevel xmlns="4873beb7-5857-4685-be1f-d57550cc96cc">1 Microsoft Managed Content</TrustLevel>
-    <LocLastLocAttemptVersionLookup xmlns="4873beb7-5857-4685-be1f-d57550cc96cc">835483</LocLastLocAttemptVersionLookup>
-    <IsSearchable xmlns="4873beb7-5857-4685-be1f-d57550cc96cc">true</IsSearchable>
-    <TemplateTemplateType xmlns="4873beb7-5857-4685-be1f-d57550cc96cc">PowerPoint Presentation Template</TemplateTemplateType>
-    <CampaignTagsTaxHTField0 xmlns="4873beb7-5857-4685-be1f-d57550cc96cc">
-      <Terms xmlns="http://schemas.microsoft.com/office/infopath/2007/PartnerControls"/>
-    </CampaignTagsTaxHTField0>
-    <TPNamespace xmlns="4873beb7-5857-4685-be1f-d57550cc96cc" xsi:nil="true"/>
-    <TaxCatchAll xmlns="4873beb7-5857-4685-be1f-d57550cc96cc"/>
-    <Markets xmlns="4873beb7-5857-4685-be1f-d57550cc96cc"/>
-    <UAProjectedTotalWords xmlns="4873beb7-5857-4685-be1f-d57550cc96cc" xsi:nil="true"/>
-    <IntlLangReview xmlns="4873beb7-5857-4685-be1f-d57550cc96cc">false</IntlLangReview>
-    <OutputCachingOn xmlns="4873beb7-5857-4685-be1f-d57550cc96cc">false</OutputCachingOn>
-    <AverageRating xmlns="4873beb7-5857-4685-be1f-d57550cc96cc" xsi:nil="true"/>
-    <APAuthor xmlns="4873beb7-5857-4685-be1f-d57550cc96cc">
-      <UserInfo>
-        <DisplayName>REDMOND\v-vaddu</DisplayName>
-        <AccountId>2567</AccountId>
-        <AccountType/>
-      </UserInfo>
-    </APAuthor>
-    <LocManualTestRequired xmlns="4873beb7-5857-4685-be1f-d57550cc96cc">false</LocManualTestRequired>
-    <TPCommandLine xmlns="4873beb7-5857-4685-be1f-d57550cc96cc" xsi:nil="true"/>
-    <TPAppVersion xmlns="4873beb7-5857-4685-be1f-d57550cc96cc" xsi:nil="true"/>
-    <EditorialStatus xmlns="4873beb7-5857-4685-be1f-d57550cc96cc">Complete</EditorialStatus>
-    <LastModifiedDateTime xmlns="4873beb7-5857-4685-be1f-d57550cc96cc" xsi:nil="true"/>
-    <ScenarioTagsTaxHTField0 xmlns="4873beb7-5857-4685-be1f-d57550cc96cc">
-      <Terms xmlns="http://schemas.microsoft.com/office/infopath/2007/PartnerControls"/>
-    </ScenarioTagsTaxHTField0>
-    <OriginalRelease xmlns="4873beb7-5857-4685-be1f-d57550cc96cc">15</OriginalRelease>
-    <TPLaunchHelpLinkType xmlns="4873beb7-5857-4685-be1f-d57550cc96cc">Template</TPLaunchHelpLinkType>
-    <LocalizationTagsTaxHTField0 xmlns="4873beb7-5857-4685-be1f-d57550cc96cc">
-      <Terms xmlns="http://schemas.microsoft.com/office/infopath/2007/PartnerControls"/>
-    </LocalizationTagsTaxHTField0>
-    <LocMarketGroupTiers2 xmlns="4873beb7-5857-4685-be1f-d57550cc96cc" xsi:nil="true"/>
-  </documentManagement>
-</p:properties>
-</file>
-
-<file path=customXml/item3.xml><?xml version="1.0" encoding="utf-8"?>
-<?mso-contentType ?>
-<FormTemplates xmlns="http://schemas.microsoft.com/sharepoint/v3/contenttype/forms">
-  <Display>DocumentLibraryForm</Display>
-  <Edit>AssetEditForm</Edit>
-  <New>DocumentLibraryForm</New>
-</FormTemplates>
-</file>
-
 <file path=customXml/itemProps1.xml><?xml version="1.0" encoding="utf-8"?>
-<ds:datastoreItem xmlns:ds="http://schemas.openxmlformats.org/officeDocument/2006/customXml" ds:itemID="{22CCB507-0646-4A50-A4F7-7F385079D589}">
+<ds:datastoreItem xmlns:ds="http://schemas.openxmlformats.org/officeDocument/2006/customXml" ds:itemID="{74228E6B-D70C-44BB-A81F-A245495F612B}">
   <ds:schemaRefs>
-    <ds:schemaRef ds:uri="http://schemas.microsoft.com/office/2006/metadata/contentType"/>
-    <ds:schemaRef ds:uri="http://schemas.microsoft.com/office/2006/metadata/properties/metaAttributes"/>
-    <ds:schemaRef ds:uri="http://www.w3.org/2001/XMLSchema"/>
-    <ds:schemaRef ds:uri="http://schemas.microsoft.com/office/2006/metadata/properties"/>
-    <ds:schemaRef ds:uri="4873beb7-5857-4685-be1f-d57550cc96cc"/>
-    <ds:schemaRef ds:uri="http://schemas.microsoft.com/office/2006/documentManagement/types"/>
-    <ds:schemaRef ds:uri="http://schemas.microsoft.com/office/infopath/2007/PartnerControls"/>
-    <ds:schemaRef ds:uri="http://schemas.openxmlformats.org/package/2006/metadata/core-properties"/>
-    <ds:schemaRef ds:uri="http://purl.org/dc/elements/1.1/"/>
-    <ds:schemaRef ds:uri="http://purl.org/dc/terms/"/>
-    <ds:schemaRef ds:uri="http://schemas.microsoft.com/internal/obd"/>
+    <ds:schemaRef ds:uri="http://schemas.microsoft.com/sharepoint/v3/contenttype/forms"/>
   </ds:schemaRefs>
 </ds:datastoreItem>
 </file>
@@ -15875,9 +18971,19 @@
 </file>
 
 <file path=customXml/itemProps3.xml><?xml version="1.0" encoding="utf-8"?>
-<ds:datastoreItem xmlns:ds="http://schemas.openxmlformats.org/officeDocument/2006/customXml" ds:itemID="{74228E6B-D70C-44BB-A81F-A245495F612B}">
+<ds:datastoreItem xmlns:ds="http://schemas.openxmlformats.org/officeDocument/2006/customXml" ds:itemID="{22CCB507-0646-4A50-A4F7-7F385079D589}">
   <ds:schemaRefs>
-    <ds:schemaRef ds:uri="http://schemas.microsoft.com/sharepoint/v3/contenttype/forms"/>
+    <ds:schemaRef ds:uri="http://schemas.microsoft.com/office/2006/metadata/contentType"/>
+    <ds:schemaRef ds:uri="http://schemas.microsoft.com/office/2006/metadata/properties/metaAttributes"/>
+    <ds:schemaRef ds:uri="http://www.w3.org/2001/XMLSchema"/>
+    <ds:schemaRef ds:uri="http://schemas.microsoft.com/office/2006/metadata/properties"/>
+    <ds:schemaRef ds:uri="4873beb7-5857-4685-be1f-d57550cc96cc"/>
+    <ds:schemaRef ds:uri="http://schemas.microsoft.com/office/2006/documentManagement/types"/>
+    <ds:schemaRef ds:uri="http://schemas.microsoft.com/office/infopath/2007/PartnerControls"/>
+    <ds:schemaRef ds:uri="http://schemas.openxmlformats.org/package/2006/metadata/core-properties"/>
+    <ds:schemaRef ds:uri="http://purl.org/dc/elements/1.1/"/>
+    <ds:schemaRef ds:uri="http://purl.org/dc/terms/"/>
+    <ds:schemaRef ds:uri="http://schemas.microsoft.com/internal/obd"/>
   </ds:schemaRefs>
 </ds:datastoreItem>
 </file>
--- a/collection/NumberOneTraining.pptx
+++ b/collection/NumberOneTraining.pptx
@@ -155,7 +155,7 @@
 </file>
 
 <file path=ppt/charts/chart1.xml><?xml version="1.0" encoding="utf-8"?>
-<c:chartSpace xmlns:c="http://schemas.openxmlformats.org/drawingml/2006/chart" xmlns:a="http://schemas.openxmlformats.org/drawingml/2006/main" xmlns:r="http://schemas.openxmlformats.org/officeDocument/2006/relationships" xmlns:c16r2="http://schemas.microsoft.com/office/drawing/2015/06/chart">
+<c:chartSpace xmlns:c="http://schemas.openxmlformats.org/drawingml/2006/chart" xmlns:a="http://schemas.openxmlformats.org/drawingml/2006/main" xmlns:r="http://schemas.openxmlformats.org/officeDocument/2006/relationships">
   <c:date1904 val="0"/>
   <c:lang val="en-US"/>
   <c:roundedCorners val="0"/>
@@ -224,10 +224,10 @@
           <c:layoutTarget val="inner"/>
           <c:xMode val="edge"/>
           <c:yMode val="edge"/>
-          <c:x val="0.32474061180308672"/>
-          <c:y val="8.2608492431596708E-2"/>
-          <c:w val="0.62059264489749011"/>
-          <c:h val="0.82046381188652784"/>
+          <c:x val="0.324740611803087"/>
+          <c:y val="0.0826084924315967"/>
+          <c:w val="0.62059264489749"/>
+          <c:h val="0.820463811886528"/>
         </c:manualLayout>
       </c:layout>
       <c:barChart>
@@ -316,7 +316,7 @@
             <c:showPercent val="0"/>
             <c:showBubbleSize val="0"/>
             <c:showLeaderLines val="0"/>
-            <c:extLst>
+            <c:extLst xmlns:c16r2="http://schemas.microsoft.com/office/drawing/2015/06/chart">
               <c:ext xmlns:c15="http://schemas.microsoft.com/office/drawing/2012/chart" uri="{CE6537A1-D6FC-4f65-9D91-7224C49458BB}">
                 <c15:showLeaderLines val="1"/>
                 <c15:leaderLines>
@@ -380,39 +380,39 @@
                 <c:formatCode>General</c:formatCode>
                 <c:ptCount val="10"/>
                 <c:pt idx="0">
-                  <c:v>40959</c:v>
+                  <c:v>40959.0</c:v>
                 </c:pt>
                 <c:pt idx="1">
-                  <c:v>47727</c:v>
+                  <c:v>47727.0</c:v>
                 </c:pt>
                 <c:pt idx="2">
-                  <c:v>92655</c:v>
+                  <c:v>92655.0</c:v>
                 </c:pt>
                 <c:pt idx="3">
-                  <c:v>86357</c:v>
+                  <c:v>86357.0</c:v>
                 </c:pt>
                 <c:pt idx="4">
-                  <c:v>128818</c:v>
+                  <c:v>128818.0</c:v>
                 </c:pt>
                 <c:pt idx="5">
-                  <c:v>148181</c:v>
+                  <c:v>148181.0</c:v>
                 </c:pt>
                 <c:pt idx="6">
-                  <c:v>168386</c:v>
+                  <c:v>168386.0</c:v>
                 </c:pt>
                 <c:pt idx="7">
-                  <c:v>163761</c:v>
+                  <c:v>163761.0</c:v>
                 </c:pt>
                 <c:pt idx="8">
-                  <c:v>216763</c:v>
+                  <c:v>216763.0</c:v>
                 </c:pt>
                 <c:pt idx="9">
-                  <c:v>365140</c:v>
+                  <c:v>365140.0</c:v>
                 </c:pt>
               </c:numCache>
             </c:numRef>
           </c:val>
-          <c:extLst>
+          <c:extLst xmlns:c16r2="http://schemas.microsoft.com/office/drawing/2015/06/chart">
             <c:ext xmlns:c16="http://schemas.microsoft.com/office/drawing/2014/chart" uri="{C3380CC4-5D6E-409C-BE32-E72D297353CC}">
               <c16:uniqueId val="{00000000-0A3A-4F3B-BC31-8B809BD0EA3F}"/>
             </c:ext>
@@ -500,7 +500,7 @@
             <c:showPercent val="0"/>
             <c:showBubbleSize val="0"/>
             <c:showLeaderLines val="0"/>
-            <c:extLst>
+            <c:extLst xmlns:c16r2="http://schemas.microsoft.com/office/drawing/2015/06/chart">
               <c:ext xmlns:c15="http://schemas.microsoft.com/office/drawing/2012/chart" uri="{CE6537A1-D6FC-4f65-9D91-7224C49458BB}">
                 <c15:showLeaderLines val="1"/>
                 <c15:leaderLines>
@@ -564,39 +564,39 @@
                 <c:formatCode>General</c:formatCode>
                 <c:ptCount val="10"/>
                 <c:pt idx="0">
-                  <c:v>60329</c:v>
+                  <c:v>60329.0</c:v>
                 </c:pt>
                 <c:pt idx="1">
-                  <c:v>67399</c:v>
+                  <c:v>67399.0</c:v>
                 </c:pt>
                 <c:pt idx="2">
-                  <c:v>78011</c:v>
+                  <c:v>78011.0</c:v>
                 </c:pt>
                 <c:pt idx="3">
-                  <c:v>124286</c:v>
+                  <c:v>124286.0</c:v>
                 </c:pt>
                 <c:pt idx="4">
-                  <c:v>136729</c:v>
+                  <c:v>136729.0</c:v>
                 </c:pt>
                 <c:pt idx="5">
-                  <c:v>160276</c:v>
+                  <c:v>160276.0</c:v>
                 </c:pt>
                 <c:pt idx="6">
-                  <c:v>184777</c:v>
+                  <c:v>184777.0</c:v>
                 </c:pt>
                 <c:pt idx="7">
-                  <c:v>206942</c:v>
+                  <c:v>206942.0</c:v>
                 </c:pt>
                 <c:pt idx="8">
-                  <c:v>294977</c:v>
+                  <c:v>294977.0</c:v>
                 </c:pt>
                 <c:pt idx="9">
-                  <c:v>492983</c:v>
+                  <c:v>492983.0</c:v>
                 </c:pt>
               </c:numCache>
             </c:numRef>
           </c:val>
-          <c:extLst>
+          <c:extLst xmlns:c16r2="http://schemas.microsoft.com/office/drawing/2015/06/chart">
             <c:ext xmlns:c16="http://schemas.microsoft.com/office/drawing/2014/chart" uri="{C3380CC4-5D6E-409C-BE32-E72D297353CC}">
               <c16:uniqueId val="{00000001-0A3A-4F3B-BC31-8B809BD0EA3F}"/>
             </c:ext>
@@ -612,11 +612,11 @@
           <c:showBubbleSize val="0"/>
         </c:dLbls>
         <c:gapWidth val="100"/>
-        <c:axId val="348305464"/>
-        <c:axId val="348305792"/>
+        <c:axId val="777309744"/>
+        <c:axId val="777312064"/>
       </c:barChart>
       <c:catAx>
-        <c:axId val="348305464"/>
+        <c:axId val="777309744"/>
         <c:scaling>
           <c:orientation val="minMax"/>
         </c:scaling>
@@ -656,7 +656,7 @@
             <a:endParaRPr lang="en-US"/>
           </a:p>
         </c:txPr>
-        <c:crossAx val="348305792"/>
+        <c:crossAx val="777312064"/>
         <c:crosses val="autoZero"/>
         <c:auto val="1"/>
         <c:lblAlgn val="ctr"/>
@@ -664,7 +664,7 @@
         <c:noMultiLvlLbl val="0"/>
       </c:catAx>
       <c:valAx>
-        <c:axId val="348305792"/>
+        <c:axId val="777312064"/>
         <c:scaling>
           <c:orientation val="minMax"/>
         </c:scaling>
@@ -712,7 +712,7 @@
             <a:endParaRPr lang="en-US"/>
           </a:p>
         </c:txPr>
-        <c:crossAx val="348305464"/>
+        <c:crossAx val="777309744"/>
         <c:crosses val="autoZero"/>
         <c:crossBetween val="between"/>
       </c:valAx>
@@ -780,7 +780,7 @@
 </file>
 
 <file path=ppt/charts/chart2.xml><?xml version="1.0" encoding="utf-8"?>
-<c:chartSpace xmlns:c="http://schemas.openxmlformats.org/drawingml/2006/chart" xmlns:a="http://schemas.openxmlformats.org/drawingml/2006/main" xmlns:r="http://schemas.openxmlformats.org/officeDocument/2006/relationships" xmlns:c16r2="http://schemas.microsoft.com/office/drawing/2015/06/chart">
+<c:chartSpace xmlns:c="http://schemas.openxmlformats.org/drawingml/2006/chart" xmlns:a="http://schemas.openxmlformats.org/drawingml/2006/main" xmlns:r="http://schemas.openxmlformats.org/officeDocument/2006/relationships">
   <c:date1904 val="0"/>
   <c:lang val="en-US"/>
   <c:roundedCorners val="0"/>
@@ -917,7 +917,7 @@
             <c:showPercent val="0"/>
             <c:showBubbleSize val="0"/>
             <c:showLeaderLines val="0"/>
-            <c:extLst>
+            <c:extLst xmlns:c16r2="http://schemas.microsoft.com/office/drawing/2015/06/chart">
               <c:ext xmlns:c15="http://schemas.microsoft.com/office/drawing/2012/chart" uri="{CE6537A1-D6FC-4f65-9D91-7224C49458BB}">
                 <c15:showLeaderLines val="1"/>
                 <c15:leaderLines>
@@ -1002,7 +1002,7 @@
                   <c:v>16.8</c:v>
                 </c:pt>
                 <c:pt idx="7">
-                  <c:v>1.1000000000000001</c:v>
+                  <c:v>1.1</c:v>
                 </c:pt>
                 <c:pt idx="8">
                   <c:v>3.4</c:v>
@@ -1013,7 +1013,7 @@
               </c:numCache>
             </c:numRef>
           </c:val>
-          <c:extLst>
+          <c:extLst xmlns:c16r2="http://schemas.microsoft.com/office/drawing/2015/06/chart">
             <c:ext xmlns:c16="http://schemas.microsoft.com/office/drawing/2014/chart" uri="{C3380CC4-5D6E-409C-BE32-E72D297353CC}">
               <c16:uniqueId val="{00000000-0C92-4FF9-82D6-43E37FB6DDC8}"/>
             </c:ext>
@@ -1081,7 +1081,7 @@
             <c:showPercent val="0"/>
             <c:showBubbleSize val="0"/>
             <c:showLeaderLines val="0"/>
-            <c:extLst>
+            <c:extLst xmlns:c16r2="http://schemas.microsoft.com/office/drawing/2015/06/chart">
               <c:ext xmlns:c15="http://schemas.microsoft.com/office/drawing/2012/chart" uri="{CE6537A1-D6FC-4f65-9D91-7224C49458BB}">
                 <c15:showLeaderLines val="1"/>
                 <c15:leaderLines>
@@ -1177,7 +1177,7 @@
               </c:numCache>
             </c:numRef>
           </c:val>
-          <c:extLst>
+          <c:extLst xmlns:c16r2="http://schemas.microsoft.com/office/drawing/2015/06/chart">
             <c:ext xmlns:c16="http://schemas.microsoft.com/office/drawing/2014/chart" uri="{C3380CC4-5D6E-409C-BE32-E72D297353CC}">
               <c16:uniqueId val="{00000001-0C92-4FF9-82D6-43E37FB6DDC8}"/>
             </c:ext>
@@ -1194,11 +1194,11 @@
         </c:dLbls>
         <c:gapWidth val="444"/>
         <c:overlap val="-90"/>
-        <c:axId val="380815760"/>
-        <c:axId val="380812480"/>
+        <c:axId val="752917392"/>
+        <c:axId val="752919712"/>
       </c:barChart>
       <c:catAx>
-        <c:axId val="380815760"/>
+        <c:axId val="752917392"/>
         <c:scaling>
           <c:orientation val="minMax"/>
         </c:scaling>
@@ -1255,7 +1255,7 @@
             <a:endParaRPr lang="en-US"/>
           </a:p>
         </c:txPr>
-        <c:crossAx val="380812480"/>
+        <c:crossAx val="752919712"/>
         <c:crosses val="autoZero"/>
         <c:auto val="1"/>
         <c:lblAlgn val="ctr"/>
@@ -1263,7 +1263,7 @@
         <c:noMultiLvlLbl val="0"/>
       </c:catAx>
       <c:valAx>
-        <c:axId val="380812480"/>
+        <c:axId val="752919712"/>
         <c:scaling>
           <c:orientation val="minMax"/>
         </c:scaling>
@@ -1273,7 +1273,7 @@
         <c:majorTickMark val="none"/>
         <c:minorTickMark val="none"/>
         <c:tickLblPos val="nextTo"/>
-        <c:crossAx val="380815760"/>
+        <c:crossAx val="752917392"/>
         <c:crosses val="autoZero"/>
         <c:crossBetween val="between"/>
       </c:valAx>
@@ -4853,14 +4853,35 @@
         </dgm:presLayoutVars>
       </dgm:prSet>
       <dgm:spPr/>
+      <dgm:t>
+        <a:bodyPr/>
+        <a:lstStyle/>
+        <a:p>
+          <a:endParaRPr lang="en-US"/>
+        </a:p>
+      </dgm:t>
     </dgm:pt>
     <dgm:pt modelId="{D9327C51-CCB4-42CA-8588-5BE33BE5C1CA}" type="pres">
       <dgm:prSet presAssocID="{0EF9CF83-D8F2-427E-BFE1-C29F705FBD40}" presName="centerShape" presStyleLbl="node0" presStyleIdx="0" presStyleCnt="1"/>
       <dgm:spPr/>
+      <dgm:t>
+        <a:bodyPr/>
+        <a:lstStyle/>
+        <a:p>
+          <a:endParaRPr lang="en-US"/>
+        </a:p>
+      </dgm:t>
     </dgm:pt>
     <dgm:pt modelId="{E4EEA159-E601-45A9-9172-B2C2032EB523}" type="pres">
       <dgm:prSet presAssocID="{6FDADCD7-AA90-4ACD-970B-149B1702F849}" presName="parTrans" presStyleLbl="bgSibTrans2D1" presStyleIdx="0" presStyleCnt="3"/>
       <dgm:spPr/>
+      <dgm:t>
+        <a:bodyPr/>
+        <a:lstStyle/>
+        <a:p>
+          <a:endParaRPr lang="en-US"/>
+        </a:p>
+      </dgm:t>
     </dgm:pt>
     <dgm:pt modelId="{4A7F5564-CFE8-4DA7-ADE3-7F0A7E20CBC8}" type="pres">
       <dgm:prSet presAssocID="{4BA7290E-815F-4285-8735-7BA085C6792E}" presName="node" presStyleLbl="node1" presStyleIdx="0" presStyleCnt="3">
@@ -4869,10 +4890,24 @@
         </dgm:presLayoutVars>
       </dgm:prSet>
       <dgm:spPr/>
+      <dgm:t>
+        <a:bodyPr/>
+        <a:lstStyle/>
+        <a:p>
+          <a:endParaRPr lang="en-US"/>
+        </a:p>
+      </dgm:t>
     </dgm:pt>
     <dgm:pt modelId="{D8E171C9-E517-489F-8CBC-A2AB0C958CE3}" type="pres">
       <dgm:prSet presAssocID="{7D963F62-C9CA-4702-A4CE-CDB575466464}" presName="parTrans" presStyleLbl="bgSibTrans2D1" presStyleIdx="1" presStyleCnt="3"/>
       <dgm:spPr/>
+      <dgm:t>
+        <a:bodyPr/>
+        <a:lstStyle/>
+        <a:p>
+          <a:endParaRPr lang="en-US"/>
+        </a:p>
+      </dgm:t>
     </dgm:pt>
     <dgm:pt modelId="{A962E535-4369-4525-A1D3-E3793FC56B1A}" type="pres">
       <dgm:prSet presAssocID="{EC928E5A-18E5-469E-9C92-944AD2952C39}" presName="node" presStyleLbl="node1" presStyleIdx="1" presStyleCnt="3" custScaleY="100048">
@@ -4881,10 +4916,24 @@
         </dgm:presLayoutVars>
       </dgm:prSet>
       <dgm:spPr/>
+      <dgm:t>
+        <a:bodyPr/>
+        <a:lstStyle/>
+        <a:p>
+          <a:endParaRPr lang="en-US"/>
+        </a:p>
+      </dgm:t>
     </dgm:pt>
     <dgm:pt modelId="{17B65727-A913-4F22-9D31-0711E7AC4C32}" type="pres">
       <dgm:prSet presAssocID="{45CB06E5-5602-4B99-ADAB-AEE48EFE6EC7}" presName="parTrans" presStyleLbl="bgSibTrans2D1" presStyleIdx="2" presStyleCnt="3"/>
       <dgm:spPr/>
+      <dgm:t>
+        <a:bodyPr/>
+        <a:lstStyle/>
+        <a:p>
+          <a:endParaRPr lang="en-US"/>
+        </a:p>
+      </dgm:t>
     </dgm:pt>
     <dgm:pt modelId="{9C2420D4-6657-4816-BBC6-B2B72E200E7E}" type="pres">
       <dgm:prSet presAssocID="{713AD7EA-1525-45A2-B1A6-A42EAB4748AD}" presName="node" presStyleLbl="node1" presStyleIdx="2" presStyleCnt="3">
@@ -4893,21 +4942,28 @@
         </dgm:presLayoutVars>
       </dgm:prSet>
       <dgm:spPr/>
+      <dgm:t>
+        <a:bodyPr/>
+        <a:lstStyle/>
+        <a:p>
+          <a:endParaRPr lang="en-US"/>
+        </a:p>
+      </dgm:t>
     </dgm:pt>
   </dgm:ptLst>
   <dgm:cxnLst>
+    <dgm:cxn modelId="{6DAFEDD9-395D-4AEF-9AE1-8B3EA8BB0261}" type="presOf" srcId="{A397AA95-28D7-4926-82B9-D8B370EB968B}" destId="{A329D8D0-8D48-4CA1-B0CE-94547D4A3868}" srcOrd="0" destOrd="0" presId="urn:microsoft.com/office/officeart/2005/8/layout/radial4"/>
+    <dgm:cxn modelId="{46872EC8-400A-49EB-8FBC-BE6C9E490718}" type="presOf" srcId="{713AD7EA-1525-45A2-B1A6-A42EAB4748AD}" destId="{9C2420D4-6657-4816-BBC6-B2B72E200E7E}" srcOrd="0" destOrd="0" presId="urn:microsoft.com/office/officeart/2005/8/layout/radial4"/>
+    <dgm:cxn modelId="{C3284AB1-E93A-4257-8255-51EACA63668B}" type="presOf" srcId="{45CB06E5-5602-4B99-ADAB-AEE48EFE6EC7}" destId="{17B65727-A913-4F22-9D31-0711E7AC4C32}" srcOrd="0" destOrd="0" presId="urn:microsoft.com/office/officeart/2005/8/layout/radial4"/>
+    <dgm:cxn modelId="{A05BFB05-70E4-4047-9922-68A24DECA30D}" srcId="{0EF9CF83-D8F2-427E-BFE1-C29F705FBD40}" destId="{EC928E5A-18E5-469E-9C92-944AD2952C39}" srcOrd="1" destOrd="0" parTransId="{7D963F62-C9CA-4702-A4CE-CDB575466464}" sibTransId="{2672CD3E-4ABD-43E6-842A-C6FEF6DE99F2}"/>
+    <dgm:cxn modelId="{9EE594B2-B674-4502-8EBA-878DF4268D44}" type="presOf" srcId="{EC928E5A-18E5-469E-9C92-944AD2952C39}" destId="{A962E535-4369-4525-A1D3-E3793FC56B1A}" srcOrd="0" destOrd="0" presId="urn:microsoft.com/office/officeart/2005/8/layout/radial4"/>
+    <dgm:cxn modelId="{8862E659-29ED-406A-A696-EA564C4A661F}" srcId="{0EF9CF83-D8F2-427E-BFE1-C29F705FBD40}" destId="{713AD7EA-1525-45A2-B1A6-A42EAB4748AD}" srcOrd="2" destOrd="0" parTransId="{45CB06E5-5602-4B99-ADAB-AEE48EFE6EC7}" sibTransId="{02263CEB-D515-433A-A0B6-117D9F98FF79}"/>
+    <dgm:cxn modelId="{46DEDC79-45E2-4A92-A6C6-72F383C0B7F2}" type="presOf" srcId="{0EF9CF83-D8F2-427E-BFE1-C29F705FBD40}" destId="{D9327C51-CCB4-42CA-8588-5BE33BE5C1CA}" srcOrd="0" destOrd="0" presId="urn:microsoft.com/office/officeart/2005/8/layout/radial4"/>
+    <dgm:cxn modelId="{EAD764BE-7C61-4962-BE0D-2431F54A652E}" type="presOf" srcId="{6FDADCD7-AA90-4ACD-970B-149B1702F849}" destId="{E4EEA159-E601-45A9-9172-B2C2032EB523}" srcOrd="0" destOrd="0" presId="urn:microsoft.com/office/officeart/2005/8/layout/radial4"/>
+    <dgm:cxn modelId="{209B6847-29DA-4BB3-B68D-286B9991600B}" type="presOf" srcId="{4BA7290E-815F-4285-8735-7BA085C6792E}" destId="{4A7F5564-CFE8-4DA7-ADE3-7F0A7E20CBC8}" srcOrd="0" destOrd="0" presId="urn:microsoft.com/office/officeart/2005/8/layout/radial4"/>
+    <dgm:cxn modelId="{EE0469BD-EF79-429A-A333-B876ADCB1925}" srcId="{A397AA95-28D7-4926-82B9-D8B370EB968B}" destId="{0EF9CF83-D8F2-427E-BFE1-C29F705FBD40}" srcOrd="0" destOrd="0" parTransId="{F97BEB60-FCC4-4A86-A961-C6FF79BD60A5}" sibTransId="{F24C16AA-24B1-4871-8CD7-5937EF2DB2E1}"/>
+    <dgm:cxn modelId="{D193AFAC-7155-443B-B446-E89AA8D741CA}" srcId="{0EF9CF83-D8F2-427E-BFE1-C29F705FBD40}" destId="{4BA7290E-815F-4285-8735-7BA085C6792E}" srcOrd="0" destOrd="0" parTransId="{6FDADCD7-AA90-4ACD-970B-149B1702F849}" sibTransId="{046094F5-F48F-45A3-8503-00906903F0AD}"/>
     <dgm:cxn modelId="{6999AE05-3853-4274-916B-D37D695F2B3E}" type="presOf" srcId="{7D963F62-C9CA-4702-A4CE-CDB575466464}" destId="{D8E171C9-E517-489F-8CBC-A2AB0C958CE3}" srcOrd="0" destOrd="0" presId="urn:microsoft.com/office/officeart/2005/8/layout/radial4"/>
-    <dgm:cxn modelId="{A05BFB05-70E4-4047-9922-68A24DECA30D}" srcId="{0EF9CF83-D8F2-427E-BFE1-C29F705FBD40}" destId="{EC928E5A-18E5-469E-9C92-944AD2952C39}" srcOrd="1" destOrd="0" parTransId="{7D963F62-C9CA-4702-A4CE-CDB575466464}" sibTransId="{2672CD3E-4ABD-43E6-842A-C6FEF6DE99F2}"/>
-    <dgm:cxn modelId="{209B6847-29DA-4BB3-B68D-286B9991600B}" type="presOf" srcId="{4BA7290E-815F-4285-8735-7BA085C6792E}" destId="{4A7F5564-CFE8-4DA7-ADE3-7F0A7E20CBC8}" srcOrd="0" destOrd="0" presId="urn:microsoft.com/office/officeart/2005/8/layout/radial4"/>
-    <dgm:cxn modelId="{46DEDC79-45E2-4A92-A6C6-72F383C0B7F2}" type="presOf" srcId="{0EF9CF83-D8F2-427E-BFE1-C29F705FBD40}" destId="{D9327C51-CCB4-42CA-8588-5BE33BE5C1CA}" srcOrd="0" destOrd="0" presId="urn:microsoft.com/office/officeart/2005/8/layout/radial4"/>
-    <dgm:cxn modelId="{8862E659-29ED-406A-A696-EA564C4A661F}" srcId="{0EF9CF83-D8F2-427E-BFE1-C29F705FBD40}" destId="{713AD7EA-1525-45A2-B1A6-A42EAB4748AD}" srcOrd="2" destOrd="0" parTransId="{45CB06E5-5602-4B99-ADAB-AEE48EFE6EC7}" sibTransId="{02263CEB-D515-433A-A0B6-117D9F98FF79}"/>
-    <dgm:cxn modelId="{D193AFAC-7155-443B-B446-E89AA8D741CA}" srcId="{0EF9CF83-D8F2-427E-BFE1-C29F705FBD40}" destId="{4BA7290E-815F-4285-8735-7BA085C6792E}" srcOrd="0" destOrd="0" parTransId="{6FDADCD7-AA90-4ACD-970B-149B1702F849}" sibTransId="{046094F5-F48F-45A3-8503-00906903F0AD}"/>
-    <dgm:cxn modelId="{C3284AB1-E93A-4257-8255-51EACA63668B}" type="presOf" srcId="{45CB06E5-5602-4B99-ADAB-AEE48EFE6EC7}" destId="{17B65727-A913-4F22-9D31-0711E7AC4C32}" srcOrd="0" destOrd="0" presId="urn:microsoft.com/office/officeart/2005/8/layout/radial4"/>
-    <dgm:cxn modelId="{9EE594B2-B674-4502-8EBA-878DF4268D44}" type="presOf" srcId="{EC928E5A-18E5-469E-9C92-944AD2952C39}" destId="{A962E535-4369-4525-A1D3-E3793FC56B1A}" srcOrd="0" destOrd="0" presId="urn:microsoft.com/office/officeart/2005/8/layout/radial4"/>
-    <dgm:cxn modelId="{EE0469BD-EF79-429A-A333-B876ADCB1925}" srcId="{A397AA95-28D7-4926-82B9-D8B370EB968B}" destId="{0EF9CF83-D8F2-427E-BFE1-C29F705FBD40}" srcOrd="0" destOrd="0" parTransId="{F97BEB60-FCC4-4A86-A961-C6FF79BD60A5}" sibTransId="{F24C16AA-24B1-4871-8CD7-5937EF2DB2E1}"/>
-    <dgm:cxn modelId="{EAD764BE-7C61-4962-BE0D-2431F54A652E}" type="presOf" srcId="{6FDADCD7-AA90-4ACD-970B-149B1702F849}" destId="{E4EEA159-E601-45A9-9172-B2C2032EB523}" srcOrd="0" destOrd="0" presId="urn:microsoft.com/office/officeart/2005/8/layout/radial4"/>
-    <dgm:cxn modelId="{46872EC8-400A-49EB-8FBC-BE6C9E490718}" type="presOf" srcId="{713AD7EA-1525-45A2-B1A6-A42EAB4748AD}" destId="{9C2420D4-6657-4816-BBC6-B2B72E200E7E}" srcOrd="0" destOrd="0" presId="urn:microsoft.com/office/officeart/2005/8/layout/radial4"/>
-    <dgm:cxn modelId="{6DAFEDD9-395D-4AEF-9AE1-8B3EA8BB0261}" type="presOf" srcId="{A397AA95-28D7-4926-82B9-D8B370EB968B}" destId="{A329D8D0-8D48-4CA1-B0CE-94547D4A3868}" srcOrd="0" destOrd="0" presId="urn:microsoft.com/office/officeart/2005/8/layout/radial4"/>
     <dgm:cxn modelId="{346DA419-0DB8-4314-B513-BAA5698B5F48}" type="presParOf" srcId="{A329D8D0-8D48-4CA1-B0CE-94547D4A3868}" destId="{D9327C51-CCB4-42CA-8588-5BE33BE5C1CA}" srcOrd="0" destOrd="0" presId="urn:microsoft.com/office/officeart/2005/8/layout/radial4"/>
     <dgm:cxn modelId="{498BC17F-97F6-4A61-96FE-53C804AEA2E4}" type="presParOf" srcId="{A329D8D0-8D48-4CA1-B0CE-94547D4A3868}" destId="{E4EEA159-E601-45A9-9172-B2C2032EB523}" srcOrd="1" destOrd="0" presId="urn:microsoft.com/office/officeart/2005/8/layout/radial4"/>
     <dgm:cxn modelId="{90CC4343-C124-4500-923B-512301B5F729}" type="presParOf" srcId="{A329D8D0-8D48-4CA1-B0CE-94547D4A3868}" destId="{4A7F5564-CFE8-4DA7-ADE3-7F0A7E20CBC8}" srcOrd="2" destOrd="0" presId="urn:microsoft.com/office/officeart/2005/8/layout/radial4"/>
@@ -5048,42 +5104,6 @@
         </a:p>
       </dgm:t>
     </dgm:pt>
-    <dgm:pt modelId="{5FB50C3D-5D93-4F9B-A60E-3F31E9832F51}">
-      <dgm:prSet phldrT="[Text]"/>
-      <dgm:spPr/>
-      <dgm:t>
-        <a:bodyPr/>
-        <a:lstStyle/>
-        <a:p>
-          <a:r>
-            <a:rPr lang="en-US" dirty="0"/>
-            <a:t>Asian-owned Businesses</a:t>
-          </a:r>
-        </a:p>
-      </dgm:t>
-    </dgm:pt>
-    <dgm:pt modelId="{8CF7E8CA-1850-467F-A054-5818580782E4}" type="parTrans" cxnId="{5FCA4E31-1234-4371-9275-6AF373B6FF3E}">
-      <dgm:prSet/>
-      <dgm:spPr/>
-      <dgm:t>
-        <a:bodyPr/>
-        <a:lstStyle/>
-        <a:p>
-          <a:endParaRPr lang="en-US"/>
-        </a:p>
-      </dgm:t>
-    </dgm:pt>
-    <dgm:pt modelId="{CAA000BB-8A1B-422E-97ED-377A36613AFF}" type="sibTrans" cxnId="{5FCA4E31-1234-4371-9275-6AF373B6FF3E}">
-      <dgm:prSet/>
-      <dgm:spPr/>
-      <dgm:t>
-        <a:bodyPr/>
-        <a:lstStyle/>
-        <a:p>
-          <a:endParaRPr lang="en-US"/>
-        </a:p>
-      </dgm:t>
-    </dgm:pt>
     <dgm:pt modelId="{009F2060-8F54-46E3-989F-16C12EA005BD}">
       <dgm:prSet phldrT="[Text]"/>
       <dgm:spPr/>
@@ -5201,8 +5221,13 @@
         <a:p>
           <a:r>
             <a:rPr lang="en-US" dirty="0"/>
-            <a:t>Create 2.5 million jobs</a:t>
+            <a:t>Create 2.5 million </a:t>
           </a:r>
+          <a:r>
+            <a:rPr lang="en-US" dirty="0" smtClean="0"/>
+            <a:t>jobs</a:t>
+          </a:r>
+          <a:endParaRPr lang="en-US" dirty="0"/>
         </a:p>
       </dgm:t>
     </dgm:pt>
@@ -5228,7 +5253,7 @@
         </a:p>
       </dgm:t>
     </dgm:pt>
-    <dgm:pt modelId="{DA8B11F8-AC0C-40EA-A030-C2A5CC6DE363}">
+    <dgm:pt modelId="{5FB50C3D-5D93-4F9B-A60E-3F31E9832F51}">
       <dgm:prSet phldrT="[Text]"/>
       <dgm:spPr/>
       <dgm:t>
@@ -5237,12 +5262,12 @@
         <a:p>
           <a:r>
             <a:rPr lang="en-US" dirty="0"/>
-            <a:t>Generate $473.6 billion in annual revenue</a:t>
+            <a:t>Asian-owned Businesses</a:t>
           </a:r>
         </a:p>
       </dgm:t>
     </dgm:pt>
-    <dgm:pt modelId="{D172C0CC-4709-4E8A-A7B9-01DB91C52DA4}" type="parTrans" cxnId="{AD9F2D2F-A133-4E5C-AE97-E6BABD0FFE28}">
+    <dgm:pt modelId="{CAA000BB-8A1B-422E-97ED-377A36613AFF}" type="sibTrans" cxnId="{5FCA4E31-1234-4371-9275-6AF373B6FF3E}">
       <dgm:prSet/>
       <dgm:spPr/>
       <dgm:t>
@@ -5253,7 +5278,155 @@
         </a:p>
       </dgm:t>
     </dgm:pt>
-    <dgm:pt modelId="{2A3ABF05-E09A-461B-8880-66FBD917D35E}" type="sibTrans" cxnId="{AD9F2D2F-A133-4E5C-AE97-E6BABD0FFE28}">
+    <dgm:pt modelId="{8CF7E8CA-1850-467F-A054-5818580782E4}" type="parTrans" cxnId="{5FCA4E31-1234-4371-9275-6AF373B6FF3E}">
+      <dgm:prSet/>
+      <dgm:spPr/>
+      <dgm:t>
+        <a:bodyPr/>
+        <a:lstStyle/>
+        <a:p>
+          <a:endParaRPr lang="en-US"/>
+        </a:p>
+      </dgm:t>
+    </dgm:pt>
+    <dgm:pt modelId="{1D27F804-E82C-2043-9BC7-2B8617264BBC}">
+      <dgm:prSet phldrT="[Text]"/>
+      <dgm:spPr/>
+      <dgm:t>
+        <a:bodyPr/>
+        <a:lstStyle/>
+        <a:p>
+          <a:r>
+            <a:rPr lang="en-US" dirty="0" smtClean="0"/>
+            <a:t>Generate $473.6 billion in annual revenue</a:t>
+          </a:r>
+          <a:endParaRPr lang="en-US" dirty="0"/>
+        </a:p>
+      </dgm:t>
+    </dgm:pt>
+    <dgm:pt modelId="{D9CE9B05-7F3C-4343-897A-CEDA22F70A88}" type="parTrans" cxnId="{C30829A9-AB4D-7F48-ADB0-8F5A2A20F821}">
+      <dgm:prSet/>
+      <dgm:spPr/>
+      <dgm:t>
+        <a:bodyPr/>
+        <a:lstStyle/>
+        <a:p>
+          <a:endParaRPr lang="en-US"/>
+        </a:p>
+      </dgm:t>
+    </dgm:pt>
+    <dgm:pt modelId="{30166A5F-227C-4141-BCBA-A37E597F0640}" type="sibTrans" cxnId="{C30829A9-AB4D-7F48-ADB0-8F5A2A20F821}">
+      <dgm:prSet/>
+      <dgm:spPr/>
+      <dgm:t>
+        <a:bodyPr/>
+        <a:lstStyle/>
+        <a:p>
+          <a:endParaRPr lang="en-US"/>
+        </a:p>
+      </dgm:t>
+    </dgm:pt>
+    <dgm:pt modelId="{76A08629-A156-614C-BC4B-BFB6DB11DD49}">
+      <dgm:prSet phldrT="[Text]"/>
+      <dgm:spPr/>
+      <dgm:t>
+        <a:bodyPr/>
+        <a:lstStyle/>
+        <a:p>
+          <a:r>
+            <a:rPr lang="en-US" dirty="0" smtClean="0"/>
+            <a:t>Middle Eastern &amp; North African (MENA) Businesses</a:t>
+          </a:r>
+          <a:endParaRPr lang="en-US" dirty="0"/>
+        </a:p>
+      </dgm:t>
+    </dgm:pt>
+    <dgm:pt modelId="{FB42CD88-B64C-0749-AB11-0CCE2D82B590}" type="parTrans" cxnId="{7AAC134C-A5D2-CF48-8802-B831D22045B4}">
+      <dgm:prSet/>
+      <dgm:spPr/>
+      <dgm:t>
+        <a:bodyPr/>
+        <a:lstStyle/>
+        <a:p>
+          <a:endParaRPr lang="en-US"/>
+        </a:p>
+      </dgm:t>
+    </dgm:pt>
+    <dgm:pt modelId="{69A8AA44-F1D1-1541-A34B-2178C5E955DD}" type="sibTrans" cxnId="{7AAC134C-A5D2-CF48-8802-B831D22045B4}">
+      <dgm:prSet/>
+      <dgm:spPr/>
+      <dgm:t>
+        <a:bodyPr/>
+        <a:lstStyle/>
+        <a:p>
+          <a:endParaRPr lang="en-US"/>
+        </a:p>
+      </dgm:t>
+    </dgm:pt>
+    <dgm:pt modelId="{8D76820D-7299-8948-81FA-F9CAD6052A4B}">
+      <dgm:prSet/>
+      <dgm:spPr/>
+      <dgm:t>
+        <a:bodyPr/>
+        <a:lstStyle/>
+        <a:p>
+          <a:r>
+            <a:rPr lang="en-US" dirty="0" smtClean="0"/>
+            <a:t>Create 73,829 jobs</a:t>
+          </a:r>
+          <a:endParaRPr lang="en-US" dirty="0"/>
+        </a:p>
+      </dgm:t>
+    </dgm:pt>
+    <dgm:pt modelId="{47608E9C-EC30-124E-B979-44A77EFA2F66}" type="parTrans" cxnId="{CBAE9D23-A1D1-584E-9B5E-61DD8C9CD7CB}">
+      <dgm:prSet/>
+      <dgm:spPr/>
+      <dgm:t>
+        <a:bodyPr/>
+        <a:lstStyle/>
+        <a:p>
+          <a:endParaRPr lang="en-US"/>
+        </a:p>
+      </dgm:t>
+    </dgm:pt>
+    <dgm:pt modelId="{F12A8871-E5D4-5E41-B0F7-399292F2B823}" type="sibTrans" cxnId="{CBAE9D23-A1D1-584E-9B5E-61DD8C9CD7CB}">
+      <dgm:prSet/>
+      <dgm:spPr/>
+      <dgm:t>
+        <a:bodyPr/>
+        <a:lstStyle/>
+        <a:p>
+          <a:endParaRPr lang="en-US"/>
+        </a:p>
+      </dgm:t>
+    </dgm:pt>
+    <dgm:pt modelId="{FE46D50B-4C54-204E-92CA-5D4F3D781220}">
+      <dgm:prSet/>
+      <dgm:spPr/>
+      <dgm:t>
+        <a:bodyPr/>
+        <a:lstStyle/>
+        <a:p>
+          <a:r>
+            <a:rPr lang="en-US" dirty="0" smtClean="0"/>
+            <a:t>64% of MENA citizens are entrepreneurs</a:t>
+          </a:r>
+          <a:endParaRPr lang="en-US" dirty="0"/>
+        </a:p>
+      </dgm:t>
+    </dgm:pt>
+    <dgm:pt modelId="{E3B11BFE-2E8D-6444-90FE-C2F206A4FF74}" type="parTrans" cxnId="{7042A247-F5E1-2144-BC6E-657157A24B97}">
+      <dgm:prSet/>
+      <dgm:spPr/>
+      <dgm:t>
+        <a:bodyPr/>
+        <a:lstStyle/>
+        <a:p>
+          <a:endParaRPr lang="en-US"/>
+        </a:p>
+      </dgm:t>
+    </dgm:pt>
+    <dgm:pt modelId="{535BD7A9-B215-7E43-90AB-B5413412AF0D}" type="sibTrans" cxnId="{7042A247-F5E1-2144-BC6E-657157A24B97}">
       <dgm:prSet/>
       <dgm:spPr/>
       <dgm:t>
@@ -5273,13 +5446,20 @@
         </dgm:presLayoutVars>
       </dgm:prSet>
       <dgm:spPr/>
+      <dgm:t>
+        <a:bodyPr/>
+        <a:lstStyle/>
+        <a:p>
+          <a:endParaRPr lang="en-US"/>
+        </a:p>
+      </dgm:t>
     </dgm:pt>
     <dgm:pt modelId="{7ABE44C0-37CA-495A-9254-CBC6B35E68DE}" type="pres">
       <dgm:prSet presAssocID="{8656BA58-BEB9-4C9A-91F0-4760FDEA720B}" presName="composite" presStyleCnt="0"/>
       <dgm:spPr/>
     </dgm:pt>
     <dgm:pt modelId="{73C3BEF7-AB82-4AE0-9E17-5A3E7E9BB03D}" type="pres">
-      <dgm:prSet presAssocID="{8656BA58-BEB9-4C9A-91F0-4760FDEA720B}" presName="parTx" presStyleLbl="alignNode1" presStyleIdx="0" presStyleCnt="3">
+      <dgm:prSet presAssocID="{8656BA58-BEB9-4C9A-91F0-4760FDEA720B}" presName="parTx" presStyleLbl="alignNode1" presStyleIdx="0" presStyleCnt="4">
         <dgm:presLayoutVars>
           <dgm:chMax val="0"/>
           <dgm:chPref val="0"/>
@@ -5287,14 +5467,28 @@
         </dgm:presLayoutVars>
       </dgm:prSet>
       <dgm:spPr/>
+      <dgm:t>
+        <a:bodyPr/>
+        <a:lstStyle/>
+        <a:p>
+          <a:endParaRPr lang="en-US"/>
+        </a:p>
+      </dgm:t>
     </dgm:pt>
     <dgm:pt modelId="{DFBE9DD1-CF5C-494A-8D10-1E9C6D5EF768}" type="pres">
-      <dgm:prSet presAssocID="{8656BA58-BEB9-4C9A-91F0-4760FDEA720B}" presName="desTx" presStyleLbl="alignAccFollowNode1" presStyleIdx="0" presStyleCnt="3">
+      <dgm:prSet presAssocID="{8656BA58-BEB9-4C9A-91F0-4760FDEA720B}" presName="desTx" presStyleLbl="alignAccFollowNode1" presStyleIdx="0" presStyleCnt="4">
         <dgm:presLayoutVars>
           <dgm:bulletEnabled val="1"/>
         </dgm:presLayoutVars>
       </dgm:prSet>
       <dgm:spPr/>
+      <dgm:t>
+        <a:bodyPr/>
+        <a:lstStyle/>
+        <a:p>
+          <a:endParaRPr lang="en-US"/>
+        </a:p>
+      </dgm:t>
     </dgm:pt>
     <dgm:pt modelId="{29D10761-C3A8-4537-B7B0-1F769F053670}" type="pres">
       <dgm:prSet presAssocID="{0C75DEBA-CB97-49F1-89FE-A1580AEB00E8}" presName="space" presStyleCnt="0"/>
@@ -5305,7 +5499,7 @@
       <dgm:spPr/>
     </dgm:pt>
     <dgm:pt modelId="{E544D0E0-70F3-4EA5-9A79-CCED47014928}" type="pres">
-      <dgm:prSet presAssocID="{5FB50C3D-5D93-4F9B-A60E-3F31E9832F51}" presName="parTx" presStyleLbl="alignNode1" presStyleIdx="1" presStyleCnt="3">
+      <dgm:prSet presAssocID="{5FB50C3D-5D93-4F9B-A60E-3F31E9832F51}" presName="parTx" presStyleLbl="alignNode1" presStyleIdx="1" presStyleCnt="4">
         <dgm:presLayoutVars>
           <dgm:chMax val="0"/>
           <dgm:chPref val="0"/>
@@ -5313,14 +5507,28 @@
         </dgm:presLayoutVars>
       </dgm:prSet>
       <dgm:spPr/>
+      <dgm:t>
+        <a:bodyPr/>
+        <a:lstStyle/>
+        <a:p>
+          <a:endParaRPr lang="en-US"/>
+        </a:p>
+      </dgm:t>
     </dgm:pt>
     <dgm:pt modelId="{D2F85D6C-CEE9-4A66-942C-CCB8357E7A38}" type="pres">
-      <dgm:prSet presAssocID="{5FB50C3D-5D93-4F9B-A60E-3F31E9832F51}" presName="desTx" presStyleLbl="alignAccFollowNode1" presStyleIdx="1" presStyleCnt="3">
+      <dgm:prSet presAssocID="{5FB50C3D-5D93-4F9B-A60E-3F31E9832F51}" presName="desTx" presStyleLbl="alignAccFollowNode1" presStyleIdx="1" presStyleCnt="4">
         <dgm:presLayoutVars>
           <dgm:bulletEnabled val="1"/>
         </dgm:presLayoutVars>
       </dgm:prSet>
       <dgm:spPr/>
+      <dgm:t>
+        <a:bodyPr/>
+        <a:lstStyle/>
+        <a:p>
+          <a:endParaRPr lang="en-US"/>
+        </a:p>
+      </dgm:t>
     </dgm:pt>
     <dgm:pt modelId="{20AC5D52-EF83-4D0C-A201-A4369CE481D4}" type="pres">
       <dgm:prSet presAssocID="{CAA000BB-8A1B-422E-97ED-377A36613AFF}" presName="space" presStyleCnt="0"/>
@@ -5331,7 +5539,7 @@
       <dgm:spPr/>
     </dgm:pt>
     <dgm:pt modelId="{369A78C8-5060-48B2-85BF-CA33E09169AB}" type="pres">
-      <dgm:prSet presAssocID="{2489FFFE-24E5-4797-A1FF-C2A3805B2A34}" presName="parTx" presStyleLbl="alignNode1" presStyleIdx="2" presStyleCnt="3">
+      <dgm:prSet presAssocID="{2489FFFE-24E5-4797-A1FF-C2A3805B2A34}" presName="parTx" presStyleLbl="alignNode1" presStyleIdx="2" presStyleCnt="4">
         <dgm:presLayoutVars>
           <dgm:chMax val="0"/>
           <dgm:chPref val="0"/>
@@ -5339,36 +5547,96 @@
         </dgm:presLayoutVars>
       </dgm:prSet>
       <dgm:spPr/>
+      <dgm:t>
+        <a:bodyPr/>
+        <a:lstStyle/>
+        <a:p>
+          <a:endParaRPr lang="en-US"/>
+        </a:p>
+      </dgm:t>
     </dgm:pt>
     <dgm:pt modelId="{74D124A8-FFF2-41AF-BA41-26BA3A2E2E8A}" type="pres">
-      <dgm:prSet presAssocID="{2489FFFE-24E5-4797-A1FF-C2A3805B2A34}" presName="desTx" presStyleLbl="alignAccFollowNode1" presStyleIdx="2" presStyleCnt="3">
+      <dgm:prSet presAssocID="{2489FFFE-24E5-4797-A1FF-C2A3805B2A34}" presName="desTx" presStyleLbl="alignAccFollowNode1" presStyleIdx="2" presStyleCnt="4">
         <dgm:presLayoutVars>
           <dgm:bulletEnabled val="1"/>
         </dgm:presLayoutVars>
       </dgm:prSet>
       <dgm:spPr/>
+      <dgm:t>
+        <a:bodyPr/>
+        <a:lstStyle/>
+        <a:p>
+          <a:endParaRPr lang="en-US"/>
+        </a:p>
+      </dgm:t>
+    </dgm:pt>
+    <dgm:pt modelId="{7003BC8D-21A8-7444-9079-E6D072E8CEC3}" type="pres">
+      <dgm:prSet presAssocID="{6B87AFA7-038C-4F2D-80ED-28C58CF56B4D}" presName="space" presStyleCnt="0"/>
+      <dgm:spPr/>
+    </dgm:pt>
+    <dgm:pt modelId="{154AE6AC-C073-114C-A240-A54BE57FBD02}" type="pres">
+      <dgm:prSet presAssocID="{76A08629-A156-614C-BC4B-BFB6DB11DD49}" presName="composite" presStyleCnt="0"/>
+      <dgm:spPr/>
+    </dgm:pt>
+    <dgm:pt modelId="{61CE5CCF-624F-E74C-AF28-E1407EEEF8FE}" type="pres">
+      <dgm:prSet presAssocID="{76A08629-A156-614C-BC4B-BFB6DB11DD49}" presName="parTx" presStyleLbl="alignNode1" presStyleIdx="3" presStyleCnt="4">
+        <dgm:presLayoutVars>
+          <dgm:chMax val="0"/>
+          <dgm:chPref val="0"/>
+          <dgm:bulletEnabled val="1"/>
+        </dgm:presLayoutVars>
+      </dgm:prSet>
+      <dgm:spPr/>
+      <dgm:t>
+        <a:bodyPr/>
+        <a:lstStyle/>
+        <a:p>
+          <a:endParaRPr lang="en-US"/>
+        </a:p>
+      </dgm:t>
+    </dgm:pt>
+    <dgm:pt modelId="{4DB0E74D-0915-7A43-9804-ECC192B86445}" type="pres">
+      <dgm:prSet presAssocID="{76A08629-A156-614C-BC4B-BFB6DB11DD49}" presName="desTx" presStyleLbl="alignAccFollowNode1" presStyleIdx="3" presStyleCnt="4">
+        <dgm:presLayoutVars>
+          <dgm:bulletEnabled val="1"/>
+        </dgm:presLayoutVars>
+      </dgm:prSet>
+      <dgm:spPr/>
+      <dgm:t>
+        <a:bodyPr/>
+        <a:lstStyle/>
+        <a:p>
+          <a:endParaRPr lang="en-US"/>
+        </a:p>
+      </dgm:t>
     </dgm:pt>
   </dgm:ptLst>
   <dgm:cxnLst>
+    <dgm:cxn modelId="{63044E73-8D8D-A140-B720-274211627027}" type="presOf" srcId="{FE46D50B-4C54-204E-92CA-5D4F3D781220}" destId="{4DB0E74D-0915-7A43-9804-ECC192B86445}" srcOrd="0" destOrd="1" presId="urn:microsoft.com/office/officeart/2005/8/layout/hList1"/>
+    <dgm:cxn modelId="{C8CD990F-0EE1-4C9C-AF1B-24BE1E37FEBE}" type="presOf" srcId="{5FB50C3D-5D93-4F9B-A60E-3F31E9832F51}" destId="{E544D0E0-70F3-4EA5-9A79-CCED47014928}" srcOrd="0" destOrd="0" presId="urn:microsoft.com/office/officeart/2005/8/layout/hList1"/>
+    <dgm:cxn modelId="{40498A1D-C296-4755-B9DE-1716DC962592}" type="presOf" srcId="{FE34673B-E546-4F3F-9432-A02112198986}" destId="{DFBE9DD1-CF5C-494A-8D10-1E9C6D5EF768}" srcOrd="0" destOrd="0" presId="urn:microsoft.com/office/officeart/2005/8/layout/hList1"/>
+    <dgm:cxn modelId="{4B6B8C48-9299-4085-9969-EF16CA4092A7}" srcId="{8656BA58-BEB9-4C9A-91F0-4760FDEA720B}" destId="{B50A129C-838F-42DD-8DEF-C694CC1C6C9B}" srcOrd="1" destOrd="0" parTransId="{656D4D3A-A9F8-4C75-B87E-4A6AA2078756}" sibTransId="{E4B3143B-B155-4E4D-A75F-BACC92CBA108}"/>
+    <dgm:cxn modelId="{83EBBA0E-0CBB-42B5-A3DF-CE7B1987FBAF}" type="presOf" srcId="{009F2060-8F54-46E3-989F-16C12EA005BD}" destId="{D2F85D6C-CEE9-4A66-942C-CCB8357E7A38}" srcOrd="0" destOrd="0" presId="urn:microsoft.com/office/officeart/2005/8/layout/hList1"/>
+    <dgm:cxn modelId="{E2418E78-04FE-46E3-8337-7E404EB62DAC}" type="presOf" srcId="{1D73BDCC-71EF-4DEB-AFFF-A634CB40684B}" destId="{9E23ACE5-5713-4CE3-B8F2-3C16BB4281ED}" srcOrd="0" destOrd="0" presId="urn:microsoft.com/office/officeart/2005/8/layout/hList1"/>
+    <dgm:cxn modelId="{7AAC134C-A5D2-CF48-8802-B831D22045B4}" srcId="{1D73BDCC-71EF-4DEB-AFFF-A634CB40684B}" destId="{76A08629-A156-614C-BC4B-BFB6DB11DD49}" srcOrd="3" destOrd="0" parTransId="{FB42CD88-B64C-0749-AB11-0CCE2D82B590}" sibTransId="{69A8AA44-F1D1-1541-A34B-2178C5E955DD}"/>
+    <dgm:cxn modelId="{4845B7F5-54F3-4C2C-9C34-38CEA36F49F7}" srcId="{1D73BDCC-71EF-4DEB-AFFF-A634CB40684B}" destId="{8656BA58-BEB9-4C9A-91F0-4760FDEA720B}" srcOrd="0" destOrd="0" parTransId="{5E693C52-685E-4A08-8318-64A3EB9EF9BF}" sibTransId="{0C75DEBA-CB97-49F1-89FE-A1580AEB00E8}"/>
+    <dgm:cxn modelId="{2E5C2701-CE29-A047-A569-4E6A8C122A54}" type="presOf" srcId="{1D27F804-E82C-2043-9BC7-2B8617264BBC}" destId="{74D124A8-FFF2-41AF-BA41-26BA3A2E2E8A}" srcOrd="0" destOrd="1" presId="urn:microsoft.com/office/officeart/2005/8/layout/hList1"/>
+    <dgm:cxn modelId="{159016D0-C7DA-47EE-B947-0BCAAE7C27B2}" type="presOf" srcId="{8656BA58-BEB9-4C9A-91F0-4760FDEA720B}" destId="{73C3BEF7-AB82-4AE0-9E17-5A3E7E9BB03D}" srcOrd="0" destOrd="0" presId="urn:microsoft.com/office/officeart/2005/8/layout/hList1"/>
+    <dgm:cxn modelId="{6F58210E-4FBC-4619-BB05-B7B787234DAC}" srcId="{2489FFFE-24E5-4797-A1FF-C2A3805B2A34}" destId="{BC6B93F8-AEC7-48F3-8A60-245EF7A4BADB}" srcOrd="0" destOrd="0" parTransId="{4FDF02FD-704C-4A27-BCD7-045B1E162471}" sibTransId="{A5D254FF-225D-45BF-883C-31B6A06F0A82}"/>
     <dgm:cxn modelId="{32646502-99AD-4618-AFBB-EC0E1D813B51}" type="presOf" srcId="{B50A129C-838F-42DD-8DEF-C694CC1C6C9B}" destId="{DFBE9DD1-CF5C-494A-8D10-1E9C6D5EF768}" srcOrd="0" destOrd="1" presId="urn:microsoft.com/office/officeart/2005/8/layout/hList1"/>
     <dgm:cxn modelId="{FBCB1405-3B81-4AD6-BCA9-0889441663AF}" srcId="{1D73BDCC-71EF-4DEB-AFFF-A634CB40684B}" destId="{2489FFFE-24E5-4797-A1FF-C2A3805B2A34}" srcOrd="2" destOrd="0" parTransId="{357C68EA-388C-47E6-A6C9-E0400771F979}" sibTransId="{6B87AFA7-038C-4F2D-80ED-28C58CF56B4D}"/>
+    <dgm:cxn modelId="{C9410BB8-EE26-47FB-8181-CEE996394396}" type="presOf" srcId="{2489FFFE-24E5-4797-A1FF-C2A3805B2A34}" destId="{369A78C8-5060-48B2-85BF-CA33E09169AB}" srcOrd="0" destOrd="0" presId="urn:microsoft.com/office/officeart/2005/8/layout/hList1"/>
+    <dgm:cxn modelId="{7042A247-F5E1-2144-BC6E-657157A24B97}" srcId="{76A08629-A156-614C-BC4B-BFB6DB11DD49}" destId="{FE46D50B-4C54-204E-92CA-5D4F3D781220}" srcOrd="1" destOrd="0" parTransId="{E3B11BFE-2E8D-6444-90FE-C2F206A4FF74}" sibTransId="{535BD7A9-B215-7E43-90AB-B5413412AF0D}"/>
+    <dgm:cxn modelId="{D5967443-6395-46CF-8BDD-3B05F1F597BD}" srcId="{5FB50C3D-5D93-4F9B-A60E-3F31E9832F51}" destId="{009F2060-8F54-46E3-989F-16C12EA005BD}" srcOrd="0" destOrd="0" parTransId="{6D34EFB5-2A1F-4DAB-9860-0B90B79BF3C6}" sibTransId="{18D769C1-0E9F-469E-A380-398389F9E45E}"/>
+    <dgm:cxn modelId="{C30829A9-AB4D-7F48-ADB0-8F5A2A20F821}" srcId="{2489FFFE-24E5-4797-A1FF-C2A3805B2A34}" destId="{1D27F804-E82C-2043-9BC7-2B8617264BBC}" srcOrd="1" destOrd="0" parTransId="{D9CE9B05-7F3C-4343-897A-CEDA22F70A88}" sibTransId="{30166A5F-227C-4141-BCBA-A37E597F0640}"/>
+    <dgm:cxn modelId="{68151D35-0BF2-4D29-8020-10E1101F1BA8}" type="presOf" srcId="{3CA2E9C3-F52B-44FE-9D0D-93239EDC649C}" destId="{D2F85D6C-CEE9-4A66-942C-CCB8357E7A38}" srcOrd="0" destOrd="1" presId="urn:microsoft.com/office/officeart/2005/8/layout/hList1"/>
     <dgm:cxn modelId="{5E0FF80B-3561-454F-813F-85D9B9410F9C}" srcId="{8656BA58-BEB9-4C9A-91F0-4760FDEA720B}" destId="{FE34673B-E546-4F3F-9432-A02112198986}" srcOrd="0" destOrd="0" parTransId="{1771EEE0-34FD-4710-A0E3-533A37213D7A}" sibTransId="{80F8C907-5731-4C46-85EE-D3573B9EF6D1}"/>
-    <dgm:cxn modelId="{6F58210E-4FBC-4619-BB05-B7B787234DAC}" srcId="{2489FFFE-24E5-4797-A1FF-C2A3805B2A34}" destId="{BC6B93F8-AEC7-48F3-8A60-245EF7A4BADB}" srcOrd="0" destOrd="0" parTransId="{4FDF02FD-704C-4A27-BCD7-045B1E162471}" sibTransId="{A5D254FF-225D-45BF-883C-31B6A06F0A82}"/>
-    <dgm:cxn modelId="{83EBBA0E-0CBB-42B5-A3DF-CE7B1987FBAF}" type="presOf" srcId="{009F2060-8F54-46E3-989F-16C12EA005BD}" destId="{D2F85D6C-CEE9-4A66-942C-CCB8357E7A38}" srcOrd="0" destOrd="0" presId="urn:microsoft.com/office/officeart/2005/8/layout/hList1"/>
-    <dgm:cxn modelId="{C8CD990F-0EE1-4C9C-AF1B-24BE1E37FEBE}" type="presOf" srcId="{5FB50C3D-5D93-4F9B-A60E-3F31E9832F51}" destId="{E544D0E0-70F3-4EA5-9A79-CCED47014928}" srcOrd="0" destOrd="0" presId="urn:microsoft.com/office/officeart/2005/8/layout/hList1"/>
-    <dgm:cxn modelId="{40498A1D-C296-4755-B9DE-1716DC962592}" type="presOf" srcId="{FE34673B-E546-4F3F-9432-A02112198986}" destId="{DFBE9DD1-CF5C-494A-8D10-1E9C6D5EF768}" srcOrd="0" destOrd="0" presId="urn:microsoft.com/office/officeart/2005/8/layout/hList1"/>
-    <dgm:cxn modelId="{C5FD092D-76E8-49FE-8FFE-21A1F9EFC09D}" type="presOf" srcId="{DA8B11F8-AC0C-40EA-A030-C2A5CC6DE363}" destId="{74D124A8-FFF2-41AF-BA41-26BA3A2E2E8A}" srcOrd="0" destOrd="1" presId="urn:microsoft.com/office/officeart/2005/8/layout/hList1"/>
-    <dgm:cxn modelId="{AD9F2D2F-A133-4E5C-AE97-E6BABD0FFE28}" srcId="{2489FFFE-24E5-4797-A1FF-C2A3805B2A34}" destId="{DA8B11F8-AC0C-40EA-A030-C2A5CC6DE363}" srcOrd="1" destOrd="0" parTransId="{D172C0CC-4709-4E8A-A7B9-01DB91C52DA4}" sibTransId="{2A3ABF05-E09A-461B-8880-66FBD917D35E}"/>
     <dgm:cxn modelId="{5FCA4E31-1234-4371-9275-6AF373B6FF3E}" srcId="{1D73BDCC-71EF-4DEB-AFFF-A634CB40684B}" destId="{5FB50C3D-5D93-4F9B-A60E-3F31E9832F51}" srcOrd="1" destOrd="0" parTransId="{8CF7E8CA-1850-467F-A054-5818580782E4}" sibTransId="{CAA000BB-8A1B-422E-97ED-377A36613AFF}"/>
-    <dgm:cxn modelId="{68151D35-0BF2-4D29-8020-10E1101F1BA8}" type="presOf" srcId="{3CA2E9C3-F52B-44FE-9D0D-93239EDC649C}" destId="{D2F85D6C-CEE9-4A66-942C-CCB8357E7A38}" srcOrd="0" destOrd="1" presId="urn:microsoft.com/office/officeart/2005/8/layout/hList1"/>
-    <dgm:cxn modelId="{D5967443-6395-46CF-8BDD-3B05F1F597BD}" srcId="{5FB50C3D-5D93-4F9B-A60E-3F31E9832F51}" destId="{009F2060-8F54-46E3-989F-16C12EA005BD}" srcOrd="0" destOrd="0" parTransId="{6D34EFB5-2A1F-4DAB-9860-0B90B79BF3C6}" sibTransId="{18D769C1-0E9F-469E-A380-398389F9E45E}"/>
-    <dgm:cxn modelId="{4B6B8C48-9299-4085-9969-EF16CA4092A7}" srcId="{8656BA58-BEB9-4C9A-91F0-4760FDEA720B}" destId="{B50A129C-838F-42DD-8DEF-C694CC1C6C9B}" srcOrd="1" destOrd="0" parTransId="{656D4D3A-A9F8-4C75-B87E-4A6AA2078756}" sibTransId="{E4B3143B-B155-4E4D-A75F-BACC92CBA108}"/>
-    <dgm:cxn modelId="{E2418E78-04FE-46E3-8337-7E404EB62DAC}" type="presOf" srcId="{1D73BDCC-71EF-4DEB-AFFF-A634CB40684B}" destId="{9E23ACE5-5713-4CE3-B8F2-3C16BB4281ED}" srcOrd="0" destOrd="0" presId="urn:microsoft.com/office/officeart/2005/8/layout/hList1"/>
+    <dgm:cxn modelId="{496EBF51-058B-A14E-8593-EFDDE2F86745}" type="presOf" srcId="{76A08629-A156-614C-BC4B-BFB6DB11DD49}" destId="{61CE5CCF-624F-E74C-AF28-E1407EEEF8FE}" srcOrd="0" destOrd="0" presId="urn:microsoft.com/office/officeart/2005/8/layout/hList1"/>
     <dgm:cxn modelId="{FDF4A85A-C1E7-42C4-ADEC-9690B308AE90}" srcId="{5FB50C3D-5D93-4F9B-A60E-3F31E9832F51}" destId="{3CA2E9C3-F52B-44FE-9D0D-93239EDC649C}" srcOrd="1" destOrd="0" parTransId="{118B1963-E4F2-47A9-A70B-8FD04D3D7BFE}" sibTransId="{AED65E59-2257-492E-8C00-31F50964138C}"/>
+    <dgm:cxn modelId="{D287948E-E1D0-7F4F-BF8A-90AB9492C889}" type="presOf" srcId="{8D76820D-7299-8948-81FA-F9CAD6052A4B}" destId="{4DB0E74D-0915-7A43-9804-ECC192B86445}" srcOrd="0" destOrd="0" presId="urn:microsoft.com/office/officeart/2005/8/layout/hList1"/>
+    <dgm:cxn modelId="{CBAE9D23-A1D1-584E-9B5E-61DD8C9CD7CB}" srcId="{76A08629-A156-614C-BC4B-BFB6DB11DD49}" destId="{8D76820D-7299-8948-81FA-F9CAD6052A4B}" srcOrd="0" destOrd="0" parTransId="{47608E9C-EC30-124E-B979-44A77EFA2F66}" sibTransId="{F12A8871-E5D4-5E41-B0F7-399292F2B823}"/>
     <dgm:cxn modelId="{A817A6A3-3B9E-47F2-BA5C-2337CCADDFF9}" type="presOf" srcId="{BC6B93F8-AEC7-48F3-8A60-245EF7A4BADB}" destId="{74D124A8-FFF2-41AF-BA41-26BA3A2E2E8A}" srcOrd="0" destOrd="0" presId="urn:microsoft.com/office/officeart/2005/8/layout/hList1"/>
-    <dgm:cxn modelId="{C9410BB8-EE26-47FB-8181-CEE996394396}" type="presOf" srcId="{2489FFFE-24E5-4797-A1FF-C2A3805B2A34}" destId="{369A78C8-5060-48B2-85BF-CA33E09169AB}" srcOrd="0" destOrd="0" presId="urn:microsoft.com/office/officeart/2005/8/layout/hList1"/>
-    <dgm:cxn modelId="{159016D0-C7DA-47EE-B947-0BCAAE7C27B2}" type="presOf" srcId="{8656BA58-BEB9-4C9A-91F0-4760FDEA720B}" destId="{73C3BEF7-AB82-4AE0-9E17-5A3E7E9BB03D}" srcOrd="0" destOrd="0" presId="urn:microsoft.com/office/officeart/2005/8/layout/hList1"/>
-    <dgm:cxn modelId="{4845B7F5-54F3-4C2C-9C34-38CEA36F49F7}" srcId="{1D73BDCC-71EF-4DEB-AFFF-A634CB40684B}" destId="{8656BA58-BEB9-4C9A-91F0-4760FDEA720B}" srcOrd="0" destOrd="0" parTransId="{5E693C52-685E-4A08-8318-64A3EB9EF9BF}" sibTransId="{0C75DEBA-CB97-49F1-89FE-A1580AEB00E8}"/>
     <dgm:cxn modelId="{5DA0C675-E9A7-4E53-B1BE-CFDC10FB28DF}" type="presParOf" srcId="{9E23ACE5-5713-4CE3-B8F2-3C16BB4281ED}" destId="{7ABE44C0-37CA-495A-9254-CBC6B35E68DE}" srcOrd="0" destOrd="0" presId="urn:microsoft.com/office/officeart/2005/8/layout/hList1"/>
     <dgm:cxn modelId="{D4A470CF-71D7-4124-BA73-59DBE6E5CD81}" type="presParOf" srcId="{7ABE44C0-37CA-495A-9254-CBC6B35E68DE}" destId="{73C3BEF7-AB82-4AE0-9E17-5A3E7E9BB03D}" srcOrd="0" destOrd="0" presId="urn:microsoft.com/office/officeart/2005/8/layout/hList1"/>
     <dgm:cxn modelId="{E9D296BC-A210-47DD-8AF4-7CE32AD39733}" type="presParOf" srcId="{7ABE44C0-37CA-495A-9254-CBC6B35E68DE}" destId="{DFBE9DD1-CF5C-494A-8D10-1E9C6D5EF768}" srcOrd="1" destOrd="0" presId="urn:microsoft.com/office/officeart/2005/8/layout/hList1"/>
@@ -5380,6 +5648,10 @@
     <dgm:cxn modelId="{F03DFF47-53D8-4A4C-9985-86D5DD2DEEE8}" type="presParOf" srcId="{9E23ACE5-5713-4CE3-B8F2-3C16BB4281ED}" destId="{0B566577-ABD9-4D2F-B831-8FC4800A26EF}" srcOrd="4" destOrd="0" presId="urn:microsoft.com/office/officeart/2005/8/layout/hList1"/>
     <dgm:cxn modelId="{D12A1D66-3699-4AEE-9862-C18A48781B27}" type="presParOf" srcId="{0B566577-ABD9-4D2F-B831-8FC4800A26EF}" destId="{369A78C8-5060-48B2-85BF-CA33E09169AB}" srcOrd="0" destOrd="0" presId="urn:microsoft.com/office/officeart/2005/8/layout/hList1"/>
     <dgm:cxn modelId="{47A215BD-648A-4001-BC14-DE8433A2F7DA}" type="presParOf" srcId="{0B566577-ABD9-4D2F-B831-8FC4800A26EF}" destId="{74D124A8-FFF2-41AF-BA41-26BA3A2E2E8A}" srcOrd="1" destOrd="0" presId="urn:microsoft.com/office/officeart/2005/8/layout/hList1"/>
+    <dgm:cxn modelId="{E6B5FA09-2DFC-A540-8759-E4986EC51508}" type="presParOf" srcId="{9E23ACE5-5713-4CE3-B8F2-3C16BB4281ED}" destId="{7003BC8D-21A8-7444-9079-E6D072E8CEC3}" srcOrd="5" destOrd="0" presId="urn:microsoft.com/office/officeart/2005/8/layout/hList1"/>
+    <dgm:cxn modelId="{04C9EAE5-D2F4-1440-9456-7C053E949FE6}" type="presParOf" srcId="{9E23ACE5-5713-4CE3-B8F2-3C16BB4281ED}" destId="{154AE6AC-C073-114C-A240-A54BE57FBD02}" srcOrd="6" destOrd="0" presId="urn:microsoft.com/office/officeart/2005/8/layout/hList1"/>
+    <dgm:cxn modelId="{005D6FE3-E800-4845-AB24-C1384919FCF9}" type="presParOf" srcId="{154AE6AC-C073-114C-A240-A54BE57FBD02}" destId="{61CE5CCF-624F-E74C-AF28-E1407EEEF8FE}" srcOrd="0" destOrd="0" presId="urn:microsoft.com/office/officeart/2005/8/layout/hList1"/>
+    <dgm:cxn modelId="{730CBBF4-1F01-7741-AE54-9514F8E175DF}" type="presParOf" srcId="{154AE6AC-C073-114C-A240-A54BE57FBD02}" destId="{4DB0E74D-0915-7A43-9804-ECC192B86445}" srcOrd="1" destOrd="0" presId="urn:microsoft.com/office/officeart/2005/8/layout/hList1"/>
   </dgm:cxnLst>
   <dgm:bg/>
   <dgm:whole/>
@@ -5571,6 +5843,13 @@
         </dgm:presLayoutVars>
       </dgm:prSet>
       <dgm:spPr/>
+      <dgm:t>
+        <a:bodyPr/>
+        <a:lstStyle/>
+        <a:p>
+          <a:endParaRPr lang="en-US"/>
+        </a:p>
+      </dgm:t>
     </dgm:pt>
     <dgm:pt modelId="{C1C52311-9BA8-4FA9-A228-FF782EE6A46C}" type="pres">
       <dgm:prSet presAssocID="{147474AB-A494-41AE-A970-7D5C6AA08B50}" presName="horzOne" presStyleCnt="0"/>
@@ -5591,6 +5870,13 @@
         </dgm:presLayoutVars>
       </dgm:prSet>
       <dgm:spPr/>
+      <dgm:t>
+        <a:bodyPr/>
+        <a:lstStyle/>
+        <a:p>
+          <a:endParaRPr lang="en-US"/>
+        </a:p>
+      </dgm:t>
     </dgm:pt>
     <dgm:pt modelId="{D48DDE50-D926-4A52-9AD4-FD047EE6017E}" type="pres">
       <dgm:prSet presAssocID="{4CB1CFFD-A1C9-4986-8104-DFE8282B7A3A}" presName="horzOne" presStyleCnt="0"/>
@@ -5611,6 +5897,13 @@
         </dgm:presLayoutVars>
       </dgm:prSet>
       <dgm:spPr/>
+      <dgm:t>
+        <a:bodyPr/>
+        <a:lstStyle/>
+        <a:p>
+          <a:endParaRPr lang="en-US"/>
+        </a:p>
+      </dgm:t>
     </dgm:pt>
     <dgm:pt modelId="{FC207AB4-CE96-4B23-B7E0-9B5C90C24685}" type="pres">
       <dgm:prSet presAssocID="{E19261D4-413A-4D24-A67C-7131E37950D9}" presName="horzOne" presStyleCnt="0"/>
@@ -5631,6 +5924,13 @@
         </dgm:presLayoutVars>
       </dgm:prSet>
       <dgm:spPr/>
+      <dgm:t>
+        <a:bodyPr/>
+        <a:lstStyle/>
+        <a:p>
+          <a:endParaRPr lang="en-US"/>
+        </a:p>
+      </dgm:t>
     </dgm:pt>
     <dgm:pt modelId="{94AEDADA-D5BF-48FA-9E94-3727AA4A45AF}" type="pres">
       <dgm:prSet presAssocID="{628737EC-BF5D-44B4-832E-6DC83D41E323}" presName="horzOne" presStyleCnt="0"/>
@@ -5638,15 +5938,15 @@
     </dgm:pt>
   </dgm:ptLst>
   <dgm:cxnLst>
+    <dgm:cxn modelId="{81E851B4-68B7-4038-BC1D-AF2A92FD7281}" srcId="{D1976722-1BC6-4EBD-9345-F01710DF7528}" destId="{628737EC-BF5D-44B4-832E-6DC83D41E323}" srcOrd="3" destOrd="0" parTransId="{55C863A8-C600-4BF6-BD2B-A635A6F0D7EC}" sibTransId="{FAFB067C-FF49-44A9-ADC4-5F06739EB826}"/>
+    <dgm:cxn modelId="{D57EFA24-FB70-4293-9237-12076CD576C9}" type="presOf" srcId="{D1976722-1BC6-4EBD-9345-F01710DF7528}" destId="{7EC773AB-BC05-40C5-A353-DB32A2E49690}" srcOrd="0" destOrd="0" presId="urn:microsoft.com/office/officeart/2005/8/layout/architecture"/>
+    <dgm:cxn modelId="{AAA79D78-63EE-46C5-8EC5-8CCBF0EE0119}" srcId="{D1976722-1BC6-4EBD-9345-F01710DF7528}" destId="{E19261D4-413A-4D24-A67C-7131E37950D9}" srcOrd="2" destOrd="0" parTransId="{F3232E23-D347-41C7-99C1-0259274878C2}" sibTransId="{059F993C-5E64-4BFA-9364-CD6D85179AE5}"/>
+    <dgm:cxn modelId="{DA31469E-06E8-43BD-990E-502F1621E241}" type="presOf" srcId="{E19261D4-413A-4D24-A67C-7131E37950D9}" destId="{7848B7F2-DCDC-49F6-A22F-166B63006C8F}" srcOrd="0" destOrd="0" presId="urn:microsoft.com/office/officeart/2005/8/layout/architecture"/>
+    <dgm:cxn modelId="{4877E5C0-95C5-4DC5-897F-491ACEDBE977}" srcId="{D1976722-1BC6-4EBD-9345-F01710DF7528}" destId="{147474AB-A494-41AE-A970-7D5C6AA08B50}" srcOrd="0" destOrd="0" parTransId="{E0715591-9014-4994-BABE-ABC27CE95996}" sibTransId="{66EE4D11-FA00-440E-8984-ADFC9D0A4819}"/>
+    <dgm:cxn modelId="{3B1A907D-7C40-47CD-B9B7-358DDBE728A3}" srcId="{D1976722-1BC6-4EBD-9345-F01710DF7528}" destId="{4CB1CFFD-A1C9-4986-8104-DFE8282B7A3A}" srcOrd="1" destOrd="0" parTransId="{2A768072-23F3-46DE-AF38-61ED9AC2415B}" sibTransId="{C4C6C65F-3569-4579-9BBC-2696E4295C81}"/>
+    <dgm:cxn modelId="{A0259E67-2367-4120-A795-2F4EFDF615C7}" type="presOf" srcId="{147474AB-A494-41AE-A970-7D5C6AA08B50}" destId="{CD6D7667-27A2-4DEA-B77B-F3C892B04CB8}" srcOrd="0" destOrd="0" presId="urn:microsoft.com/office/officeart/2005/8/layout/architecture"/>
     <dgm:cxn modelId="{FF42381C-B446-43C2-AC5C-16B9FED7F0D7}" type="presOf" srcId="{4CB1CFFD-A1C9-4986-8104-DFE8282B7A3A}" destId="{C42B02DB-06A7-4FDF-9F14-6B3ABB21917E}" srcOrd="0" destOrd="0" presId="urn:microsoft.com/office/officeart/2005/8/layout/architecture"/>
-    <dgm:cxn modelId="{D57EFA24-FB70-4293-9237-12076CD576C9}" type="presOf" srcId="{D1976722-1BC6-4EBD-9345-F01710DF7528}" destId="{7EC773AB-BC05-40C5-A353-DB32A2E49690}" srcOrd="0" destOrd="0" presId="urn:microsoft.com/office/officeart/2005/8/layout/architecture"/>
-    <dgm:cxn modelId="{A0259E67-2367-4120-A795-2F4EFDF615C7}" type="presOf" srcId="{147474AB-A494-41AE-A970-7D5C6AA08B50}" destId="{CD6D7667-27A2-4DEA-B77B-F3C892B04CB8}" srcOrd="0" destOrd="0" presId="urn:microsoft.com/office/officeart/2005/8/layout/architecture"/>
-    <dgm:cxn modelId="{AAA79D78-63EE-46C5-8EC5-8CCBF0EE0119}" srcId="{D1976722-1BC6-4EBD-9345-F01710DF7528}" destId="{E19261D4-413A-4D24-A67C-7131E37950D9}" srcOrd="2" destOrd="0" parTransId="{F3232E23-D347-41C7-99C1-0259274878C2}" sibTransId="{059F993C-5E64-4BFA-9364-CD6D85179AE5}"/>
-    <dgm:cxn modelId="{3B1A907D-7C40-47CD-B9B7-358DDBE728A3}" srcId="{D1976722-1BC6-4EBD-9345-F01710DF7528}" destId="{4CB1CFFD-A1C9-4986-8104-DFE8282B7A3A}" srcOrd="1" destOrd="0" parTransId="{2A768072-23F3-46DE-AF38-61ED9AC2415B}" sibTransId="{C4C6C65F-3569-4579-9BBC-2696E4295C81}"/>
-    <dgm:cxn modelId="{DA31469E-06E8-43BD-990E-502F1621E241}" type="presOf" srcId="{E19261D4-413A-4D24-A67C-7131E37950D9}" destId="{7848B7F2-DCDC-49F6-A22F-166B63006C8F}" srcOrd="0" destOrd="0" presId="urn:microsoft.com/office/officeart/2005/8/layout/architecture"/>
-    <dgm:cxn modelId="{81E851B4-68B7-4038-BC1D-AF2A92FD7281}" srcId="{D1976722-1BC6-4EBD-9345-F01710DF7528}" destId="{628737EC-BF5D-44B4-832E-6DC83D41E323}" srcOrd="3" destOrd="0" parTransId="{55C863A8-C600-4BF6-BD2B-A635A6F0D7EC}" sibTransId="{FAFB067C-FF49-44A9-ADC4-5F06739EB826}"/>
     <dgm:cxn modelId="{FA3B7ABF-2E23-45B9-9679-362A8EA97BC1}" type="presOf" srcId="{628737EC-BF5D-44B4-832E-6DC83D41E323}" destId="{6FD231A8-AF7B-4A24-B6F6-A3A042BDD170}" srcOrd="0" destOrd="0" presId="urn:microsoft.com/office/officeart/2005/8/layout/architecture"/>
-    <dgm:cxn modelId="{4877E5C0-95C5-4DC5-897F-491ACEDBE977}" srcId="{D1976722-1BC6-4EBD-9345-F01710DF7528}" destId="{147474AB-A494-41AE-A970-7D5C6AA08B50}" srcOrd="0" destOrd="0" parTransId="{E0715591-9014-4994-BABE-ABC27CE95996}" sibTransId="{66EE4D11-FA00-440E-8984-ADFC9D0A4819}"/>
     <dgm:cxn modelId="{E636F797-4CA8-4104-AEE4-EB1D76A2B032}" type="presParOf" srcId="{7EC773AB-BC05-40C5-A353-DB32A2E49690}" destId="{A5FD49C7-A279-4A3E-A151-47BC3F45196E}" srcOrd="0" destOrd="0" presId="urn:microsoft.com/office/officeart/2005/8/layout/architecture"/>
     <dgm:cxn modelId="{E1E917A3-B3EB-4F23-AE06-B0189920C5A9}" type="presParOf" srcId="{A5FD49C7-A279-4A3E-A151-47BC3F45196E}" destId="{CD6D7667-27A2-4DEA-B77B-F3C892B04CB8}" srcOrd="0" destOrd="0" presId="urn:microsoft.com/office/officeart/2005/8/layout/architecture"/>
     <dgm:cxn modelId="{F45E6CB9-BBB4-4CD6-8760-F6355D15B2C9}" type="presParOf" srcId="{A5FD49C7-A279-4A3E-A151-47BC3F45196E}" destId="{C1C52311-9BA8-4FA9-A228-FF782EE6A46C}" srcOrd="1" destOrd="0" presId="urn:microsoft.com/office/officeart/2005/8/layout/architecture"/>
@@ -5733,7 +6033,7 @@
         </a:bodyPr>
         <a:lstStyle/>
         <a:p>
-          <a:pPr marL="0" lvl="0" indent="0" algn="ctr" defTabSz="1200150">
+          <a:pPr lvl="0" algn="ctr" defTabSz="1200150">
             <a:lnSpc>
               <a:spcPct val="90000"/>
             </a:lnSpc>
@@ -5743,7 +6043,6 @@
             <a:spcAft>
               <a:spcPct val="35000"/>
             </a:spcAft>
-            <a:buNone/>
           </a:pPr>
           <a:r>
             <a:rPr lang="en-US" sz="2700" kern="1200" dirty="0"/>
@@ -5850,7 +6149,7 @@
         </a:bodyPr>
         <a:lstStyle/>
         <a:p>
-          <a:pPr marL="0" lvl="0" indent="0" algn="ctr" defTabSz="1200150">
+          <a:pPr lvl="0" algn="ctr" defTabSz="1200150">
             <a:lnSpc>
               <a:spcPct val="90000"/>
             </a:lnSpc>
@@ -5860,7 +6159,6 @@
             <a:spcAft>
               <a:spcPct val="35000"/>
             </a:spcAft>
-            <a:buNone/>
           </a:pPr>
           <a:r>
             <a:rPr lang="en-US" sz="2700" kern="1200" dirty="0"/>
@@ -5972,7 +6270,7 @@
         </a:bodyPr>
         <a:lstStyle/>
         <a:p>
-          <a:pPr marL="0" lvl="0" indent="0" algn="ctr" defTabSz="1200150">
+          <a:pPr lvl="0" algn="ctr" defTabSz="1200150">
             <a:lnSpc>
               <a:spcPct val="90000"/>
             </a:lnSpc>
@@ -5982,7 +6280,6 @@
             <a:spcAft>
               <a:spcPct val="35000"/>
             </a:spcAft>
-            <a:buNone/>
           </a:pPr>
           <a:r>
             <a:rPr lang="en-US" sz="2700" kern="1200" dirty="0"/>
@@ -6094,7 +6391,7 @@
         </a:bodyPr>
         <a:lstStyle/>
         <a:p>
-          <a:pPr marL="0" lvl="0" indent="0" algn="ctr" defTabSz="1200150">
+          <a:pPr lvl="0" algn="ctr" defTabSz="1200150">
             <a:lnSpc>
               <a:spcPct val="90000"/>
             </a:lnSpc>
@@ -6104,7 +6401,6 @@
             <a:spcAft>
               <a:spcPct val="35000"/>
             </a:spcAft>
-            <a:buNone/>
           </a:pPr>
           <a:r>
             <a:rPr lang="en-US" sz="2700" kern="1200" dirty="0"/>
@@ -6136,8 +6432,8 @@
       </dsp:nvSpPr>
       <dsp:spPr>
         <a:xfrm>
-          <a:off x="2854" y="126809"/>
-          <a:ext cx="2783134" cy="1017362"/>
+          <a:off x="3437" y="978926"/>
+          <a:ext cx="2067222" cy="795428"/>
         </a:xfrm>
         <a:prstGeom prst="rect">
           <a:avLst/>
@@ -6179,12 +6475,12 @@
         </a:fontRef>
       </dsp:style>
       <dsp:txBody>
-        <a:bodyPr spcFirstLastPara="0" vert="horz" wrap="square" lIns="199136" tIns="113792" rIns="199136" bIns="113792" numCol="1" spcCol="1270" anchor="ctr" anchorCtr="0">
+        <a:bodyPr spcFirstLastPara="0" vert="horz" wrap="square" lIns="113792" tIns="65024" rIns="113792" bIns="65024" numCol="1" spcCol="1270" anchor="ctr" anchorCtr="0">
           <a:noAutofit/>
         </a:bodyPr>
         <a:lstStyle/>
         <a:p>
-          <a:pPr marL="0" lvl="0" indent="0" algn="ctr" defTabSz="1244600">
+          <a:pPr lvl="0" algn="ctr" defTabSz="711200">
             <a:lnSpc>
               <a:spcPct val="90000"/>
             </a:lnSpc>
@@ -6194,17 +6490,16 @@
             <a:spcAft>
               <a:spcPct val="35000"/>
             </a:spcAft>
-            <a:buNone/>
           </a:pPr>
           <a:r>
-            <a:rPr lang="en-US" sz="2800" kern="1200" dirty="0"/>
+            <a:rPr lang="en-US" sz="1600" kern="1200" dirty="0"/>
             <a:t>White-owned Businesses</a:t>
           </a:r>
         </a:p>
       </dsp:txBody>
       <dsp:txXfrm>
-        <a:off x="2854" y="126809"/>
-        <a:ext cx="2783134" cy="1017362"/>
+        <a:off x="3437" y="978926"/>
+        <a:ext cx="2067222" cy="795428"/>
       </dsp:txXfrm>
     </dsp:sp>
     <dsp:sp modelId="{DFBE9DD1-CF5C-494A-8D10-1E9C6D5EF768}">
@@ -6214,8 +6509,8 @@
       </dsp:nvSpPr>
       <dsp:spPr>
         <a:xfrm>
-          <a:off x="2854" y="1144171"/>
-          <a:ext cx="2783134" cy="2843819"/>
+          <a:off x="3437" y="1774354"/>
+          <a:ext cx="2067222" cy="1361520"/>
         </a:xfrm>
         <a:prstGeom prst="rect">
           <a:avLst/>
@@ -6259,12 +6554,12 @@
         <a:fontRef idx="minor"/>
       </dsp:style>
       <dsp:txBody>
-        <a:bodyPr spcFirstLastPara="0" vert="horz" wrap="square" lIns="149352" tIns="149352" rIns="199136" bIns="224028" numCol="1" spcCol="1270" anchor="t" anchorCtr="0">
+        <a:bodyPr spcFirstLastPara="0" vert="horz" wrap="square" lIns="85344" tIns="85344" rIns="113792" bIns="128016" numCol="1" spcCol="1270" anchor="t" anchorCtr="0">
           <a:noAutofit/>
         </a:bodyPr>
         <a:lstStyle/>
         <a:p>
-          <a:pPr marL="285750" lvl="1" indent="-285750" algn="l" defTabSz="1244600">
+          <a:pPr marL="171450" lvl="1" indent="-171450" algn="l" defTabSz="711200">
             <a:lnSpc>
               <a:spcPct val="90000"/>
             </a:lnSpc>
@@ -6277,12 +6572,12 @@
             <a:buChar char="•"/>
           </a:pPr>
           <a:r>
-            <a:rPr lang="en-US" sz="2800" kern="1200" dirty="0"/>
+            <a:rPr lang="en-US" sz="1600" kern="1200" dirty="0"/>
             <a:t>Create 55.9 million jobs</a:t>
           </a:r>
         </a:p>
         <a:p>
-          <a:pPr marL="285750" lvl="1" indent="-285750" algn="l" defTabSz="1244600">
+          <a:pPr marL="171450" lvl="1" indent="-171450" algn="l" defTabSz="711200">
             <a:lnSpc>
               <a:spcPct val="90000"/>
             </a:lnSpc>
@@ -6295,14 +6590,14 @@
             <a:buChar char="•"/>
           </a:pPr>
           <a:r>
-            <a:rPr lang="en-US" sz="2800" kern="1200" dirty="0"/>
+            <a:rPr lang="en-US" sz="1600" kern="1200" dirty="0"/>
             <a:t>Generate $212.9 Trillion in annual revenue</a:t>
           </a:r>
         </a:p>
       </dsp:txBody>
       <dsp:txXfrm>
-        <a:off x="2854" y="1144171"/>
-        <a:ext cx="2783134" cy="2843819"/>
+        <a:off x="3437" y="1774354"/>
+        <a:ext cx="2067222" cy="1361520"/>
       </dsp:txXfrm>
     </dsp:sp>
     <dsp:sp modelId="{E544D0E0-70F3-4EA5-9A79-CCED47014928}">
@@ -6312,8 +6607,8 @@
       </dsp:nvSpPr>
       <dsp:spPr>
         <a:xfrm>
-          <a:off x="3175628" y="126809"/>
-          <a:ext cx="2783134" cy="1017362"/>
+          <a:off x="2360072" y="978926"/>
+          <a:ext cx="2067222" cy="795428"/>
         </a:xfrm>
         <a:prstGeom prst="rect">
           <a:avLst/>
@@ -6355,12 +6650,12 @@
         </a:fontRef>
       </dsp:style>
       <dsp:txBody>
-        <a:bodyPr spcFirstLastPara="0" vert="horz" wrap="square" lIns="199136" tIns="113792" rIns="199136" bIns="113792" numCol="1" spcCol="1270" anchor="ctr" anchorCtr="0">
+        <a:bodyPr spcFirstLastPara="0" vert="horz" wrap="square" lIns="113792" tIns="65024" rIns="113792" bIns="65024" numCol="1" spcCol="1270" anchor="ctr" anchorCtr="0">
           <a:noAutofit/>
         </a:bodyPr>
         <a:lstStyle/>
         <a:p>
-          <a:pPr marL="0" lvl="0" indent="0" algn="ctr" defTabSz="1244600">
+          <a:pPr lvl="0" algn="ctr" defTabSz="711200">
             <a:lnSpc>
               <a:spcPct val="90000"/>
             </a:lnSpc>
@@ -6370,17 +6665,16 @@
             <a:spcAft>
               <a:spcPct val="35000"/>
             </a:spcAft>
-            <a:buNone/>
           </a:pPr>
           <a:r>
-            <a:rPr lang="en-US" sz="2800" kern="1200" dirty="0"/>
+            <a:rPr lang="en-US" sz="1600" kern="1200" dirty="0"/>
             <a:t>Asian-owned Businesses</a:t>
           </a:r>
         </a:p>
       </dsp:txBody>
       <dsp:txXfrm>
-        <a:off x="3175628" y="126809"/>
-        <a:ext cx="2783134" cy="1017362"/>
+        <a:off x="2360072" y="978926"/>
+        <a:ext cx="2067222" cy="795428"/>
       </dsp:txXfrm>
     </dsp:sp>
     <dsp:sp modelId="{D2F85D6C-CEE9-4A66-942C-CCB8357E7A38}">
@@ -6390,8 +6684,8 @@
       </dsp:nvSpPr>
       <dsp:spPr>
         <a:xfrm>
-          <a:off x="3175628" y="1144171"/>
-          <a:ext cx="2783134" cy="2843819"/>
+          <a:off x="2360072" y="1774354"/>
+          <a:ext cx="2067222" cy="1361520"/>
         </a:xfrm>
         <a:prstGeom prst="rect">
           <a:avLst/>
@@ -6435,12 +6729,12 @@
         <a:fontRef idx="minor"/>
       </dsp:style>
       <dsp:txBody>
-        <a:bodyPr spcFirstLastPara="0" vert="horz" wrap="square" lIns="149352" tIns="149352" rIns="199136" bIns="224028" numCol="1" spcCol="1270" anchor="t" anchorCtr="0">
+        <a:bodyPr spcFirstLastPara="0" vert="horz" wrap="square" lIns="85344" tIns="85344" rIns="113792" bIns="128016" numCol="1" spcCol="1270" anchor="t" anchorCtr="0">
           <a:noAutofit/>
         </a:bodyPr>
         <a:lstStyle/>
         <a:p>
-          <a:pPr marL="285750" lvl="1" indent="-285750" algn="l" defTabSz="1244600">
+          <a:pPr marL="171450" lvl="1" indent="-171450" algn="l" defTabSz="711200">
             <a:lnSpc>
               <a:spcPct val="90000"/>
             </a:lnSpc>
@@ -6453,12 +6747,12 @@
             <a:buChar char="•"/>
           </a:pPr>
           <a:r>
-            <a:rPr lang="en-US" sz="2800" kern="1200" dirty="0"/>
+            <a:rPr lang="en-US" sz="1600" kern="1200" dirty="0"/>
             <a:t>Create 3.8 million jobs</a:t>
           </a:r>
         </a:p>
         <a:p>
-          <a:pPr marL="285750" lvl="1" indent="-285750" algn="l" defTabSz="1244600">
+          <a:pPr marL="171450" lvl="1" indent="-171450" algn="l" defTabSz="711200">
             <a:lnSpc>
               <a:spcPct val="90000"/>
             </a:lnSpc>
@@ -6471,14 +6765,14 @@
             <a:buChar char="•"/>
           </a:pPr>
           <a:r>
-            <a:rPr lang="en-US" sz="2800" kern="1200" dirty="0"/>
+            <a:rPr lang="en-US" sz="1600" kern="1200" dirty="0"/>
             <a:t>Generate $793.5 billion in annual revenue</a:t>
           </a:r>
         </a:p>
       </dsp:txBody>
       <dsp:txXfrm>
-        <a:off x="3175628" y="1144171"/>
-        <a:ext cx="2783134" cy="2843819"/>
+        <a:off x="2360072" y="1774354"/>
+        <a:ext cx="2067222" cy="1361520"/>
       </dsp:txXfrm>
     </dsp:sp>
     <dsp:sp modelId="{369A78C8-5060-48B2-85BF-CA33E09169AB}">
@@ -6488,8 +6782,8 @@
       </dsp:nvSpPr>
       <dsp:spPr>
         <a:xfrm>
-          <a:off x="6348401" y="126809"/>
-          <a:ext cx="2783134" cy="1017362"/>
+          <a:off x="4716706" y="978926"/>
+          <a:ext cx="2067222" cy="795428"/>
         </a:xfrm>
         <a:prstGeom prst="rect">
           <a:avLst/>
@@ -6531,12 +6825,12 @@
         </a:fontRef>
       </dsp:style>
       <dsp:txBody>
-        <a:bodyPr spcFirstLastPara="0" vert="horz" wrap="square" lIns="199136" tIns="113792" rIns="199136" bIns="113792" numCol="1" spcCol="1270" anchor="ctr" anchorCtr="0">
+        <a:bodyPr spcFirstLastPara="0" vert="horz" wrap="square" lIns="113792" tIns="65024" rIns="113792" bIns="65024" numCol="1" spcCol="1270" anchor="ctr" anchorCtr="0">
           <a:noAutofit/>
         </a:bodyPr>
         <a:lstStyle/>
         <a:p>
-          <a:pPr marL="0" lvl="0" indent="0" algn="ctr" defTabSz="1244600">
+          <a:pPr lvl="0" algn="ctr" defTabSz="711200">
             <a:lnSpc>
               <a:spcPct val="90000"/>
             </a:lnSpc>
@@ -6546,17 +6840,16 @@
             <a:spcAft>
               <a:spcPct val="35000"/>
             </a:spcAft>
-            <a:buNone/>
           </a:pPr>
           <a:r>
-            <a:rPr lang="en-US" sz="2800" kern="1200" dirty="0"/>
+            <a:rPr lang="en-US" sz="1600" kern="1200" dirty="0"/>
             <a:t>Hispanic-owned Businesses</a:t>
           </a:r>
         </a:p>
       </dsp:txBody>
       <dsp:txXfrm>
-        <a:off x="6348401" y="126809"/>
-        <a:ext cx="2783134" cy="1017362"/>
+        <a:off x="4716706" y="978926"/>
+        <a:ext cx="2067222" cy="795428"/>
       </dsp:txXfrm>
     </dsp:sp>
     <dsp:sp modelId="{74D124A8-FFF2-41AF-BA41-26BA3A2E2E8A}">
@@ -6566,8 +6859,8 @@
       </dsp:nvSpPr>
       <dsp:spPr>
         <a:xfrm>
-          <a:off x="6348401" y="1144171"/>
-          <a:ext cx="2783134" cy="2843819"/>
+          <a:off x="4716706" y="1774354"/>
+          <a:ext cx="2067222" cy="1361520"/>
         </a:xfrm>
         <a:prstGeom prst="rect">
           <a:avLst/>
@@ -6611,12 +6904,12 @@
         <a:fontRef idx="minor"/>
       </dsp:style>
       <dsp:txBody>
-        <a:bodyPr spcFirstLastPara="0" vert="horz" wrap="square" lIns="149352" tIns="149352" rIns="199136" bIns="224028" numCol="1" spcCol="1270" anchor="t" anchorCtr="0">
+        <a:bodyPr spcFirstLastPara="0" vert="horz" wrap="square" lIns="85344" tIns="85344" rIns="113792" bIns="128016" numCol="1" spcCol="1270" anchor="t" anchorCtr="0">
           <a:noAutofit/>
         </a:bodyPr>
         <a:lstStyle/>
         <a:p>
-          <a:pPr marL="285750" lvl="1" indent="-285750" algn="l" defTabSz="1244600">
+          <a:pPr marL="171450" lvl="1" indent="-171450" algn="l" defTabSz="711200">
             <a:lnSpc>
               <a:spcPct val="90000"/>
             </a:lnSpc>
@@ -6629,12 +6922,17 @@
             <a:buChar char="•"/>
           </a:pPr>
           <a:r>
-            <a:rPr lang="en-US" sz="2800" kern="1200" dirty="0"/>
-            <a:t>Create 2.5 million jobs</a:t>
+            <a:rPr lang="en-US" sz="1600" kern="1200" dirty="0"/>
+            <a:t>Create 2.5 million </a:t>
           </a:r>
+          <a:r>
+            <a:rPr lang="en-US" sz="1600" kern="1200" dirty="0" smtClean="0"/>
+            <a:t>jobs</a:t>
+          </a:r>
+          <a:endParaRPr lang="en-US" sz="1600" kern="1200" dirty="0"/>
         </a:p>
         <a:p>
-          <a:pPr marL="285750" lvl="1" indent="-285750" algn="l" defTabSz="1244600">
+          <a:pPr marL="171450" lvl="1" indent="-171450" algn="l" defTabSz="711200">
             <a:lnSpc>
               <a:spcPct val="90000"/>
             </a:lnSpc>
@@ -6647,14 +6945,193 @@
             <a:buChar char="•"/>
           </a:pPr>
           <a:r>
-            <a:rPr lang="en-US" sz="2800" kern="1200" dirty="0"/>
+            <a:rPr lang="en-US" sz="1600" kern="1200" dirty="0" smtClean="0"/>
             <a:t>Generate $473.6 billion in annual revenue</a:t>
           </a:r>
+          <a:endParaRPr lang="en-US" sz="1600" kern="1200" dirty="0"/>
         </a:p>
       </dsp:txBody>
       <dsp:txXfrm>
-        <a:off x="6348401" y="1144171"/>
-        <a:ext cx="2783134" cy="2843819"/>
+        <a:off x="4716706" y="1774354"/>
+        <a:ext cx="2067222" cy="1361520"/>
+      </dsp:txXfrm>
+    </dsp:sp>
+    <dsp:sp modelId="{61CE5CCF-624F-E74C-AF28-E1407EEEF8FE}">
+      <dsp:nvSpPr>
+        <dsp:cNvPr id="0" name=""/>
+        <dsp:cNvSpPr/>
+      </dsp:nvSpPr>
+      <dsp:spPr>
+        <a:xfrm>
+          <a:off x="7073340" y="978926"/>
+          <a:ext cx="2067222" cy="795428"/>
+        </a:xfrm>
+        <a:prstGeom prst="rect">
+          <a:avLst/>
+        </a:prstGeom>
+        <a:solidFill>
+          <a:schemeClr val="accent1">
+            <a:hueOff val="0"/>
+            <a:satOff val="0"/>
+            <a:lumOff val="0"/>
+            <a:alphaOff val="0"/>
+          </a:schemeClr>
+        </a:solidFill>
+        <a:ln w="12700" cap="flat" cmpd="sng" algn="ctr">
+          <a:solidFill>
+            <a:schemeClr val="accent1">
+              <a:hueOff val="0"/>
+              <a:satOff val="0"/>
+              <a:lumOff val="0"/>
+              <a:alphaOff val="0"/>
+            </a:schemeClr>
+          </a:solidFill>
+          <a:prstDash val="solid"/>
+          <a:miter lim="800000"/>
+        </a:ln>
+        <a:effectLst/>
+      </dsp:spPr>
+      <dsp:style>
+        <a:lnRef idx="2">
+          <a:scrgbClr r="0" g="0" b="0"/>
+        </a:lnRef>
+        <a:fillRef idx="1">
+          <a:scrgbClr r="0" g="0" b="0"/>
+        </a:fillRef>
+        <a:effectRef idx="0">
+          <a:scrgbClr r="0" g="0" b="0"/>
+        </a:effectRef>
+        <a:fontRef idx="minor">
+          <a:schemeClr val="lt1"/>
+        </a:fontRef>
+      </dsp:style>
+      <dsp:txBody>
+        <a:bodyPr spcFirstLastPara="0" vert="horz" wrap="square" lIns="113792" tIns="65024" rIns="113792" bIns="65024" numCol="1" spcCol="1270" anchor="ctr" anchorCtr="0">
+          <a:noAutofit/>
+        </a:bodyPr>
+        <a:lstStyle/>
+        <a:p>
+          <a:pPr lvl="0" algn="ctr" defTabSz="711200">
+            <a:lnSpc>
+              <a:spcPct val="90000"/>
+            </a:lnSpc>
+            <a:spcBef>
+              <a:spcPct val="0"/>
+            </a:spcBef>
+            <a:spcAft>
+              <a:spcPct val="35000"/>
+            </a:spcAft>
+          </a:pPr>
+          <a:r>
+            <a:rPr lang="en-US" sz="1600" kern="1200" dirty="0" smtClean="0"/>
+            <a:t>Middle Eastern &amp; North African (MENA) Businesses</a:t>
+          </a:r>
+          <a:endParaRPr lang="en-US" sz="1600" kern="1200" dirty="0"/>
+        </a:p>
+      </dsp:txBody>
+      <dsp:txXfrm>
+        <a:off x="7073340" y="978926"/>
+        <a:ext cx="2067222" cy="795428"/>
+      </dsp:txXfrm>
+    </dsp:sp>
+    <dsp:sp modelId="{4DB0E74D-0915-7A43-9804-ECC192B86445}">
+      <dsp:nvSpPr>
+        <dsp:cNvPr id="0" name=""/>
+        <dsp:cNvSpPr/>
+      </dsp:nvSpPr>
+      <dsp:spPr>
+        <a:xfrm>
+          <a:off x="7073340" y="1774354"/>
+          <a:ext cx="2067222" cy="1361520"/>
+        </a:xfrm>
+        <a:prstGeom prst="rect">
+          <a:avLst/>
+        </a:prstGeom>
+        <a:solidFill>
+          <a:schemeClr val="accent1">
+            <a:alpha val="90000"/>
+            <a:tint val="40000"/>
+            <a:hueOff val="0"/>
+            <a:satOff val="0"/>
+            <a:lumOff val="0"/>
+            <a:alphaOff val="0"/>
+          </a:schemeClr>
+        </a:solidFill>
+        <a:ln w="12700" cap="flat" cmpd="sng" algn="ctr">
+          <a:solidFill>
+            <a:schemeClr val="accent1">
+              <a:alpha val="90000"/>
+              <a:tint val="40000"/>
+              <a:hueOff val="0"/>
+              <a:satOff val="0"/>
+              <a:lumOff val="0"/>
+              <a:alphaOff val="0"/>
+            </a:schemeClr>
+          </a:solidFill>
+          <a:prstDash val="solid"/>
+          <a:miter lim="800000"/>
+        </a:ln>
+        <a:effectLst/>
+      </dsp:spPr>
+      <dsp:style>
+        <a:lnRef idx="2">
+          <a:scrgbClr r="0" g="0" b="0"/>
+        </a:lnRef>
+        <a:fillRef idx="1">
+          <a:scrgbClr r="0" g="0" b="0"/>
+        </a:fillRef>
+        <a:effectRef idx="0">
+          <a:scrgbClr r="0" g="0" b="0"/>
+        </a:effectRef>
+        <a:fontRef idx="minor"/>
+      </dsp:style>
+      <dsp:txBody>
+        <a:bodyPr spcFirstLastPara="0" vert="horz" wrap="square" lIns="85344" tIns="85344" rIns="113792" bIns="128016" numCol="1" spcCol="1270" anchor="t" anchorCtr="0">
+          <a:noAutofit/>
+        </a:bodyPr>
+        <a:lstStyle/>
+        <a:p>
+          <a:pPr marL="171450" lvl="1" indent="-171450" algn="l" defTabSz="711200">
+            <a:lnSpc>
+              <a:spcPct val="90000"/>
+            </a:lnSpc>
+            <a:spcBef>
+              <a:spcPct val="0"/>
+            </a:spcBef>
+            <a:spcAft>
+              <a:spcPct val="15000"/>
+            </a:spcAft>
+            <a:buChar char="•"/>
+          </a:pPr>
+          <a:r>
+            <a:rPr lang="en-US" sz="1600" kern="1200" dirty="0" smtClean="0"/>
+            <a:t>Create 73,829 jobs</a:t>
+          </a:r>
+          <a:endParaRPr lang="en-US" sz="1600" kern="1200" dirty="0"/>
+        </a:p>
+        <a:p>
+          <a:pPr marL="171450" lvl="1" indent="-171450" algn="l" defTabSz="711200">
+            <a:lnSpc>
+              <a:spcPct val="90000"/>
+            </a:lnSpc>
+            <a:spcBef>
+              <a:spcPct val="0"/>
+            </a:spcBef>
+            <a:spcAft>
+              <a:spcPct val="15000"/>
+            </a:spcAft>
+            <a:buChar char="•"/>
+          </a:pPr>
+          <a:r>
+            <a:rPr lang="en-US" sz="1600" kern="1200" dirty="0" smtClean="0"/>
+            <a:t>64% of MENA citizens are entrepreneurs</a:t>
+          </a:r>
+          <a:endParaRPr lang="en-US" sz="1600" kern="1200" dirty="0"/>
+        </a:p>
+      </dsp:txBody>
+      <dsp:txXfrm>
+        <a:off x="7073340" y="1774354"/>
+        <a:ext cx="2067222" cy="1361520"/>
       </dsp:txXfrm>
     </dsp:sp>
   </dsp:spTree>
@@ -6726,7 +7203,7 @@
         </a:bodyPr>
         <a:lstStyle/>
         <a:p>
-          <a:pPr marL="0" lvl="0" indent="0" algn="ctr" defTabSz="1333500">
+          <a:pPr lvl="0" algn="ctr" defTabSz="1333500">
             <a:lnSpc>
               <a:spcPct val="90000"/>
             </a:lnSpc>
@@ -6736,7 +7213,6 @@
             <a:spcAft>
               <a:spcPct val="35000"/>
             </a:spcAft>
-            <a:buNone/>
           </a:pPr>
           <a:r>
             <a:rPr lang="en-US" sz="3000" kern="1200" dirty="0"/>
@@ -6806,7 +7282,7 @@
         </a:bodyPr>
         <a:lstStyle/>
         <a:p>
-          <a:pPr marL="0" lvl="0" indent="0" algn="ctr" defTabSz="1333500">
+          <a:pPr lvl="0" algn="ctr" defTabSz="1333500">
             <a:lnSpc>
               <a:spcPct val="90000"/>
             </a:lnSpc>
@@ -6816,7 +7292,6 @@
             <a:spcAft>
               <a:spcPct val="35000"/>
             </a:spcAft>
-            <a:buNone/>
           </a:pPr>
           <a:r>
             <a:rPr lang="en-US" sz="3000" kern="1200" dirty="0"/>
@@ -6886,7 +7361,7 @@
         </a:bodyPr>
         <a:lstStyle/>
         <a:p>
-          <a:pPr marL="0" lvl="0" indent="0" algn="ctr" defTabSz="1333500">
+          <a:pPr lvl="0" algn="ctr" defTabSz="1333500">
             <a:lnSpc>
               <a:spcPct val="90000"/>
             </a:lnSpc>
@@ -6896,7 +7371,6 @@
             <a:spcAft>
               <a:spcPct val="35000"/>
             </a:spcAft>
-            <a:buNone/>
           </a:pPr>
           <a:r>
             <a:rPr lang="en-US" sz="3000" kern="1200" dirty="0"/>
@@ -6904,7 +7378,7 @@
           </a:r>
         </a:p>
         <a:p>
-          <a:pPr marL="0" lvl="0" indent="0" algn="ctr" defTabSz="1333500">
+          <a:pPr lvl="0" algn="ctr" defTabSz="1333500">
             <a:lnSpc>
               <a:spcPct val="90000"/>
             </a:lnSpc>
@@ -6914,7 +7388,6 @@
             <a:spcAft>
               <a:spcPct val="35000"/>
             </a:spcAft>
-            <a:buNone/>
           </a:pPr>
           <a:r>
             <a:rPr lang="en-US" sz="3000" kern="1200" dirty="0"/>
@@ -6984,7 +7457,7 @@
         </a:bodyPr>
         <a:lstStyle/>
         <a:p>
-          <a:pPr marL="0" lvl="0" indent="0" algn="ctr" defTabSz="1333500">
+          <a:pPr lvl="0" algn="ctr" defTabSz="1333500">
             <a:lnSpc>
               <a:spcPct val="90000"/>
             </a:lnSpc>
@@ -6994,7 +7467,6 @@
             <a:spcAft>
               <a:spcPct val="35000"/>
             </a:spcAft>
-            <a:buNone/>
           </a:pPr>
           <a:r>
             <a:rPr lang="en-US" sz="3000" kern="1200" dirty="0"/>
@@ -11195,7 +11667,7 @@
           <a:p>
             <a:fld id="{59088EAF-6ECA-4616-85EF-35AA19C641F3}" type="datetimeFigureOut">
               <a:rPr lang="en-US"/>
-              <a:t>9/11/2017</a:t>
+              <a:t>9/11/17</a:t>
             </a:fld>
             <a:endParaRPr/>
           </a:p>
@@ -11360,7 +11832,7 @@
           <a:p>
             <a:fld id="{3ABD2D7A-D230-4F91-BD59-0A39C2703BA8}" type="datetimeFigureOut">
               <a:rPr lang="en-US"/>
-              <a:t>9/11/2017</a:t>
+              <a:t>9/11/17</a:t>
             </a:fld>
             <a:endParaRPr/>
           </a:p>
@@ -11969,7 +12441,7 @@
           <a:p>
             <a:fld id="{03F41C87-7AD9-4845-A077-840E4A0F3F06}" type="datetimeFigureOut">
               <a:rPr lang="en-US"/>
-              <a:t>9/11/2017</a:t>
+              <a:t>9/11/17</a:t>
             </a:fld>
             <a:endParaRPr/>
           </a:p>
@@ -12161,7 +12633,7 @@
           <a:p>
             <a:fld id="{03F41C87-7AD9-4845-A077-840E4A0F3F06}" type="datetimeFigureOut">
               <a:rPr lang="en-US"/>
-              <a:t>9/11/2017</a:t>
+              <a:t>9/11/17</a:t>
             </a:fld>
             <a:endParaRPr/>
           </a:p>
@@ -12350,7 +12822,7 @@
           <a:p>
             <a:fld id="{03F41C87-7AD9-4845-A077-840E4A0F3F06}" type="datetimeFigureOut">
               <a:rPr lang="en-US"/>
-              <a:t>9/11/2017</a:t>
+              <a:t>9/11/17</a:t>
             </a:fld>
             <a:endParaRPr/>
           </a:p>
@@ -12630,7 +13102,7 @@
           <a:p>
             <a:fld id="{03F41C87-7AD9-4845-A077-840E4A0F3F06}" type="datetimeFigureOut">
               <a:rPr lang="en-US"/>
-              <a:t>9/11/2017</a:t>
+              <a:t>9/11/17</a:t>
             </a:fld>
             <a:endParaRPr/>
           </a:p>
@@ -12934,7 +13406,7 @@
           <a:p>
             <a:fld id="{03F41C87-7AD9-4845-A077-840E4A0F3F06}" type="datetimeFigureOut">
               <a:rPr lang="en-US"/>
-              <a:t>9/11/2017</a:t>
+              <a:t>9/11/17</a:t>
             </a:fld>
             <a:endParaRPr/>
           </a:p>
@@ -13390,7 +13862,7 @@
           <a:p>
             <a:fld id="{03F41C87-7AD9-4845-A077-840E4A0F3F06}" type="datetimeFigureOut">
               <a:rPr lang="en-US"/>
-              <a:t>9/11/2017</a:t>
+              <a:t>9/11/17</a:t>
             </a:fld>
             <a:endParaRPr/>
           </a:p>
@@ -13520,7 +13992,7 @@
           <a:p>
             <a:fld id="{03F41C87-7AD9-4845-A077-840E4A0F3F06}" type="datetimeFigureOut">
               <a:rPr lang="en-US"/>
-              <a:t>9/11/2017</a:t>
+              <a:t>9/11/17</a:t>
             </a:fld>
             <a:endParaRPr/>
           </a:p>
@@ -13635,7 +14107,7 @@
           <a:p>
             <a:fld id="{03F41C87-7AD9-4845-A077-840E4A0F3F06}" type="datetimeFigureOut">
               <a:rPr lang="en-US"/>
-              <a:t>9/11/2017</a:t>
+              <a:t>9/11/17</a:t>
             </a:fld>
             <a:endParaRPr/>
           </a:p>
@@ -13957,7 +14429,7 @@
           <a:p>
             <a:fld id="{03F41C87-7AD9-4845-A077-840E4A0F3F06}" type="datetimeFigureOut">
               <a:rPr lang="en-US"/>
-              <a:t>9/11/2017</a:t>
+              <a:t>9/11/17</a:t>
             </a:fld>
             <a:endParaRPr/>
           </a:p>
@@ -14269,7 +14741,7 @@
             <a:fld id="{03F41C87-7AD9-4845-A077-840E4A0F3F06}" type="datetimeFigureOut">
               <a:rPr lang="en-US"/>
               <a:pPr/>
-              <a:t>9/11/2017</a:t>
+              <a:t>9/11/17</a:t>
             </a:fld>
             <a:endParaRPr/>
           </a:p>
@@ -14523,7 +14995,7 @@
             <a:fld id="{03F41C87-7AD9-4845-A077-840E4A0F3F06}" type="datetimeFigureOut">
               <a:rPr lang="en-US" smtClean="0"/>
               <a:pPr/>
-              <a:t>9/11/2017</a:t>
+              <a:t>9/11/17</a:t>
             </a:fld>
             <a:endParaRPr lang="en-US"/>
           </a:p>
@@ -14953,13 +15425,25 @@
         <p:spPr/>
         <p:txBody>
           <a:bodyPr>
-            <a:normAutofit fontScale="90000"/>
+            <a:normAutofit/>
           </a:bodyPr>
           <a:lstStyle/>
           <a:p>
             <a:r>
+              <a:rPr lang="en-US" dirty="0" smtClean="0"/>
+              <a:t># </a:t>
+            </a:r>
+            <a:r>
+              <a:rPr lang="en-US" sz="7600" dirty="0" smtClean="0"/>
+              <a:t>1 </a:t>
+            </a:r>
+            <a:r>
+              <a:rPr lang="en-US" dirty="0" smtClean="0"/>
+              <a:t>Entrepreneur </a:t>
+            </a:r>
+            <a:r>
               <a:rPr lang="en-US" dirty="0"/>
-              <a:t>Number One Entrepreneur Training &amp; Career Development Center</a:t>
+              <a:t>Training &amp; Career Development Center</a:t>
             </a:r>
           </a:p>
         </p:txBody>
@@ -15346,7 +15830,7 @@
           <p:cNvPr id="2" name="Title 1">
             <a:extLst>
               <a:ext uri="{FF2B5EF4-FFF2-40B4-BE49-F238E27FC236}">
-                <a16:creationId xmlns:a16="http://schemas.microsoft.com/office/drawing/2014/main" id="{3BE61F87-758A-4CFC-8A4C-4E3D7E569FF6}"/>
+                <a16:creationId xmlns:a16="http://schemas.microsoft.com/office/drawing/2014/main" xmlns="" id="{3BE61F87-758A-4CFC-8A4C-4E3D7E569FF6}"/>
               </a:ext>
             </a:extLst>
           </p:cNvPr>
@@ -15364,8 +15848,12 @@
           <a:p>
             <a:pPr algn="ctr"/>
             <a:r>
+              <a:rPr lang="en-US" dirty="0" smtClean="0"/>
+              <a:t>#1 Entrepreneur </a:t>
+            </a:r>
+            <a:r>
               <a:rPr lang="en-US" dirty="0"/>
-              <a:t>Number One Entrepreneur Training and Career Development Center </a:t>
+              <a:t>Training and Career Development Center </a:t>
             </a:r>
           </a:p>
         </p:txBody>
@@ -15375,7 +15863,7 @@
           <p:cNvPr id="3" name="Content Placeholder 2">
             <a:extLst>
               <a:ext uri="{FF2B5EF4-FFF2-40B4-BE49-F238E27FC236}">
-                <a16:creationId xmlns:a16="http://schemas.microsoft.com/office/drawing/2014/main" id="{4C3D37D3-BF7D-4C8E-A516-DCEF1DE7B725}"/>
+                <a16:creationId xmlns:a16="http://schemas.microsoft.com/office/drawing/2014/main" xmlns="" id="{4C3D37D3-BF7D-4C8E-A516-DCEF1DE7B725}"/>
               </a:ext>
             </a:extLst>
           </p:cNvPr>
@@ -15448,7 +15936,7 @@
           <p:cNvPr id="2" name="Title 1">
             <a:extLst>
               <a:ext uri="{FF2B5EF4-FFF2-40B4-BE49-F238E27FC236}">
-                <a16:creationId xmlns:a16="http://schemas.microsoft.com/office/drawing/2014/main" id="{982738D5-0E63-4DF4-853C-12684D840EC9}"/>
+                <a16:creationId xmlns:a16="http://schemas.microsoft.com/office/drawing/2014/main" xmlns="" id="{982738D5-0E63-4DF4-853C-12684D840EC9}"/>
               </a:ext>
             </a:extLst>
           </p:cNvPr>
@@ -15482,7 +15970,7 @@
           <p:cNvPr id="3" name="Content Placeholder 2">
             <a:extLst>
               <a:ext uri="{FF2B5EF4-FFF2-40B4-BE49-F238E27FC236}">
-                <a16:creationId xmlns:a16="http://schemas.microsoft.com/office/drawing/2014/main" id="{E0D2481B-A688-4915-917B-BC83679EB7C4}"/>
+                <a16:creationId xmlns:a16="http://schemas.microsoft.com/office/drawing/2014/main" xmlns="" id="{E0D2481B-A688-4915-917B-BC83679EB7C4}"/>
               </a:ext>
             </a:extLst>
           </p:cNvPr>
@@ -15625,7 +16113,7 @@
           <p:cNvPr id="2" name="Title 1">
             <a:extLst>
               <a:ext uri="{FF2B5EF4-FFF2-40B4-BE49-F238E27FC236}">
-                <a16:creationId xmlns:a16="http://schemas.microsoft.com/office/drawing/2014/main" id="{FB505410-A79B-4A3D-989C-2ED0F64D5EFC}"/>
+                <a16:creationId xmlns:a16="http://schemas.microsoft.com/office/drawing/2014/main" xmlns="" id="{FB505410-A79B-4A3D-989C-2ED0F64D5EFC}"/>
               </a:ext>
             </a:extLst>
           </p:cNvPr>
@@ -15654,7 +16142,7 @@
           <p:cNvPr id="3" name="Content Placeholder 2">
             <a:extLst>
               <a:ext uri="{FF2B5EF4-FFF2-40B4-BE49-F238E27FC236}">
-                <a16:creationId xmlns:a16="http://schemas.microsoft.com/office/drawing/2014/main" id="{CA6ACBBA-074E-4069-AB77-61D05B618F31}"/>
+                <a16:creationId xmlns:a16="http://schemas.microsoft.com/office/drawing/2014/main" xmlns="" id="{CA6ACBBA-074E-4069-AB77-61D05B618F31}"/>
               </a:ext>
             </a:extLst>
           </p:cNvPr>
@@ -15692,14 +16180,24 @@
           <a:p>
             <a:r>
               <a:rPr lang="en-US" dirty="0"/>
-              <a:t>Laptops for CNA / Direct Care Students </a:t>
+              <a:t>Laptops for </a:t>
             </a:r>
+            <a:r>
+              <a:rPr lang="en-US" dirty="0" smtClean="0"/>
+              <a:t>Enrolled Students </a:t>
+            </a:r>
+            <a:endParaRPr lang="en-US" dirty="0"/>
           </a:p>
           <a:p>
             <a:r>
               <a:rPr lang="en-US" dirty="0"/>
-              <a:t>Business Funding</a:t>
+              <a:t>Business </a:t>
             </a:r>
+            <a:r>
+              <a:rPr lang="en-US" dirty="0" smtClean="0"/>
+              <a:t>Funding Assistance</a:t>
+            </a:r>
+            <a:endParaRPr lang="en-US" dirty="0"/>
           </a:p>
           <a:p>
             <a:r>
@@ -15774,7 +16272,7 @@
           <p:cNvPr id="2" name="Title 1">
             <a:extLst>
               <a:ext uri="{FF2B5EF4-FFF2-40B4-BE49-F238E27FC236}">
-                <a16:creationId xmlns:a16="http://schemas.microsoft.com/office/drawing/2014/main" id="{231D4098-BEF0-44B6-B7F4-DA7C0DD5FA2D}"/>
+                <a16:creationId xmlns:a16="http://schemas.microsoft.com/office/drawing/2014/main" xmlns="" id="{231D4098-BEF0-44B6-B7F4-DA7C0DD5FA2D}"/>
               </a:ext>
             </a:extLst>
           </p:cNvPr>
@@ -15797,8 +16295,20 @@
           <a:p>
             <a:pPr algn="ctr"/>
             <a:r>
+              <a:rPr lang="en-US" dirty="0" smtClean="0"/>
+              <a:t>Annual Success </a:t>
+            </a:r>
+            <a:r>
               <a:rPr lang="en-US" dirty="0"/>
-              <a:t>Success Measure of Areas of Study</a:t>
+              <a:t>Measure </a:t>
+            </a:r>
+            <a:r>
+              <a:rPr lang="en-US" dirty="0" smtClean="0"/>
+              <a:t>by Areas </a:t>
+            </a:r>
+            <a:r>
+              <a:rPr lang="en-US" dirty="0"/>
+              <a:t>of Study</a:t>
             </a:r>
           </a:p>
         </p:txBody>
@@ -15808,7 +16318,7 @@
           <p:cNvPr id="4" name="Content Placeholder 3">
             <a:extLst>
               <a:ext uri="{FF2B5EF4-FFF2-40B4-BE49-F238E27FC236}">
-                <a16:creationId xmlns:a16="http://schemas.microsoft.com/office/drawing/2014/main" id="{7D52736A-A119-4316-8963-A4BE09475A41}"/>
+                <a16:creationId xmlns:a16="http://schemas.microsoft.com/office/drawing/2014/main" xmlns="" id="{7D52736A-A119-4316-8963-A4BE09475A41}"/>
               </a:ext>
             </a:extLst>
           </p:cNvPr>
@@ -15881,7 +16391,7 @@
           <p:cNvPr id="5" name="Title 4">
             <a:extLst>
               <a:ext uri="{FF2B5EF4-FFF2-40B4-BE49-F238E27FC236}">
-                <a16:creationId xmlns:a16="http://schemas.microsoft.com/office/drawing/2014/main" id="{5CA8AB48-E7D2-4CA1-93CC-06FCACB24813}"/>
+                <a16:creationId xmlns:a16="http://schemas.microsoft.com/office/drawing/2014/main" xmlns="" id="{5CA8AB48-E7D2-4CA1-93CC-06FCACB24813}"/>
               </a:ext>
             </a:extLst>
           </p:cNvPr>
@@ -15910,7 +16420,7 @@
           <p:cNvPr id="6" name="Text Placeholder 5">
             <a:extLst>
               <a:ext uri="{FF2B5EF4-FFF2-40B4-BE49-F238E27FC236}">
-                <a16:creationId xmlns:a16="http://schemas.microsoft.com/office/drawing/2014/main" id="{C25B46BB-2197-4D33-A4D8-7C98B8AD5D71}"/>
+                <a16:creationId xmlns:a16="http://schemas.microsoft.com/office/drawing/2014/main" xmlns="" id="{C25B46BB-2197-4D33-A4D8-7C98B8AD5D71}"/>
               </a:ext>
             </a:extLst>
           </p:cNvPr>
@@ -15939,7 +16449,7 @@
           <p:cNvPr id="7" name="Content Placeholder 6">
             <a:extLst>
               <a:ext uri="{FF2B5EF4-FFF2-40B4-BE49-F238E27FC236}">
-                <a16:creationId xmlns:a16="http://schemas.microsoft.com/office/drawing/2014/main" id="{F975B758-4EAB-4ABB-B1A9-A14DB411D701}"/>
+                <a16:creationId xmlns:a16="http://schemas.microsoft.com/office/drawing/2014/main" xmlns="" id="{F975B758-4EAB-4ABB-B1A9-A14DB411D701}"/>
               </a:ext>
             </a:extLst>
           </p:cNvPr>
@@ -15964,7 +16474,7 @@
           <p:cNvPr id="8" name="Text Placeholder 7">
             <a:extLst>
               <a:ext uri="{FF2B5EF4-FFF2-40B4-BE49-F238E27FC236}">
-                <a16:creationId xmlns:a16="http://schemas.microsoft.com/office/drawing/2014/main" id="{42BDFB99-0592-4967-A73F-F43219AF9653}"/>
+                <a16:creationId xmlns:a16="http://schemas.microsoft.com/office/drawing/2014/main" xmlns="" id="{42BDFB99-0592-4967-A73F-F43219AF9653}"/>
               </a:ext>
             </a:extLst>
           </p:cNvPr>
@@ -15989,7 +16499,7 @@
           <p:cNvPr id="9" name="Content Placeholder 8">
             <a:extLst>
               <a:ext uri="{FF2B5EF4-FFF2-40B4-BE49-F238E27FC236}">
-                <a16:creationId xmlns:a16="http://schemas.microsoft.com/office/drawing/2014/main" id="{756B205A-FA7F-44AC-9DB5-2056B130B779}"/>
+                <a16:creationId xmlns:a16="http://schemas.microsoft.com/office/drawing/2014/main" xmlns="" id="{756B205A-FA7F-44AC-9DB5-2056B130B779}"/>
               </a:ext>
             </a:extLst>
           </p:cNvPr>
@@ -16096,8 +16606,13 @@
             </a:pPr>
             <a:r>
               <a:rPr lang="en-US" dirty="0"/>
-              <a:t> Our mission is to empower black communities throughout Detroit by increasing the number of black owned businesses.  Our efforts will assist in reducing the number of unemployed Detroit residents, improve economic growth in Detroit communities, and create a network of black business owners as leaders who serve as the voice of the City of Detroit.  It is our hope that as our communities strengthen, those business leaders become mentors, create employment opportunities for others, challenge elected leaders to improve services in our city, and encourage global retailers to invest in the City of Detroit.</a:t>
+              <a:t> Our mission is to empower black communities throughout Detroit by increasing the number of black owned businesses.  Our efforts will assist in reducing the number of unemployed Detroit residents, improve economic growth in Detroit communities, and create a network of black business owners as leaders who serve as the voice of the City of Detroit.  It is our hope that as our communities strengthen, those business leaders become mentors, create employment opportunities for others, challenge elected leaders to improve services in our city, and encourage global retailers to invest in </a:t>
             </a:r>
+            <a:r>
+              <a:rPr lang="en-US" dirty="0" smtClean="0"/>
+              <a:t>black owned businesses.</a:t>
+            </a:r>
+            <a:endParaRPr lang="en-US" dirty="0"/>
           </a:p>
         </p:txBody>
       </p:sp>
@@ -16148,7 +16663,7 @@
           <p:cNvPr id="2" name="Title 1">
             <a:extLst>
               <a:ext uri="{FF2B5EF4-FFF2-40B4-BE49-F238E27FC236}">
-                <a16:creationId xmlns:a16="http://schemas.microsoft.com/office/drawing/2014/main" id="{59DA164D-E60F-45B3-94A2-D967FC7437E3}"/>
+                <a16:creationId xmlns:a16="http://schemas.microsoft.com/office/drawing/2014/main" xmlns="" id="{59DA164D-E60F-45B3-94A2-D967FC7437E3}"/>
               </a:ext>
             </a:extLst>
           </p:cNvPr>
@@ -16179,7 +16694,7 @@
           <p:cNvPr id="3" name="Content Placeholder 2">
             <a:extLst>
               <a:ext uri="{FF2B5EF4-FFF2-40B4-BE49-F238E27FC236}">
-                <a16:creationId xmlns:a16="http://schemas.microsoft.com/office/drawing/2014/main" id="{5B025535-9F38-47A5-BB3E-BAE0D3860BFA}"/>
+                <a16:creationId xmlns:a16="http://schemas.microsoft.com/office/drawing/2014/main" xmlns="" id="{5B025535-9F38-47A5-BB3E-BAE0D3860BFA}"/>
               </a:ext>
             </a:extLst>
           </p:cNvPr>
@@ -16282,7 +16797,7 @@
           <p:cNvPr id="2" name="Title 1">
             <a:extLst>
               <a:ext uri="{FF2B5EF4-FFF2-40B4-BE49-F238E27FC236}">
-                <a16:creationId xmlns:a16="http://schemas.microsoft.com/office/drawing/2014/main" id="{916086A0-17A1-4089-A17D-0367C819A314}"/>
+                <a16:creationId xmlns:a16="http://schemas.microsoft.com/office/drawing/2014/main" xmlns="" id="{916086A0-17A1-4089-A17D-0367C819A314}"/>
               </a:ext>
             </a:extLst>
           </p:cNvPr>
@@ -16316,7 +16831,7 @@
           <p:cNvPr id="8" name="Content Placeholder 7">
             <a:extLst>
               <a:ext uri="{FF2B5EF4-FFF2-40B4-BE49-F238E27FC236}">
-                <a16:creationId xmlns:a16="http://schemas.microsoft.com/office/drawing/2014/main" id="{BF3D6AC1-6643-4D23-950D-D5134E9680C6}"/>
+                <a16:creationId xmlns:a16="http://schemas.microsoft.com/office/drawing/2014/main" xmlns="" id="{BF3D6AC1-6643-4D23-950D-D5134E9680C6}"/>
               </a:ext>
             </a:extLst>
           </p:cNvPr>
@@ -16389,7 +16904,7 @@
           <p:cNvPr id="2" name="Title 1">
             <a:extLst>
               <a:ext uri="{FF2B5EF4-FFF2-40B4-BE49-F238E27FC236}">
-                <a16:creationId xmlns:a16="http://schemas.microsoft.com/office/drawing/2014/main" id="{13AE6A9F-7286-43A3-89F0-5405E69017E5}"/>
+                <a16:creationId xmlns:a16="http://schemas.microsoft.com/office/drawing/2014/main" xmlns="" id="{13AE6A9F-7286-43A3-89F0-5405E69017E5}"/>
               </a:ext>
             </a:extLst>
           </p:cNvPr>
@@ -16418,7 +16933,7 @@
           <p:cNvPr id="4" name="Content Placeholder 3">
             <a:extLst>
               <a:ext uri="{FF2B5EF4-FFF2-40B4-BE49-F238E27FC236}">
-                <a16:creationId xmlns:a16="http://schemas.microsoft.com/office/drawing/2014/main" id="{57BDEBB2-9428-4F61-A31F-82619AB532D6}"/>
+                <a16:creationId xmlns:a16="http://schemas.microsoft.com/office/drawing/2014/main" xmlns="" id="{57BDEBB2-9428-4F61-A31F-82619AB532D6}"/>
               </a:ext>
             </a:extLst>
           </p:cNvPr>
@@ -16491,7 +17006,7 @@
           <p:cNvPr id="2" name="Title 1">
             <a:extLst>
               <a:ext uri="{FF2B5EF4-FFF2-40B4-BE49-F238E27FC236}">
-                <a16:creationId xmlns:a16="http://schemas.microsoft.com/office/drawing/2014/main" id="{BD6B1EBF-4D99-4B97-8848-6195E0376261}"/>
+                <a16:creationId xmlns:a16="http://schemas.microsoft.com/office/drawing/2014/main" xmlns="" id="{BD6B1EBF-4D99-4B97-8848-6195E0376261}"/>
               </a:ext>
             </a:extLst>
           </p:cNvPr>
@@ -16520,7 +17035,7 @@
           <p:cNvPr id="3" name="Content Placeholder 2">
             <a:extLst>
               <a:ext uri="{FF2B5EF4-FFF2-40B4-BE49-F238E27FC236}">
-                <a16:creationId xmlns:a16="http://schemas.microsoft.com/office/drawing/2014/main" id="{5BFC82A0-0FD6-4A5A-A313-E725E8896D30}"/>
+                <a16:creationId xmlns:a16="http://schemas.microsoft.com/office/drawing/2014/main" xmlns="" id="{5BFC82A0-0FD6-4A5A-A313-E725E8896D30}"/>
               </a:ext>
             </a:extLst>
           </p:cNvPr>
@@ -16534,7 +17049,7 @@
         <p:spPr/>
         <p:txBody>
           <a:bodyPr>
-            <a:normAutofit lnSpcReduction="10000"/>
+            <a:normAutofit fontScale="85000" lnSpcReduction="20000"/>
           </a:bodyPr>
           <a:lstStyle/>
           <a:p>
@@ -16602,8 +17117,27 @@
             <a:pPr lvl="1"/>
             <a:r>
               <a:rPr lang="en-US" dirty="0"/>
-              <a:t>Upscale Dining Establishments</a:t>
+              <a:t>Upscale Dining </a:t>
             </a:r>
+            <a:r>
+              <a:rPr lang="en-US" dirty="0" smtClean="0"/>
+              <a:t>Establishments</a:t>
+            </a:r>
+          </a:p>
+          <a:p>
+            <a:pPr lvl="1"/>
+            <a:r>
+              <a:rPr lang="en-US" dirty="0" smtClean="0"/>
+              <a:t>Janitorial</a:t>
+            </a:r>
+          </a:p>
+          <a:p>
+            <a:pPr lvl="1"/>
+            <a:r>
+              <a:rPr lang="en-US" dirty="0" smtClean="0"/>
+              <a:t>Non-Emergency Medical Transportation</a:t>
+            </a:r>
+            <a:endParaRPr lang="en-US" dirty="0"/>
           </a:p>
         </p:txBody>
       </p:sp>
@@ -16654,7 +17188,7 @@
           <p:cNvPr id="2" name="Title 1">
             <a:extLst>
               <a:ext uri="{FF2B5EF4-FFF2-40B4-BE49-F238E27FC236}">
-                <a16:creationId xmlns:a16="http://schemas.microsoft.com/office/drawing/2014/main" id="{559C0CEC-696C-4A5F-B9ED-34333FC2E734}"/>
+                <a16:creationId xmlns:a16="http://schemas.microsoft.com/office/drawing/2014/main" xmlns="" id="{559C0CEC-696C-4A5F-B9ED-34333FC2E734}"/>
               </a:ext>
             </a:extLst>
           </p:cNvPr>
@@ -16690,7 +17224,7 @@
           <p:cNvPr id="4" name="Content Placeholder 3">
             <a:extLst>
               <a:ext uri="{FF2B5EF4-FFF2-40B4-BE49-F238E27FC236}">
-                <a16:creationId xmlns:a16="http://schemas.microsoft.com/office/drawing/2014/main" id="{13D84CD3-962F-4542-A999-A09F38FCEA4D}"/>
+                <a16:creationId xmlns:a16="http://schemas.microsoft.com/office/drawing/2014/main" xmlns="" id="{13D84CD3-962F-4542-A999-A09F38FCEA4D}"/>
               </a:ext>
             </a:extLst>
           </p:cNvPr>
@@ -16763,7 +17297,7 @@
           <p:cNvPr id="2" name="Title 1">
             <a:extLst>
               <a:ext uri="{FF2B5EF4-FFF2-40B4-BE49-F238E27FC236}">
-                <a16:creationId xmlns:a16="http://schemas.microsoft.com/office/drawing/2014/main" id="{A6B4FC16-22AC-4AD7-A406-3AB857F557E3}"/>
+                <a16:creationId xmlns:a16="http://schemas.microsoft.com/office/drawing/2014/main" xmlns="" id="{A6B4FC16-22AC-4AD7-A406-3AB857F557E3}"/>
               </a:ext>
             </a:extLst>
           </p:cNvPr>
@@ -16792,7 +17326,7 @@
           <p:cNvPr id="5" name="Content Placeholder 4">
             <a:extLst>
               <a:ext uri="{FF2B5EF4-FFF2-40B4-BE49-F238E27FC236}">
-                <a16:creationId xmlns:a16="http://schemas.microsoft.com/office/drawing/2014/main" id="{454B43BB-B390-4F48-8F45-3D4AABCABA32}"/>
+                <a16:creationId xmlns:a16="http://schemas.microsoft.com/office/drawing/2014/main" xmlns="" id="{454B43BB-B390-4F48-8F45-3D4AABCABA32}"/>
               </a:ext>
             </a:extLst>
           </p:cNvPr>
@@ -16803,14 +17337,14 @@
             <p:ph idx="1"/>
             <p:extLst>
               <p:ext uri="{D42A27DB-BD31-4B8C-83A1-F6EECF244321}">
-                <p14:modId xmlns:p14="http://schemas.microsoft.com/office/powerpoint/2010/main" val="753020056"/>
+                <p14:modId xmlns:p14="http://schemas.microsoft.com/office/powerpoint/2010/main" val="1032046155"/>
               </p:ext>
             </p:extLst>
           </p:nvPr>
         </p:nvGraphicFramePr>
         <p:xfrm>
           <a:off x="1522413" y="1904999"/>
-          <a:ext cx="9134391" cy="4114801"/>
+          <a:ext cx="9144001" cy="4114801"/>
         </p:xfrm>
         <a:graphic>
           <a:graphicData uri="http://schemas.openxmlformats.org/drawingml/2006/diagram">
@@ -16865,7 +17399,7 @@
           <p:cNvPr id="2" name="Title 1">
             <a:extLst>
               <a:ext uri="{FF2B5EF4-FFF2-40B4-BE49-F238E27FC236}">
-                <a16:creationId xmlns:a16="http://schemas.microsoft.com/office/drawing/2014/main" id="{85F431AE-9D4A-4DE8-A073-CB79C144BB0A}"/>
+                <a16:creationId xmlns:a16="http://schemas.microsoft.com/office/drawing/2014/main" xmlns="" id="{85F431AE-9D4A-4DE8-A073-CB79C144BB0A}"/>
               </a:ext>
             </a:extLst>
           </p:cNvPr>
@@ -16899,7 +17433,7 @@
           <p:cNvPr id="3" name="Content Placeholder 2">
             <a:extLst>
               <a:ext uri="{FF2B5EF4-FFF2-40B4-BE49-F238E27FC236}">
-                <a16:creationId xmlns:a16="http://schemas.microsoft.com/office/drawing/2014/main" id="{C9837FE2-D804-4775-A903-6C3BDF1E3473}"/>
+                <a16:creationId xmlns:a16="http://schemas.microsoft.com/office/drawing/2014/main" xmlns="" id="{C9837FE2-D804-4775-A903-6C3BDF1E3473}"/>
               </a:ext>
             </a:extLst>
           </p:cNvPr>
@@ -16935,7 +17469,7 @@
           <p:cNvPr id="4" name="TextBox 3">
             <a:extLst>
               <a:ext uri="{FF2B5EF4-FFF2-40B4-BE49-F238E27FC236}">
-                <a16:creationId xmlns:a16="http://schemas.microsoft.com/office/drawing/2014/main" id="{1BFF1F06-67AB-4693-8FA9-F056A1791A1B}"/>
+                <a16:creationId xmlns:a16="http://schemas.microsoft.com/office/drawing/2014/main" xmlns="" id="{1BFF1F06-67AB-4693-8FA9-F056A1791A1B}"/>
               </a:ext>
             </a:extLst>
           </p:cNvPr>
